--- a/GGG PPT.pptx
+++ b/GGG PPT.pptx
@@ -6,10 +6,15 @@
   </p:sldMasterIdLst>
   <p:sldIdLst>
     <p:sldId id="261" r:id="rId2"/>
-    <p:sldId id="256" r:id="rId3"/>
-    <p:sldId id="257" r:id="rId4"/>
-    <p:sldId id="258" r:id="rId5"/>
-    <p:sldId id="259" r:id="rId6"/>
+    <p:sldId id="273" r:id="rId3"/>
+    <p:sldId id="266" r:id="rId4"/>
+    <p:sldId id="269" r:id="rId5"/>
+    <p:sldId id="270" r:id="rId6"/>
+    <p:sldId id="271" r:id="rId7"/>
+    <p:sldId id="272" r:id="rId8"/>
+    <p:sldId id="257" r:id="rId9"/>
+    <p:sldId id="258" r:id="rId10"/>
+    <p:sldId id="259" r:id="rId11"/>
   </p:sldIdLst>
   <p:sldSz cx="12192000" cy="6858000"/>
   <p:notesSz cx="6858000" cy="9144000"/>
@@ -108,6 +113,11 @@
       </a:defRPr>
     </a:lvl9pPr>
   </p:defaultTextStyle>
+  <p:extLst>
+    <p:ext uri="{EFAFB233-063F-42B5-8137-9DF3F51BA10A}">
+      <p15:sldGuideLst xmlns:p15="http://schemas.microsoft.com/office/powerpoint/2012/main"/>
+    </p:ext>
+  </p:extLst>
 </p:presentation>
 </file>
 
@@ -258,7 +268,7 @@
           <a:p>
             <a:fld id="{C9333BB4-981D-4829-8843-126E56F5BD64}" type="datetimeFigureOut">
               <a:rPr lang="en-US" smtClean="0"/>
-              <a:t>1/26/2019</a:t>
+              <a:t>1/28/2019</a:t>
             </a:fld>
             <a:endParaRPr lang="en-US"/>
           </a:p>
@@ -456,7 +466,7 @@
           <a:p>
             <a:fld id="{C9333BB4-981D-4829-8843-126E56F5BD64}" type="datetimeFigureOut">
               <a:rPr lang="en-US" smtClean="0"/>
-              <a:t>1/26/2019</a:t>
+              <a:t>1/28/2019</a:t>
             </a:fld>
             <a:endParaRPr lang="en-US"/>
           </a:p>
@@ -664,7 +674,7 @@
           <a:p>
             <a:fld id="{C9333BB4-981D-4829-8843-126E56F5BD64}" type="datetimeFigureOut">
               <a:rPr lang="en-US" smtClean="0"/>
-              <a:t>1/26/2019</a:t>
+              <a:t>1/28/2019</a:t>
             </a:fld>
             <a:endParaRPr lang="en-US"/>
           </a:p>
@@ -862,7 +872,7 @@
           <a:p>
             <a:fld id="{C9333BB4-981D-4829-8843-126E56F5BD64}" type="datetimeFigureOut">
               <a:rPr lang="en-US" smtClean="0"/>
-              <a:t>1/26/2019</a:t>
+              <a:t>1/28/2019</a:t>
             </a:fld>
             <a:endParaRPr lang="en-US"/>
           </a:p>
@@ -1137,7 +1147,7 @@
           <a:p>
             <a:fld id="{C9333BB4-981D-4829-8843-126E56F5BD64}" type="datetimeFigureOut">
               <a:rPr lang="en-US" smtClean="0"/>
-              <a:t>1/26/2019</a:t>
+              <a:t>1/28/2019</a:t>
             </a:fld>
             <a:endParaRPr lang="en-US"/>
           </a:p>
@@ -1402,7 +1412,7 @@
           <a:p>
             <a:fld id="{C9333BB4-981D-4829-8843-126E56F5BD64}" type="datetimeFigureOut">
               <a:rPr lang="en-US" smtClean="0"/>
-              <a:t>1/26/2019</a:t>
+              <a:t>1/28/2019</a:t>
             </a:fld>
             <a:endParaRPr lang="en-US"/>
           </a:p>
@@ -1814,7 +1824,7 @@
           <a:p>
             <a:fld id="{C9333BB4-981D-4829-8843-126E56F5BD64}" type="datetimeFigureOut">
               <a:rPr lang="en-US" smtClean="0"/>
-              <a:t>1/26/2019</a:t>
+              <a:t>1/28/2019</a:t>
             </a:fld>
             <a:endParaRPr lang="en-US"/>
           </a:p>
@@ -1955,7 +1965,7 @@
           <a:p>
             <a:fld id="{C9333BB4-981D-4829-8843-126E56F5BD64}" type="datetimeFigureOut">
               <a:rPr lang="en-US" smtClean="0"/>
-              <a:t>1/26/2019</a:t>
+              <a:t>1/28/2019</a:t>
             </a:fld>
             <a:endParaRPr lang="en-US"/>
           </a:p>
@@ -2068,7 +2078,7 @@
           <a:p>
             <a:fld id="{C9333BB4-981D-4829-8843-126E56F5BD64}" type="datetimeFigureOut">
               <a:rPr lang="en-US" smtClean="0"/>
-              <a:t>1/26/2019</a:t>
+              <a:t>1/28/2019</a:t>
             </a:fld>
             <a:endParaRPr lang="en-US"/>
           </a:p>
@@ -2379,7 +2389,7 @@
           <a:p>
             <a:fld id="{C9333BB4-981D-4829-8843-126E56F5BD64}" type="datetimeFigureOut">
               <a:rPr lang="en-US" smtClean="0"/>
-              <a:t>1/26/2019</a:t>
+              <a:t>1/28/2019</a:t>
             </a:fld>
             <a:endParaRPr lang="en-US"/>
           </a:p>
@@ -2667,7 +2677,7 @@
           <a:p>
             <a:fld id="{C9333BB4-981D-4829-8843-126E56F5BD64}" type="datetimeFigureOut">
               <a:rPr lang="en-US" smtClean="0"/>
-              <a:t>1/26/2019</a:t>
+              <a:t>1/28/2019</a:t>
             </a:fld>
             <a:endParaRPr lang="en-US"/>
           </a:p>
@@ -2908,7 +2918,7 @@
           <a:p>
             <a:fld id="{C9333BB4-981D-4829-8843-126E56F5BD64}" type="datetimeFigureOut">
               <a:rPr lang="en-US" smtClean="0"/>
-              <a:t>1/26/2019</a:t>
+              <a:t>1/28/2019</a:t>
             </a:fld>
             <a:endParaRPr lang="en-US"/>
           </a:p>
@@ -7832,9 +7842,17 @@
 </p:sld>
 </file>
 
-<file path=ppt/slides/slide2.xml><?xml version="1.0" encoding="utf-8"?>
+<file path=ppt/slides/slide10.xml><?xml version="1.0" encoding="utf-8"?>
 <p:sld xmlns:a="http://schemas.openxmlformats.org/drawingml/2006/main" xmlns:r="http://schemas.openxmlformats.org/officeDocument/2006/relationships" xmlns:p="http://schemas.openxmlformats.org/presentationml/2006/main">
   <p:cSld>
+    <p:bg>
+      <p:bgPr>
+        <a:solidFill>
+          <a:schemeClr val="bg1"/>
+        </a:solidFill>
+        <a:effectLst/>
+      </p:bgPr>
+    </p:bg>
     <p:spTree>
       <p:nvGrpSpPr>
         <p:cNvPr id="1" name=""/>
@@ -7854,7 +7872,7 @@
           <p:cNvPr id="2" name="Title 1">
             <a:extLst>
               <a:ext uri="{FF2B5EF4-FFF2-40B4-BE49-F238E27FC236}">
-                <a16:creationId xmlns:a16="http://schemas.microsoft.com/office/drawing/2014/main" id="{B45A1B68-B77D-4A83-B2D8-8F731575C97F}"/>
+                <a16:creationId xmlns:a16="http://schemas.microsoft.com/office/drawing/2014/main" id="{F07DDEE3-0DF7-47FB-B1B0-80D8BF4C5393}"/>
               </a:ext>
             </a:extLst>
           </p:cNvPr>
@@ -7862,27 +7880,125 @@
             <a:spLocks noGrp="1"/>
           </p:cNvSpPr>
           <p:nvPr>
-            <p:ph type="ctrTitle"/>
+            <p:ph type="title"/>
           </p:nvPr>
         </p:nvSpPr>
-        <p:spPr/>
+        <p:spPr>
+          <a:xfrm>
+            <a:off x="960100" y="978102"/>
+            <a:ext cx="10588434" cy="1062644"/>
+          </a:xfrm>
+        </p:spPr>
         <p:txBody>
-          <a:bodyPr/>
+          <a:bodyPr anchor="b">
+            <a:normAutofit/>
+          </a:bodyPr>
           <a:lstStyle/>
           <a:p>
             <a:r>
               <a:rPr lang="en-US" dirty="0"/>
-              <a:t>Cascade Model</a:t>
+              <a:t>Image shape cont.</a:t>
             </a:r>
           </a:p>
         </p:txBody>
       </p:sp>
+      <p:cxnSp>
+        <p:nvCxnSpPr>
+          <p:cNvPr id="12" name="Straight Connector 9">
+            <a:extLst>
+              <a:ext uri="{FF2B5EF4-FFF2-40B4-BE49-F238E27FC236}">
+                <a16:creationId xmlns:a16="http://schemas.microsoft.com/office/drawing/2014/main" id="{39B7FDC9-F0CE-43A7-9F2A-83DD09DC3453}"/>
+              </a:ext>
+              <a:ext uri="{C183D7F6-B498-43B3-948B-1728B52AA6E4}">
+                <adec:decorative xmlns:adec="http://schemas.microsoft.com/office/drawing/2017/decorative" val="1"/>
+              </a:ext>
+            </a:extLst>
+          </p:cNvPr>
+          <p:cNvCxnSpPr>
+            <a:cxnSpLocks noGrp="1" noRot="1" noChangeAspect="1" noMove="1" noResize="1" noEditPoints="1" noAdjustHandles="1" noChangeArrowheads="1" noChangeShapeType="1"/>
+          </p:cNvCxnSpPr>
+          <p:nvPr>
+            <p:extLst>
+              <p:ext uri="{386F3935-93C4-4BCD-93E2-E3B085C9AB24}">
+                <p16:designElem xmlns:p16="http://schemas.microsoft.com/office/powerpoint/2015/main" val="1"/>
+              </p:ext>
+            </p:extLst>
+          </p:nvPr>
+        </p:nvCxnSpPr>
+        <p:spPr>
+          <a:xfrm>
+            <a:off x="1047624" y="2265037"/>
+            <a:ext cx="10125012" cy="0"/>
+          </a:xfrm>
+          <a:prstGeom prst="line">
+            <a:avLst/>
+          </a:prstGeom>
+          <a:ln w="15875">
+            <a:solidFill>
+              <a:schemeClr val="tx1">
+                <a:lumMod val="65000"/>
+                <a:lumOff val="35000"/>
+              </a:schemeClr>
+            </a:solidFill>
+          </a:ln>
+        </p:spPr>
+        <p:style>
+          <a:lnRef idx="1">
+            <a:schemeClr val="accent1"/>
+          </a:lnRef>
+          <a:fillRef idx="0">
+            <a:schemeClr val="accent1"/>
+          </a:fillRef>
+          <a:effectRef idx="0">
+            <a:schemeClr val="accent1"/>
+          </a:effectRef>
+          <a:fontRef idx="minor">
+            <a:schemeClr val="tx1"/>
+          </a:fontRef>
+        </p:style>
+      </p:cxnSp>
+      <p:pic>
+        <p:nvPicPr>
+          <p:cNvPr id="5" name="Picture 4">
+            <a:extLst>
+              <a:ext uri="{FF2B5EF4-FFF2-40B4-BE49-F238E27FC236}">
+                <a16:creationId xmlns:a16="http://schemas.microsoft.com/office/drawing/2014/main" id="{5320B4FA-A14E-4C94-8AC8-5C3F48E400CA}"/>
+              </a:ext>
+            </a:extLst>
+          </p:cNvPr>
+          <p:cNvPicPr>
+            <a:picLocks noChangeAspect="1"/>
+          </p:cNvPicPr>
+          <p:nvPr/>
+        </p:nvPicPr>
+        <p:blipFill>
+          <a:blip r:embed="rId2">
+            <a:extLst>
+              <a:ext uri="{28A0092B-C50C-407E-A947-70E740481C1C}">
+                <a14:useLocalDpi xmlns:a14="http://schemas.microsoft.com/office/drawing/2010/main" val="0"/>
+              </a:ext>
+            </a:extLst>
+          </a:blip>
+          <a:stretch>
+            <a:fillRect/>
+          </a:stretch>
+        </p:blipFill>
+        <p:spPr>
+          <a:xfrm>
+            <a:off x="1376878" y="2811104"/>
+            <a:ext cx="2840769" cy="2928114"/>
+          </a:xfrm>
+          <a:prstGeom prst="rect">
+            <a:avLst/>
+          </a:prstGeom>
+        </p:spPr>
+      </p:pic>
       <p:sp>
         <p:nvSpPr>
-          <p:cNvPr id="3" name="Subtitle 2">
-            <a:extLst>
-              <a:ext uri="{FF2B5EF4-FFF2-40B4-BE49-F238E27FC236}">
-                <a16:creationId xmlns:a16="http://schemas.microsoft.com/office/drawing/2014/main" id="{C4B6E17F-D1F2-4E84-9711-5AE53437AC48}"/>
+          <p:cNvPr id="3" name="Content Placeholder 2">
+            <a:extLst>
+              <a:ext uri="{FF2B5EF4-FFF2-40B4-BE49-F238E27FC236}">
+                <a16:creationId xmlns:a16="http://schemas.microsoft.com/office/drawing/2014/main" id="{B5E94719-A8A0-4C80-9FF6-D1B013521A0A}"/>
               </a:ext>
             </a:extLst>
           </p:cNvPr>
@@ -7890,14 +8006,38 @@
             <a:spLocks noGrp="1"/>
           </p:cNvSpPr>
           <p:nvPr>
-            <p:ph type="subTitle" idx="1"/>
+            <p:ph idx="1"/>
           </p:nvPr>
         </p:nvSpPr>
-        <p:spPr/>
+        <p:spPr>
+          <a:xfrm>
+            <a:off x="4955354" y="2682433"/>
+            <a:ext cx="6282169" cy="3215749"/>
+          </a:xfrm>
+        </p:spPr>
         <p:txBody>
-          <a:bodyPr/>
+          <a:bodyPr>
+            <a:normAutofit/>
+          </a:bodyPr>
           <a:lstStyle/>
           <a:p>
+            <a:r>
+              <a:rPr lang="en-US" sz="2400"/>
+              <a:t>What does that all mean?????</a:t>
+            </a:r>
+          </a:p>
+          <a:p>
+            <a:r>
+              <a:rPr lang="en-US" sz="2400"/>
+              <a:t>By changing it to a (1,48,48,1) array from (48,48) you are telling the machine, there is one picture of 48 by 48 pixel with one kind of color.</a:t>
+            </a:r>
+          </a:p>
+          <a:p>
+            <a:pPr lvl="1"/>
+            <a:r>
+              <a:rPr lang="en-US"/>
+              <a:t>Color pixel would be (1,48,48,3) where each pixel is an array of 3 color element, or the rgb(255,255,255)</a:t>
+            </a:r>
             <a:endParaRPr lang="en-US" dirty="0"/>
           </a:p>
         </p:txBody>
@@ -7905,7 +8045,244 @@
     </p:spTree>
     <p:extLst>
       <p:ext uri="{BB962C8B-B14F-4D97-AF65-F5344CB8AC3E}">
-        <p14:creationId xmlns:p14="http://schemas.microsoft.com/office/powerpoint/2010/main" val="406043282"/>
+        <p14:creationId xmlns:p14="http://schemas.microsoft.com/office/powerpoint/2010/main" val="2432758918"/>
+      </p:ext>
+    </p:extLst>
+  </p:cSld>
+  <p:clrMapOvr>
+    <a:masterClrMapping/>
+  </p:clrMapOvr>
+</p:sld>
+</file>
+
+<file path=ppt/slides/slide2.xml><?xml version="1.0" encoding="utf-8"?>
+<p:sld xmlns:a="http://schemas.openxmlformats.org/drawingml/2006/main" xmlns:r="http://schemas.openxmlformats.org/officeDocument/2006/relationships" xmlns:p="http://schemas.openxmlformats.org/presentationml/2006/main">
+  <p:cSld>
+    <p:bg>
+      <p:bgPr>
+        <a:solidFill>
+          <a:schemeClr val="bg1"/>
+        </a:solidFill>
+        <a:effectLst/>
+      </p:bgPr>
+    </p:bg>
+    <p:spTree>
+      <p:nvGrpSpPr>
+        <p:cNvPr id="1" name=""/>
+        <p:cNvGrpSpPr/>
+        <p:nvPr/>
+      </p:nvGrpSpPr>
+      <p:grpSpPr>
+        <a:xfrm>
+          <a:off x="0" y="0"/>
+          <a:ext cx="0" cy="0"/>
+          <a:chOff x="0" y="0"/>
+          <a:chExt cx="0" cy="0"/>
+        </a:xfrm>
+      </p:grpSpPr>
+      <p:sp>
+        <p:nvSpPr>
+          <p:cNvPr id="2" name="Title 1">
+            <a:extLst>
+              <a:ext uri="{FF2B5EF4-FFF2-40B4-BE49-F238E27FC236}">
+                <a16:creationId xmlns:a16="http://schemas.microsoft.com/office/drawing/2014/main" id="{073293D6-BC3F-43FB-8A6C-4310B230E8C5}"/>
+              </a:ext>
+            </a:extLst>
+          </p:cNvPr>
+          <p:cNvSpPr>
+            <a:spLocks noGrp="1"/>
+          </p:cNvSpPr>
+          <p:nvPr>
+            <p:ph type="title"/>
+          </p:nvPr>
+        </p:nvSpPr>
+        <p:spPr>
+          <a:xfrm>
+            <a:off x="960100" y="978102"/>
+            <a:ext cx="10588434" cy="1062644"/>
+          </a:xfrm>
+        </p:spPr>
+        <p:txBody>
+          <a:bodyPr anchor="b">
+            <a:normAutofit/>
+          </a:bodyPr>
+          <a:lstStyle/>
+          <a:p>
+            <a:r>
+              <a:rPr lang="en-US" dirty="0"/>
+              <a:t>Pretrained Models</a:t>
+            </a:r>
+          </a:p>
+        </p:txBody>
+      </p:sp>
+      <p:cxnSp>
+        <p:nvCxnSpPr>
+          <p:cNvPr id="23" name="Straight Connector 18">
+            <a:extLst>
+              <a:ext uri="{FF2B5EF4-FFF2-40B4-BE49-F238E27FC236}">
+                <a16:creationId xmlns:a16="http://schemas.microsoft.com/office/drawing/2014/main" id="{39B7FDC9-F0CE-43A7-9F2A-83DD09DC3453}"/>
+              </a:ext>
+              <a:ext uri="{C183D7F6-B498-43B3-948B-1728B52AA6E4}">
+                <adec:decorative xmlns:adec="http://schemas.microsoft.com/office/drawing/2017/decorative" val="1"/>
+              </a:ext>
+            </a:extLst>
+          </p:cNvPr>
+          <p:cNvCxnSpPr>
+            <a:cxnSpLocks noGrp="1" noRot="1" noChangeAspect="1" noMove="1" noResize="1" noEditPoints="1" noAdjustHandles="1" noChangeArrowheads="1" noChangeShapeType="1"/>
+          </p:cNvCxnSpPr>
+          <p:nvPr>
+            <p:extLst>
+              <p:ext uri="{386F3935-93C4-4BCD-93E2-E3B085C9AB24}">
+                <p16:designElem xmlns:p16="http://schemas.microsoft.com/office/powerpoint/2015/main" val="1"/>
+              </p:ext>
+            </p:extLst>
+          </p:nvPr>
+        </p:nvCxnSpPr>
+        <p:spPr>
+          <a:xfrm>
+            <a:off x="1047624" y="2265037"/>
+            <a:ext cx="10125012" cy="0"/>
+          </a:xfrm>
+          <a:prstGeom prst="line">
+            <a:avLst/>
+          </a:prstGeom>
+          <a:ln w="15875">
+            <a:solidFill>
+              <a:schemeClr val="tx1">
+                <a:lumMod val="65000"/>
+                <a:lumOff val="35000"/>
+              </a:schemeClr>
+            </a:solidFill>
+          </a:ln>
+        </p:spPr>
+        <p:style>
+          <a:lnRef idx="1">
+            <a:schemeClr val="accent1"/>
+          </a:lnRef>
+          <a:fillRef idx="0">
+            <a:schemeClr val="accent1"/>
+          </a:fillRef>
+          <a:effectRef idx="0">
+            <a:schemeClr val="accent1"/>
+          </a:effectRef>
+          <a:fontRef idx="minor">
+            <a:schemeClr val="tx1"/>
+          </a:fontRef>
+        </p:style>
+      </p:cxnSp>
+      <p:sp>
+        <p:nvSpPr>
+          <p:cNvPr id="5" name="Content Placeholder 2">
+            <a:extLst>
+              <a:ext uri="{FF2B5EF4-FFF2-40B4-BE49-F238E27FC236}">
+                <a16:creationId xmlns:a16="http://schemas.microsoft.com/office/drawing/2014/main" id="{9D843EDC-79DE-4BB2-B853-51AA9E55746B}"/>
+              </a:ext>
+            </a:extLst>
+          </p:cNvPr>
+          <p:cNvSpPr>
+            <a:spLocks noGrp="1"/>
+          </p:cNvSpPr>
+          <p:nvPr>
+            <p:ph idx="1"/>
+          </p:nvPr>
+        </p:nvSpPr>
+        <p:spPr>
+          <a:xfrm>
+            <a:off x="838200" y="2499378"/>
+            <a:ext cx="10515600" cy="3416440"/>
+          </a:xfrm>
+        </p:spPr>
+        <p:txBody>
+          <a:bodyPr/>
+          <a:lstStyle/>
+          <a:p>
+            <a:pPr marL="0" indent="0">
+              <a:buNone/>
+            </a:pPr>
+            <a:endParaRPr lang="en-US" dirty="0"/>
+          </a:p>
+          <a:p>
+            <a:r>
+              <a:rPr lang="en-US" dirty="0"/>
+              <a:t>OpenCV’s frontal face classifier to </a:t>
+            </a:r>
+            <a:r>
+              <a:rPr lang="en-US" b="1" dirty="0"/>
+              <a:t>detect faces</a:t>
+            </a:r>
+          </a:p>
+          <a:p>
+            <a:pPr lvl="1"/>
+            <a:r>
+              <a:rPr lang="en-US" dirty="0"/>
+              <a:t>Uses </a:t>
+            </a:r>
+            <a:r>
+              <a:rPr lang="en-US" dirty="0" err="1"/>
+              <a:t>Haar</a:t>
+            </a:r>
+            <a:r>
+              <a:rPr lang="en-US" dirty="0"/>
+              <a:t> Feature-based cascade classifiers</a:t>
+            </a:r>
+          </a:p>
+          <a:p>
+            <a:endParaRPr lang="en-US" dirty="0"/>
+          </a:p>
+          <a:p>
+            <a:pPr marL="0" indent="0">
+              <a:buNone/>
+            </a:pPr>
+            <a:endParaRPr lang="en-US" dirty="0"/>
+          </a:p>
+          <a:p>
+            <a:r>
+              <a:rPr lang="en-US" dirty="0" err="1"/>
+              <a:t>Keras</a:t>
+            </a:r>
+            <a:r>
+              <a:rPr lang="en-US" dirty="0"/>
+              <a:t> CNN to </a:t>
+            </a:r>
+            <a:r>
+              <a:rPr lang="en-US" b="1" dirty="0"/>
+              <a:t>detect emotion</a:t>
+            </a:r>
+          </a:p>
+          <a:p>
+            <a:pPr lvl="1"/>
+            <a:r>
+              <a:rPr lang="en-US" dirty="0"/>
+              <a:t>Trained by </a:t>
+            </a:r>
+            <a:r>
+              <a:rPr lang="en-US" dirty="0" err="1">
+                <a:hlinkClick r:id="rId2"/>
+              </a:rPr>
+              <a:t>oarriaga</a:t>
+            </a:r>
+            <a:r>
+              <a:rPr lang="en-US" dirty="0"/>
+              <a:t> using </a:t>
+            </a:r>
+            <a:r>
+              <a:rPr lang="en-US" dirty="0" err="1"/>
+              <a:t>Keras</a:t>
+            </a:r>
+            <a:r>
+              <a:rPr lang="en-US" dirty="0"/>
+              <a:t> and FER2013 dataset</a:t>
+            </a:r>
+          </a:p>
+          <a:p>
+            <a:endParaRPr lang="en-US" dirty="0"/>
+          </a:p>
+        </p:txBody>
+      </p:sp>
+    </p:spTree>
+    <p:extLst>
+      <p:ext uri="{BB962C8B-B14F-4D97-AF65-F5344CB8AC3E}">
+        <p14:creationId xmlns:p14="http://schemas.microsoft.com/office/powerpoint/2010/main" val="4114500656"/>
       </p:ext>
     </p:extLst>
   </p:cSld>
@@ -7916,6 +8293,1066 @@
 </file>
 
 <file path=ppt/slides/slide3.xml><?xml version="1.0" encoding="utf-8"?>
+<p:sld xmlns:a="http://schemas.openxmlformats.org/drawingml/2006/main" xmlns:r="http://schemas.openxmlformats.org/officeDocument/2006/relationships" xmlns:p="http://schemas.openxmlformats.org/presentationml/2006/main">
+  <p:cSld>
+    <p:bg>
+      <p:bgPr>
+        <a:solidFill>
+          <a:schemeClr val="bg1"/>
+        </a:solidFill>
+        <a:effectLst/>
+      </p:bgPr>
+    </p:bg>
+    <p:spTree>
+      <p:nvGrpSpPr>
+        <p:cNvPr id="1" name=""/>
+        <p:cNvGrpSpPr/>
+        <p:nvPr/>
+      </p:nvGrpSpPr>
+      <p:grpSpPr>
+        <a:xfrm>
+          <a:off x="0" y="0"/>
+          <a:ext cx="0" cy="0"/>
+          <a:chOff x="0" y="0"/>
+          <a:chExt cx="0" cy="0"/>
+        </a:xfrm>
+      </p:grpSpPr>
+      <p:sp>
+        <p:nvSpPr>
+          <p:cNvPr id="2" name="Title 1">
+            <a:extLst>
+              <a:ext uri="{FF2B5EF4-FFF2-40B4-BE49-F238E27FC236}">
+                <a16:creationId xmlns:a16="http://schemas.microsoft.com/office/drawing/2014/main" id="{073293D6-BC3F-43FB-8A6C-4310B230E8C5}"/>
+              </a:ext>
+            </a:extLst>
+          </p:cNvPr>
+          <p:cNvSpPr>
+            <a:spLocks noGrp="1"/>
+          </p:cNvSpPr>
+          <p:nvPr>
+            <p:ph type="title"/>
+          </p:nvPr>
+        </p:nvSpPr>
+        <p:spPr>
+          <a:xfrm>
+            <a:off x="960100" y="978102"/>
+            <a:ext cx="3551610" cy="1062644"/>
+          </a:xfrm>
+        </p:spPr>
+        <p:txBody>
+          <a:bodyPr anchor="b">
+            <a:normAutofit/>
+          </a:bodyPr>
+          <a:lstStyle/>
+          <a:p>
+            <a:r>
+              <a:rPr lang="en-US" dirty="0" err="1"/>
+              <a:t>Haar</a:t>
+            </a:r>
+            <a:r>
+              <a:rPr lang="en-US" dirty="0"/>
+              <a:t>-features</a:t>
+            </a:r>
+          </a:p>
+        </p:txBody>
+      </p:sp>
+      <p:cxnSp>
+        <p:nvCxnSpPr>
+          <p:cNvPr id="23" name="Straight Connector 18">
+            <a:extLst>
+              <a:ext uri="{FF2B5EF4-FFF2-40B4-BE49-F238E27FC236}">
+                <a16:creationId xmlns:a16="http://schemas.microsoft.com/office/drawing/2014/main" id="{39B7FDC9-F0CE-43A7-9F2A-83DD09DC3453}"/>
+              </a:ext>
+              <a:ext uri="{C183D7F6-B498-43B3-948B-1728B52AA6E4}">
+                <adec:decorative xmlns:adec="http://schemas.microsoft.com/office/drawing/2017/decorative" val="1"/>
+              </a:ext>
+            </a:extLst>
+          </p:cNvPr>
+          <p:cNvCxnSpPr>
+            <a:cxnSpLocks noGrp="1" noRot="1" noChangeAspect="1" noMove="1" noResize="1" noEditPoints="1" noAdjustHandles="1" noChangeArrowheads="1" noChangeShapeType="1"/>
+          </p:cNvCxnSpPr>
+          <p:nvPr>
+            <p:extLst>
+              <p:ext uri="{386F3935-93C4-4BCD-93E2-E3B085C9AB24}">
+                <p16:designElem xmlns:p16="http://schemas.microsoft.com/office/powerpoint/2015/main" val="1"/>
+              </p:ext>
+            </p:extLst>
+          </p:nvPr>
+        </p:nvCxnSpPr>
+        <p:spPr>
+          <a:xfrm>
+            <a:off x="1047624" y="2265037"/>
+            <a:ext cx="10125012" cy="0"/>
+          </a:xfrm>
+          <a:prstGeom prst="line">
+            <a:avLst/>
+          </a:prstGeom>
+          <a:ln w="15875">
+            <a:solidFill>
+              <a:schemeClr val="tx1">
+                <a:lumMod val="65000"/>
+                <a:lumOff val="35000"/>
+              </a:schemeClr>
+            </a:solidFill>
+          </a:ln>
+        </p:spPr>
+        <p:style>
+          <a:lnRef idx="1">
+            <a:schemeClr val="accent1"/>
+          </a:lnRef>
+          <a:fillRef idx="0">
+            <a:schemeClr val="accent1"/>
+          </a:fillRef>
+          <a:effectRef idx="0">
+            <a:schemeClr val="accent1"/>
+          </a:effectRef>
+          <a:fontRef idx="minor">
+            <a:schemeClr val="tx1"/>
+          </a:fontRef>
+        </p:style>
+      </p:cxnSp>
+      <p:pic>
+        <p:nvPicPr>
+          <p:cNvPr id="9" name="Picture 8">
+            <a:extLst>
+              <a:ext uri="{FF2B5EF4-FFF2-40B4-BE49-F238E27FC236}">
+                <a16:creationId xmlns:a16="http://schemas.microsoft.com/office/drawing/2014/main" id="{8096C12F-90F7-456F-B1CF-1226B15C7642}"/>
+              </a:ext>
+            </a:extLst>
+          </p:cNvPr>
+          <p:cNvPicPr>
+            <a:picLocks noChangeAspect="1"/>
+          </p:cNvPicPr>
+          <p:nvPr/>
+        </p:nvPicPr>
+        <p:blipFill>
+          <a:blip r:embed="rId2">
+            <a:extLst>
+              <a:ext uri="{28A0092B-C50C-407E-A947-70E740481C1C}">
+                <a14:useLocalDpi xmlns:a14="http://schemas.microsoft.com/office/drawing/2010/main" val="0"/>
+              </a:ext>
+            </a:extLst>
+          </a:blip>
+          <a:stretch>
+            <a:fillRect/>
+          </a:stretch>
+        </p:blipFill>
+        <p:spPr>
+          <a:xfrm>
+            <a:off x="632601" y="2764736"/>
+            <a:ext cx="6039693" cy="3115110"/>
+          </a:xfrm>
+          <a:prstGeom prst="rect">
+            <a:avLst/>
+          </a:prstGeom>
+        </p:spPr>
+      </p:pic>
+      <p:pic>
+        <p:nvPicPr>
+          <p:cNvPr id="10" name="Picture 9">
+            <a:extLst>
+              <a:ext uri="{FF2B5EF4-FFF2-40B4-BE49-F238E27FC236}">
+                <a16:creationId xmlns:a16="http://schemas.microsoft.com/office/drawing/2014/main" id="{0EACAC32-A853-4011-9A44-9FD71726526C}"/>
+              </a:ext>
+            </a:extLst>
+          </p:cNvPr>
+          <p:cNvPicPr>
+            <a:picLocks noChangeAspect="1"/>
+          </p:cNvPicPr>
+          <p:nvPr/>
+        </p:nvPicPr>
+        <p:blipFill>
+          <a:blip r:embed="rId3">
+            <a:extLst>
+              <a:ext uri="{28A0092B-C50C-407E-A947-70E740481C1C}">
+                <a14:useLocalDpi xmlns:a14="http://schemas.microsoft.com/office/drawing/2010/main" val="0"/>
+              </a:ext>
+            </a:extLst>
+          </a:blip>
+          <a:stretch>
+            <a:fillRect/>
+          </a:stretch>
+        </p:blipFill>
+        <p:spPr>
+          <a:xfrm>
+            <a:off x="5174900" y="316330"/>
+            <a:ext cx="5346477" cy="1724416"/>
+          </a:xfrm>
+          <a:prstGeom prst="rect">
+            <a:avLst/>
+          </a:prstGeom>
+        </p:spPr>
+      </p:pic>
+      <p:sp>
+        <p:nvSpPr>
+          <p:cNvPr id="12" name="Content Placeholder 5">
+            <a:extLst>
+              <a:ext uri="{FF2B5EF4-FFF2-40B4-BE49-F238E27FC236}">
+                <a16:creationId xmlns:a16="http://schemas.microsoft.com/office/drawing/2014/main" id="{B777DE64-3F62-4366-BA67-D4BBE5E92840}"/>
+              </a:ext>
+            </a:extLst>
+          </p:cNvPr>
+          <p:cNvSpPr txBox="1">
+            <a:spLocks/>
+          </p:cNvSpPr>
+          <p:nvPr/>
+        </p:nvSpPr>
+        <p:spPr>
+          <a:xfrm>
+            <a:off x="7264958" y="2764736"/>
+            <a:ext cx="4013087" cy="3115111"/>
+          </a:xfrm>
+          <a:prstGeom prst="rect">
+            <a:avLst/>
+          </a:prstGeom>
+        </p:spPr>
+        <p:txBody>
+          <a:bodyPr/>
+          <a:lstStyle>
+            <a:lvl1pPr marL="228600" indent="-228600" algn="l" defTabSz="914400" rtl="0" eaLnBrk="1" latinLnBrk="0" hangingPunct="1">
+              <a:lnSpc>
+                <a:spcPct val="90000"/>
+              </a:lnSpc>
+              <a:spcBef>
+                <a:spcPts val="1000"/>
+              </a:spcBef>
+              <a:buFont typeface="Arial" panose="020B0604020202020204" pitchFamily="34" charset="0"/>
+              <a:buChar char="•"/>
+              <a:defRPr sz="2800" kern="1200">
+                <a:solidFill>
+                  <a:schemeClr val="tx1"/>
+                </a:solidFill>
+                <a:latin typeface="+mn-lt"/>
+                <a:ea typeface="+mn-ea"/>
+                <a:cs typeface="+mn-cs"/>
+              </a:defRPr>
+            </a:lvl1pPr>
+            <a:lvl2pPr marL="685800" indent="-228600" algn="l" defTabSz="914400" rtl="0" eaLnBrk="1" latinLnBrk="0" hangingPunct="1">
+              <a:lnSpc>
+                <a:spcPct val="90000"/>
+              </a:lnSpc>
+              <a:spcBef>
+                <a:spcPts val="500"/>
+              </a:spcBef>
+              <a:buFont typeface="Arial" panose="020B0604020202020204" pitchFamily="34" charset="0"/>
+              <a:buChar char="•"/>
+              <a:defRPr sz="2400" kern="1200">
+                <a:solidFill>
+                  <a:schemeClr val="tx1"/>
+                </a:solidFill>
+                <a:latin typeface="+mn-lt"/>
+                <a:ea typeface="+mn-ea"/>
+                <a:cs typeface="+mn-cs"/>
+              </a:defRPr>
+            </a:lvl2pPr>
+            <a:lvl3pPr marL="1143000" indent="-228600" algn="l" defTabSz="914400" rtl="0" eaLnBrk="1" latinLnBrk="0" hangingPunct="1">
+              <a:lnSpc>
+                <a:spcPct val="90000"/>
+              </a:lnSpc>
+              <a:spcBef>
+                <a:spcPts val="500"/>
+              </a:spcBef>
+              <a:buFont typeface="Arial" panose="020B0604020202020204" pitchFamily="34" charset="0"/>
+              <a:buChar char="•"/>
+              <a:defRPr sz="2000" kern="1200">
+                <a:solidFill>
+                  <a:schemeClr val="tx1"/>
+                </a:solidFill>
+                <a:latin typeface="+mn-lt"/>
+                <a:ea typeface="+mn-ea"/>
+                <a:cs typeface="+mn-cs"/>
+              </a:defRPr>
+            </a:lvl3pPr>
+            <a:lvl4pPr marL="1600200" indent="-228600" algn="l" defTabSz="914400" rtl="0" eaLnBrk="1" latinLnBrk="0" hangingPunct="1">
+              <a:lnSpc>
+                <a:spcPct val="90000"/>
+              </a:lnSpc>
+              <a:spcBef>
+                <a:spcPts val="500"/>
+              </a:spcBef>
+              <a:buFont typeface="Arial" panose="020B0604020202020204" pitchFamily="34" charset="0"/>
+              <a:buChar char="•"/>
+              <a:defRPr sz="1800" kern="1200">
+                <a:solidFill>
+                  <a:schemeClr val="tx1"/>
+                </a:solidFill>
+                <a:latin typeface="+mn-lt"/>
+                <a:ea typeface="+mn-ea"/>
+                <a:cs typeface="+mn-cs"/>
+              </a:defRPr>
+            </a:lvl4pPr>
+            <a:lvl5pPr marL="2057400" indent="-228600" algn="l" defTabSz="914400" rtl="0" eaLnBrk="1" latinLnBrk="0" hangingPunct="1">
+              <a:lnSpc>
+                <a:spcPct val="90000"/>
+              </a:lnSpc>
+              <a:spcBef>
+                <a:spcPts val="500"/>
+              </a:spcBef>
+              <a:buFont typeface="Arial" panose="020B0604020202020204" pitchFamily="34" charset="0"/>
+              <a:buChar char="•"/>
+              <a:defRPr sz="1800" kern="1200">
+                <a:solidFill>
+                  <a:schemeClr val="tx1"/>
+                </a:solidFill>
+                <a:latin typeface="+mn-lt"/>
+                <a:ea typeface="+mn-ea"/>
+                <a:cs typeface="+mn-cs"/>
+              </a:defRPr>
+            </a:lvl5pPr>
+            <a:lvl6pPr marL="2514600" indent="-228600" algn="l" defTabSz="914400" rtl="0" eaLnBrk="1" latinLnBrk="0" hangingPunct="1">
+              <a:lnSpc>
+                <a:spcPct val="90000"/>
+              </a:lnSpc>
+              <a:spcBef>
+                <a:spcPts val="500"/>
+              </a:spcBef>
+              <a:buFont typeface="Arial" panose="020B0604020202020204" pitchFamily="34" charset="0"/>
+              <a:buChar char="•"/>
+              <a:defRPr sz="1800" kern="1200">
+                <a:solidFill>
+                  <a:schemeClr val="tx1"/>
+                </a:solidFill>
+                <a:latin typeface="+mn-lt"/>
+                <a:ea typeface="+mn-ea"/>
+                <a:cs typeface="+mn-cs"/>
+              </a:defRPr>
+            </a:lvl6pPr>
+            <a:lvl7pPr marL="2971800" indent="-228600" algn="l" defTabSz="914400" rtl="0" eaLnBrk="1" latinLnBrk="0" hangingPunct="1">
+              <a:lnSpc>
+                <a:spcPct val="90000"/>
+              </a:lnSpc>
+              <a:spcBef>
+                <a:spcPts val="500"/>
+              </a:spcBef>
+              <a:buFont typeface="Arial" panose="020B0604020202020204" pitchFamily="34" charset="0"/>
+              <a:buChar char="•"/>
+              <a:defRPr sz="1800" kern="1200">
+                <a:solidFill>
+                  <a:schemeClr val="tx1"/>
+                </a:solidFill>
+                <a:latin typeface="+mn-lt"/>
+                <a:ea typeface="+mn-ea"/>
+                <a:cs typeface="+mn-cs"/>
+              </a:defRPr>
+            </a:lvl7pPr>
+            <a:lvl8pPr marL="3429000" indent="-228600" algn="l" defTabSz="914400" rtl="0" eaLnBrk="1" latinLnBrk="0" hangingPunct="1">
+              <a:lnSpc>
+                <a:spcPct val="90000"/>
+              </a:lnSpc>
+              <a:spcBef>
+                <a:spcPts val="500"/>
+              </a:spcBef>
+              <a:buFont typeface="Arial" panose="020B0604020202020204" pitchFamily="34" charset="0"/>
+              <a:buChar char="•"/>
+              <a:defRPr sz="1800" kern="1200">
+                <a:solidFill>
+                  <a:schemeClr val="tx1"/>
+                </a:solidFill>
+                <a:latin typeface="+mn-lt"/>
+                <a:ea typeface="+mn-ea"/>
+                <a:cs typeface="+mn-cs"/>
+              </a:defRPr>
+            </a:lvl8pPr>
+            <a:lvl9pPr marL="3886200" indent="-228600" algn="l" defTabSz="914400" rtl="0" eaLnBrk="1" latinLnBrk="0" hangingPunct="1">
+              <a:lnSpc>
+                <a:spcPct val="90000"/>
+              </a:lnSpc>
+              <a:spcBef>
+                <a:spcPts val="500"/>
+              </a:spcBef>
+              <a:buFont typeface="Arial" panose="020B0604020202020204" pitchFamily="34" charset="0"/>
+              <a:buChar char="•"/>
+              <a:defRPr sz="1800" kern="1200">
+                <a:solidFill>
+                  <a:schemeClr val="tx1"/>
+                </a:solidFill>
+                <a:latin typeface="+mn-lt"/>
+                <a:ea typeface="+mn-ea"/>
+                <a:cs typeface="+mn-cs"/>
+              </a:defRPr>
+            </a:lvl9pPr>
+          </a:lstStyle>
+          <a:p>
+            <a:r>
+              <a:rPr lang="en-US" dirty="0"/>
+              <a:t>Used to detect edges and lines</a:t>
+            </a:r>
+          </a:p>
+          <a:p>
+            <a:endParaRPr lang="en-US" dirty="0"/>
+          </a:p>
+          <a:p>
+            <a:r>
+              <a:rPr lang="en-US" dirty="0"/>
+              <a:t>Sums pixel intensities in each region and calculates the difference</a:t>
+            </a:r>
+          </a:p>
+        </p:txBody>
+      </p:sp>
+    </p:spTree>
+    <p:extLst>
+      <p:ext uri="{BB962C8B-B14F-4D97-AF65-F5344CB8AC3E}">
+        <p14:creationId xmlns:p14="http://schemas.microsoft.com/office/powerpoint/2010/main" val="1886706447"/>
+      </p:ext>
+    </p:extLst>
+  </p:cSld>
+  <p:clrMapOvr>
+    <a:masterClrMapping/>
+  </p:clrMapOvr>
+</p:sld>
+</file>
+
+<file path=ppt/slides/slide4.xml><?xml version="1.0" encoding="utf-8"?>
+<p:sld xmlns:a="http://schemas.openxmlformats.org/drawingml/2006/main" xmlns:r="http://schemas.openxmlformats.org/officeDocument/2006/relationships" xmlns:p="http://schemas.openxmlformats.org/presentationml/2006/main">
+  <p:cSld>
+    <p:bg>
+      <p:bgPr>
+        <a:solidFill>
+          <a:schemeClr val="bg1"/>
+        </a:solidFill>
+        <a:effectLst/>
+      </p:bgPr>
+    </p:bg>
+    <p:spTree>
+      <p:nvGrpSpPr>
+        <p:cNvPr id="1" name=""/>
+        <p:cNvGrpSpPr/>
+        <p:nvPr/>
+      </p:nvGrpSpPr>
+      <p:grpSpPr>
+        <a:xfrm>
+          <a:off x="0" y="0"/>
+          <a:ext cx="0" cy="0"/>
+          <a:chOff x="0" y="0"/>
+          <a:chExt cx="0" cy="0"/>
+        </a:xfrm>
+      </p:grpSpPr>
+      <p:sp>
+        <p:nvSpPr>
+          <p:cNvPr id="2" name="Title 1">
+            <a:extLst>
+              <a:ext uri="{FF2B5EF4-FFF2-40B4-BE49-F238E27FC236}">
+                <a16:creationId xmlns:a16="http://schemas.microsoft.com/office/drawing/2014/main" id="{073293D6-BC3F-43FB-8A6C-4310B230E8C5}"/>
+              </a:ext>
+            </a:extLst>
+          </p:cNvPr>
+          <p:cNvSpPr>
+            <a:spLocks noGrp="1"/>
+          </p:cNvSpPr>
+          <p:nvPr>
+            <p:ph type="title"/>
+          </p:nvPr>
+        </p:nvSpPr>
+        <p:spPr>
+          <a:xfrm>
+            <a:off x="960100" y="978102"/>
+            <a:ext cx="3551610" cy="1062644"/>
+          </a:xfrm>
+        </p:spPr>
+        <p:txBody>
+          <a:bodyPr anchor="b">
+            <a:normAutofit/>
+          </a:bodyPr>
+          <a:lstStyle/>
+          <a:p>
+            <a:r>
+              <a:rPr lang="en-US" dirty="0" err="1"/>
+              <a:t>Haar</a:t>
+            </a:r>
+            <a:r>
+              <a:rPr lang="en-US" dirty="0"/>
+              <a:t>-features</a:t>
+            </a:r>
+          </a:p>
+        </p:txBody>
+      </p:sp>
+      <p:cxnSp>
+        <p:nvCxnSpPr>
+          <p:cNvPr id="23" name="Straight Connector 18">
+            <a:extLst>
+              <a:ext uri="{FF2B5EF4-FFF2-40B4-BE49-F238E27FC236}">
+                <a16:creationId xmlns:a16="http://schemas.microsoft.com/office/drawing/2014/main" id="{39B7FDC9-F0CE-43A7-9F2A-83DD09DC3453}"/>
+              </a:ext>
+              <a:ext uri="{C183D7F6-B498-43B3-948B-1728B52AA6E4}">
+                <adec:decorative xmlns:adec="http://schemas.microsoft.com/office/drawing/2017/decorative" val="1"/>
+              </a:ext>
+            </a:extLst>
+          </p:cNvPr>
+          <p:cNvCxnSpPr>
+            <a:cxnSpLocks noGrp="1" noRot="1" noChangeAspect="1" noMove="1" noResize="1" noEditPoints="1" noAdjustHandles="1" noChangeArrowheads="1" noChangeShapeType="1"/>
+          </p:cNvCxnSpPr>
+          <p:nvPr>
+            <p:extLst>
+              <p:ext uri="{386F3935-93C4-4BCD-93E2-E3B085C9AB24}">
+                <p16:designElem xmlns:p16="http://schemas.microsoft.com/office/powerpoint/2015/main" val="1"/>
+              </p:ext>
+            </p:extLst>
+          </p:nvPr>
+        </p:nvCxnSpPr>
+        <p:spPr>
+          <a:xfrm>
+            <a:off x="1047624" y="2265037"/>
+            <a:ext cx="10125012" cy="0"/>
+          </a:xfrm>
+          <a:prstGeom prst="line">
+            <a:avLst/>
+          </a:prstGeom>
+          <a:ln w="15875">
+            <a:solidFill>
+              <a:schemeClr val="tx1">
+                <a:lumMod val="65000"/>
+                <a:lumOff val="35000"/>
+              </a:schemeClr>
+            </a:solidFill>
+          </a:ln>
+        </p:spPr>
+        <p:style>
+          <a:lnRef idx="1">
+            <a:schemeClr val="accent1"/>
+          </a:lnRef>
+          <a:fillRef idx="0">
+            <a:schemeClr val="accent1"/>
+          </a:fillRef>
+          <a:effectRef idx="0">
+            <a:schemeClr val="accent1"/>
+          </a:effectRef>
+          <a:fontRef idx="minor">
+            <a:schemeClr val="tx1"/>
+          </a:fontRef>
+        </p:style>
+      </p:cxnSp>
+      <p:pic>
+        <p:nvPicPr>
+          <p:cNvPr id="10" name="Picture 9">
+            <a:extLst>
+              <a:ext uri="{FF2B5EF4-FFF2-40B4-BE49-F238E27FC236}">
+                <a16:creationId xmlns:a16="http://schemas.microsoft.com/office/drawing/2014/main" id="{0EACAC32-A853-4011-9A44-9FD71726526C}"/>
+              </a:ext>
+            </a:extLst>
+          </p:cNvPr>
+          <p:cNvPicPr>
+            <a:picLocks noChangeAspect="1"/>
+          </p:cNvPicPr>
+          <p:nvPr/>
+        </p:nvPicPr>
+        <p:blipFill>
+          <a:blip r:embed="rId2">
+            <a:extLst>
+              <a:ext uri="{28A0092B-C50C-407E-A947-70E740481C1C}">
+                <a14:useLocalDpi xmlns:a14="http://schemas.microsoft.com/office/drawing/2010/main" val="0"/>
+              </a:ext>
+            </a:extLst>
+          </a:blip>
+          <a:stretch>
+            <a:fillRect/>
+          </a:stretch>
+        </p:blipFill>
+        <p:spPr>
+          <a:xfrm>
+            <a:off x="5174900" y="316330"/>
+            <a:ext cx="5346477" cy="1724416"/>
+          </a:xfrm>
+          <a:prstGeom prst="rect">
+            <a:avLst/>
+          </a:prstGeom>
+        </p:spPr>
+      </p:pic>
+      <p:pic>
+        <p:nvPicPr>
+          <p:cNvPr id="6" name="Content Placeholder 9">
+            <a:extLst>
+              <a:ext uri="{FF2B5EF4-FFF2-40B4-BE49-F238E27FC236}">
+                <a16:creationId xmlns:a16="http://schemas.microsoft.com/office/drawing/2014/main" id="{5E2376E0-001D-4155-B247-D153B8F5D978}"/>
+              </a:ext>
+            </a:extLst>
+          </p:cNvPr>
+          <p:cNvPicPr>
+            <a:picLocks noGrp="1" noChangeAspect="1"/>
+          </p:cNvPicPr>
+          <p:nvPr>
+            <p:ph sz="half" idx="1"/>
+          </p:nvPr>
+        </p:nvPicPr>
+        <p:blipFill>
+          <a:blip r:embed="rId3">
+            <a:extLst>
+              <a:ext uri="{28A0092B-C50C-407E-A947-70E740481C1C}">
+                <a14:useLocalDpi xmlns:a14="http://schemas.microsoft.com/office/drawing/2010/main" val="0"/>
+              </a:ext>
+            </a:extLst>
+          </a:blip>
+          <a:stretch>
+            <a:fillRect/>
+          </a:stretch>
+        </p:blipFill>
+        <p:spPr>
+          <a:xfrm>
+            <a:off x="2847883" y="2341271"/>
+            <a:ext cx="6496233" cy="4172775"/>
+          </a:xfrm>
+        </p:spPr>
+      </p:pic>
+      <p:sp>
+        <p:nvSpPr>
+          <p:cNvPr id="11" name="TextBox 10">
+            <a:extLst>
+              <a:ext uri="{FF2B5EF4-FFF2-40B4-BE49-F238E27FC236}">
+                <a16:creationId xmlns:a16="http://schemas.microsoft.com/office/drawing/2014/main" id="{45863BB2-9BCB-4CFB-B644-DA8904C8376F}"/>
+              </a:ext>
+            </a:extLst>
+          </p:cNvPr>
+          <p:cNvSpPr txBox="1"/>
+          <p:nvPr/>
+        </p:nvSpPr>
+        <p:spPr>
+          <a:xfrm>
+            <a:off x="3296957" y="6514046"/>
+            <a:ext cx="5626345" cy="338554"/>
+          </a:xfrm>
+          <a:prstGeom prst="rect">
+            <a:avLst/>
+          </a:prstGeom>
+          <a:noFill/>
+        </p:spPr>
+        <p:txBody>
+          <a:bodyPr wrap="square" rtlCol="0">
+            <a:spAutoFit/>
+          </a:bodyPr>
+          <a:lstStyle/>
+          <a:p>
+            <a:r>
+              <a:rPr lang="en-US" sz="800" dirty="0"/>
+              <a:t>Kadir, </a:t>
+            </a:r>
+            <a:r>
+              <a:rPr lang="en-US" sz="800" dirty="0" err="1"/>
+              <a:t>Kushsairy</a:t>
+            </a:r>
+            <a:r>
+              <a:rPr lang="en-US" sz="800" dirty="0"/>
+              <a:t> Abdul et al. “A comparative study between LBP and </a:t>
+            </a:r>
+            <a:r>
+              <a:rPr lang="en-US" sz="800" dirty="0" err="1"/>
+              <a:t>Haar</a:t>
+            </a:r>
+            <a:r>
+              <a:rPr lang="en-US" sz="800" dirty="0"/>
+              <a:t>-like features for Face Detection using OpenCV.” </a:t>
+            </a:r>
+            <a:r>
+              <a:rPr lang="en-US" sz="800" i="1" dirty="0"/>
+              <a:t>2014 4th International Conference on Engineering Technology and </a:t>
+            </a:r>
+            <a:r>
+              <a:rPr lang="en-US" sz="800" i="1" dirty="0" err="1"/>
+              <a:t>Technopreneuship</a:t>
+            </a:r>
+            <a:r>
+              <a:rPr lang="en-US" sz="800" i="1" dirty="0"/>
+              <a:t> (ICE2T)</a:t>
+            </a:r>
+            <a:r>
+              <a:rPr lang="en-US" sz="800" dirty="0"/>
+              <a:t> (2014): 335-339.</a:t>
+            </a:r>
+          </a:p>
+        </p:txBody>
+      </p:sp>
+    </p:spTree>
+    <p:extLst>
+      <p:ext uri="{BB962C8B-B14F-4D97-AF65-F5344CB8AC3E}">
+        <p14:creationId xmlns:p14="http://schemas.microsoft.com/office/powerpoint/2010/main" val="201159916"/>
+      </p:ext>
+    </p:extLst>
+  </p:cSld>
+  <p:clrMapOvr>
+    <a:masterClrMapping/>
+  </p:clrMapOvr>
+</p:sld>
+</file>
+
+<file path=ppt/slides/slide5.xml><?xml version="1.0" encoding="utf-8"?>
+<p:sld xmlns:a="http://schemas.openxmlformats.org/drawingml/2006/main" xmlns:r="http://schemas.openxmlformats.org/officeDocument/2006/relationships" xmlns:p="http://schemas.openxmlformats.org/presentationml/2006/main">
+  <p:cSld>
+    <p:spTree>
+      <p:nvGrpSpPr>
+        <p:cNvPr id="1" name=""/>
+        <p:cNvGrpSpPr/>
+        <p:nvPr/>
+      </p:nvGrpSpPr>
+      <p:grpSpPr>
+        <a:xfrm>
+          <a:off x="0" y="0"/>
+          <a:ext cx="0" cy="0"/>
+          <a:chOff x="0" y="0"/>
+          <a:chExt cx="0" cy="0"/>
+        </a:xfrm>
+      </p:grpSpPr>
+      <p:pic>
+        <p:nvPicPr>
+          <p:cNvPr id="4" name="Picture 3">
+            <a:extLst>
+              <a:ext uri="{FF2B5EF4-FFF2-40B4-BE49-F238E27FC236}">
+                <a16:creationId xmlns:a16="http://schemas.microsoft.com/office/drawing/2014/main" id="{63A91C74-29CF-45BE-BA92-ECB7C3F4B4B3}"/>
+              </a:ext>
+            </a:extLst>
+          </p:cNvPr>
+          <p:cNvPicPr>
+            <a:picLocks noChangeAspect="1"/>
+          </p:cNvPicPr>
+          <p:nvPr/>
+        </p:nvPicPr>
+        <p:blipFill>
+          <a:blip r:embed="rId3">
+            <a:extLst>
+              <a:ext uri="{28A0092B-C50C-407E-A947-70E740481C1C}">
+                <a14:useLocalDpi xmlns:a14="http://schemas.microsoft.com/office/drawing/2010/main" val="0"/>
+              </a:ext>
+            </a:extLst>
+          </a:blip>
+          <a:stretch>
+            <a:fillRect/>
+          </a:stretch>
+        </p:blipFill>
+        <p:spPr>
+          <a:xfrm>
+            <a:off x="3655627" y="0"/>
+            <a:ext cx="4880746" cy="2285817"/>
+          </a:xfrm>
+          <a:prstGeom prst="rect">
+            <a:avLst/>
+          </a:prstGeom>
+        </p:spPr>
+      </p:pic>
+      <p:pic>
+        <p:nvPicPr>
+          <p:cNvPr id="5" name="Online Media 6">
+            <a:hlinkClick r:id="" action="ppaction://media"/>
+            <a:extLst>
+              <a:ext uri="{FF2B5EF4-FFF2-40B4-BE49-F238E27FC236}">
+                <a16:creationId xmlns:a16="http://schemas.microsoft.com/office/drawing/2014/main" id="{3D012DFC-3FFC-4693-BBE5-21BDD0791B13}"/>
+              </a:ext>
+            </a:extLst>
+          </p:cNvPr>
+          <p:cNvPicPr>
+            <a:picLocks noRot="1" noChangeAspect="1"/>
+          </p:cNvPicPr>
+          <p:nvPr>
+            <a:videoFile r:link="rId1"/>
+          </p:nvPr>
+        </p:nvPicPr>
+        <p:blipFill>
+          <a:blip r:embed="rId4"/>
+          <a:stretch>
+            <a:fillRect/>
+          </a:stretch>
+        </p:blipFill>
+        <p:spPr>
+          <a:xfrm>
+            <a:off x="2338060" y="2285817"/>
+            <a:ext cx="7515880" cy="4227682"/>
+          </a:xfrm>
+          <a:prstGeom prst="rect">
+            <a:avLst/>
+          </a:prstGeom>
+        </p:spPr>
+      </p:pic>
+    </p:spTree>
+    <p:extLst>
+      <p:ext uri="{BB962C8B-B14F-4D97-AF65-F5344CB8AC3E}">
+        <p14:creationId xmlns:p14="http://schemas.microsoft.com/office/powerpoint/2010/main" val="3708836900"/>
+      </p:ext>
+    </p:extLst>
+  </p:cSld>
+  <p:clrMapOvr>
+    <a:masterClrMapping/>
+  </p:clrMapOvr>
+</p:sld>
+</file>
+
+<file path=ppt/slides/slide6.xml><?xml version="1.0" encoding="utf-8"?>
+<p:sld xmlns:a="http://schemas.openxmlformats.org/drawingml/2006/main" xmlns:r="http://schemas.openxmlformats.org/officeDocument/2006/relationships" xmlns:p="http://schemas.openxmlformats.org/presentationml/2006/main">
+  <p:cSld>
+    <p:bg>
+      <p:bgPr>
+        <a:solidFill>
+          <a:schemeClr val="bg1"/>
+        </a:solidFill>
+        <a:effectLst/>
+      </p:bgPr>
+    </p:bg>
+    <p:spTree>
+      <p:nvGrpSpPr>
+        <p:cNvPr id="1" name=""/>
+        <p:cNvGrpSpPr/>
+        <p:nvPr/>
+      </p:nvGrpSpPr>
+      <p:grpSpPr>
+        <a:xfrm>
+          <a:off x="0" y="0"/>
+          <a:ext cx="0" cy="0"/>
+          <a:chOff x="0" y="0"/>
+          <a:chExt cx="0" cy="0"/>
+        </a:xfrm>
+      </p:grpSpPr>
+      <p:sp>
+        <p:nvSpPr>
+          <p:cNvPr id="2" name="Title 1">
+            <a:extLst>
+              <a:ext uri="{FF2B5EF4-FFF2-40B4-BE49-F238E27FC236}">
+                <a16:creationId xmlns:a16="http://schemas.microsoft.com/office/drawing/2014/main" id="{073293D6-BC3F-43FB-8A6C-4310B230E8C5}"/>
+              </a:ext>
+            </a:extLst>
+          </p:cNvPr>
+          <p:cNvSpPr>
+            <a:spLocks noGrp="1"/>
+          </p:cNvSpPr>
+          <p:nvPr>
+            <p:ph type="title"/>
+          </p:nvPr>
+        </p:nvSpPr>
+        <p:spPr/>
+        <p:txBody>
+          <a:bodyPr anchor="b">
+            <a:normAutofit/>
+          </a:bodyPr>
+          <a:lstStyle/>
+          <a:p>
+            <a:r>
+              <a:rPr lang="en-US" dirty="0"/>
+              <a:t>FER2013 dataset</a:t>
+            </a:r>
+          </a:p>
+        </p:txBody>
+      </p:sp>
+      <p:sp>
+        <p:nvSpPr>
+          <p:cNvPr id="7" name="Content Placeholder 6">
+            <a:extLst>
+              <a:ext uri="{FF2B5EF4-FFF2-40B4-BE49-F238E27FC236}">
+                <a16:creationId xmlns:a16="http://schemas.microsoft.com/office/drawing/2014/main" id="{ECEDAA36-D979-4C0A-8843-941BAB6121FB}"/>
+              </a:ext>
+            </a:extLst>
+          </p:cNvPr>
+          <p:cNvSpPr>
+            <a:spLocks noGrp="1"/>
+          </p:cNvSpPr>
+          <p:nvPr>
+            <p:ph sz="half" idx="1"/>
+          </p:nvPr>
+        </p:nvSpPr>
+        <p:spPr/>
+        <p:txBody>
+          <a:bodyPr/>
+          <a:lstStyle/>
+          <a:p>
+            <a:endParaRPr lang="en-US" dirty="0"/>
+          </a:p>
+          <a:p>
+            <a:r>
+              <a:rPr lang="en-US" dirty="0"/>
+              <a:t>35,000 face crops</a:t>
+            </a:r>
+          </a:p>
+          <a:p>
+            <a:endParaRPr lang="en-US" dirty="0"/>
+          </a:p>
+          <a:p>
+            <a:r>
+              <a:rPr lang="en-US" dirty="0"/>
+              <a:t>Grayscale images</a:t>
+            </a:r>
+          </a:p>
+          <a:p>
+            <a:endParaRPr lang="en-US" dirty="0"/>
+          </a:p>
+          <a:p>
+            <a:r>
+              <a:rPr lang="en-US" dirty="0"/>
+              <a:t>Resolution of 48 x 48 pixels</a:t>
+            </a:r>
+          </a:p>
+        </p:txBody>
+      </p:sp>
+      <p:pic>
+        <p:nvPicPr>
+          <p:cNvPr id="8" name="Picture 7">
+            <a:extLst>
+              <a:ext uri="{FF2B5EF4-FFF2-40B4-BE49-F238E27FC236}">
+                <a16:creationId xmlns:a16="http://schemas.microsoft.com/office/drawing/2014/main" id="{08E49DD0-199B-435A-B4CD-BA5F4EB9DF1A}"/>
+              </a:ext>
+            </a:extLst>
+          </p:cNvPr>
+          <p:cNvPicPr>
+            <a:picLocks noChangeAspect="1"/>
+          </p:cNvPicPr>
+          <p:nvPr/>
+        </p:nvPicPr>
+        <p:blipFill>
+          <a:blip r:embed="rId2">
+            <a:extLst>
+              <a:ext uri="{28A0092B-C50C-407E-A947-70E740481C1C}">
+                <a14:useLocalDpi xmlns:a14="http://schemas.microsoft.com/office/drawing/2010/main" val="0"/>
+              </a:ext>
+            </a:extLst>
+          </a:blip>
+          <a:stretch>
+            <a:fillRect/>
+          </a:stretch>
+        </p:blipFill>
+        <p:spPr>
+          <a:xfrm>
+            <a:off x="6172200" y="1825625"/>
+            <a:ext cx="5257800" cy="3923731"/>
+          </a:xfrm>
+          <a:prstGeom prst="rect">
+            <a:avLst/>
+          </a:prstGeom>
+        </p:spPr>
+      </p:pic>
+    </p:spTree>
+    <p:extLst>
+      <p:ext uri="{BB962C8B-B14F-4D97-AF65-F5344CB8AC3E}">
+        <p14:creationId xmlns:p14="http://schemas.microsoft.com/office/powerpoint/2010/main" val="3799273785"/>
+      </p:ext>
+    </p:extLst>
+  </p:cSld>
+  <p:clrMapOvr>
+    <a:masterClrMapping/>
+  </p:clrMapOvr>
+</p:sld>
+</file>
+
+<file path=ppt/slides/slide7.xml><?xml version="1.0" encoding="utf-8"?>
+<p:sld xmlns:a="http://schemas.openxmlformats.org/drawingml/2006/main" xmlns:r="http://schemas.openxmlformats.org/officeDocument/2006/relationships" xmlns:p="http://schemas.openxmlformats.org/presentationml/2006/main">
+  <p:cSld>
+    <p:bg>
+      <p:bgPr>
+        <a:solidFill>
+          <a:schemeClr val="bg1"/>
+        </a:solidFill>
+        <a:effectLst/>
+      </p:bgPr>
+    </p:bg>
+    <p:spTree>
+      <p:nvGrpSpPr>
+        <p:cNvPr id="1" name=""/>
+        <p:cNvGrpSpPr/>
+        <p:nvPr/>
+      </p:nvGrpSpPr>
+      <p:grpSpPr>
+        <a:xfrm>
+          <a:off x="0" y="0"/>
+          <a:ext cx="0" cy="0"/>
+          <a:chOff x="0" y="0"/>
+          <a:chExt cx="0" cy="0"/>
+        </a:xfrm>
+      </p:grpSpPr>
+      <p:sp>
+        <p:nvSpPr>
+          <p:cNvPr id="2" name="Title 1">
+            <a:extLst>
+              <a:ext uri="{FF2B5EF4-FFF2-40B4-BE49-F238E27FC236}">
+                <a16:creationId xmlns:a16="http://schemas.microsoft.com/office/drawing/2014/main" id="{073293D6-BC3F-43FB-8A6C-4310B230E8C5}"/>
+              </a:ext>
+            </a:extLst>
+          </p:cNvPr>
+          <p:cNvSpPr>
+            <a:spLocks noGrp="1"/>
+          </p:cNvSpPr>
+          <p:nvPr>
+            <p:ph type="title"/>
+          </p:nvPr>
+        </p:nvSpPr>
+        <p:spPr>
+          <a:xfrm>
+            <a:off x="960100" y="978102"/>
+            <a:ext cx="10588434" cy="1062644"/>
+          </a:xfrm>
+        </p:spPr>
+        <p:txBody>
+          <a:bodyPr anchor="b">
+            <a:normAutofit/>
+          </a:bodyPr>
+          <a:lstStyle/>
+          <a:p>
+            <a:r>
+              <a:rPr lang="en-US" dirty="0"/>
+              <a:t>Blank</a:t>
+            </a:r>
+          </a:p>
+        </p:txBody>
+      </p:sp>
+      <p:cxnSp>
+        <p:nvCxnSpPr>
+          <p:cNvPr id="23" name="Straight Connector 18">
+            <a:extLst>
+              <a:ext uri="{FF2B5EF4-FFF2-40B4-BE49-F238E27FC236}">
+                <a16:creationId xmlns:a16="http://schemas.microsoft.com/office/drawing/2014/main" id="{39B7FDC9-F0CE-43A7-9F2A-83DD09DC3453}"/>
+              </a:ext>
+              <a:ext uri="{C183D7F6-B498-43B3-948B-1728B52AA6E4}">
+                <adec:decorative xmlns:adec="http://schemas.microsoft.com/office/drawing/2017/decorative" val="1"/>
+              </a:ext>
+            </a:extLst>
+          </p:cNvPr>
+          <p:cNvCxnSpPr>
+            <a:cxnSpLocks noGrp="1" noRot="1" noChangeAspect="1" noMove="1" noResize="1" noEditPoints="1" noAdjustHandles="1" noChangeArrowheads="1" noChangeShapeType="1"/>
+          </p:cNvCxnSpPr>
+          <p:nvPr>
+            <p:extLst>
+              <p:ext uri="{386F3935-93C4-4BCD-93E2-E3B085C9AB24}">
+                <p16:designElem xmlns:p16="http://schemas.microsoft.com/office/powerpoint/2015/main" val="1"/>
+              </p:ext>
+            </p:extLst>
+          </p:nvPr>
+        </p:nvCxnSpPr>
+        <p:spPr>
+          <a:xfrm>
+            <a:off x="1047624" y="2265037"/>
+            <a:ext cx="10125012" cy="0"/>
+          </a:xfrm>
+          <a:prstGeom prst="line">
+            <a:avLst/>
+          </a:prstGeom>
+          <a:ln w="15875">
+            <a:solidFill>
+              <a:schemeClr val="tx1">
+                <a:lumMod val="65000"/>
+                <a:lumOff val="35000"/>
+              </a:schemeClr>
+            </a:solidFill>
+          </a:ln>
+        </p:spPr>
+        <p:style>
+          <a:lnRef idx="1">
+            <a:schemeClr val="accent1"/>
+          </a:lnRef>
+          <a:fillRef idx="0">
+            <a:schemeClr val="accent1"/>
+          </a:fillRef>
+          <a:effectRef idx="0">
+            <a:schemeClr val="accent1"/>
+          </a:effectRef>
+          <a:fontRef idx="minor">
+            <a:schemeClr val="tx1"/>
+          </a:fontRef>
+        </p:style>
+      </p:cxnSp>
+    </p:spTree>
+    <p:extLst>
+      <p:ext uri="{BB962C8B-B14F-4D97-AF65-F5344CB8AC3E}">
+        <p14:creationId xmlns:p14="http://schemas.microsoft.com/office/powerpoint/2010/main" val="938408830"/>
+      </p:ext>
+    </p:extLst>
+  </p:cSld>
+  <p:clrMapOvr>
+    <a:masterClrMapping/>
+  </p:clrMapOvr>
+</p:sld>
+</file>
+
+<file path=ppt/slides/slide8.xml><?xml version="1.0" encoding="utf-8"?>
 <p:sld xmlns:a="http://schemas.openxmlformats.org/drawingml/2006/main" xmlns:r="http://schemas.openxmlformats.org/officeDocument/2006/relationships" xmlns:p="http://schemas.openxmlformats.org/presentationml/2006/main">
   <p:cSld>
     <p:bg>
@@ -8216,7 +9653,7 @@
 </p:sld>
 </file>
 
-<file path=ppt/slides/slide4.xml><?xml version="1.0" encoding="utf-8"?>
+<file path=ppt/slides/slide9.xml><?xml version="1.0" encoding="utf-8"?>
 <p:sld xmlns:a="http://schemas.openxmlformats.org/drawingml/2006/main" xmlns:r="http://schemas.openxmlformats.org/officeDocument/2006/relationships" xmlns:p="http://schemas.openxmlformats.org/presentationml/2006/main">
   <p:cSld>
     <p:bg>
@@ -8396,26 +9833,34 @@
           <a:lstStyle/>
           <a:p>
             <a:r>
-              <a:rPr lang="en-US" sz="2400"/>
+              <a:rPr lang="en-US" sz="2400" dirty="0"/>
               <a:t>The image is an 48 by 48 array of pixels</a:t>
             </a:r>
           </a:p>
           <a:p>
             <a:r>
-              <a:rPr lang="en-US" sz="2400"/>
+              <a:rPr lang="en-US" sz="2400" dirty="0"/>
               <a:t>Computer doesn’t understand it.</a:t>
             </a:r>
           </a:p>
           <a:p>
             <a:r>
-              <a:rPr lang="en-US" sz="2400"/>
-              <a:t>Np.expand_dims(processed, 0) add one bracket to the array, or adding one dimension to it. </a:t>
-            </a:r>
-          </a:p>
-          <a:p>
-            <a:r>
-              <a:rPr lang="en-US" sz="2400"/>
-              <a:t>Np.expand_dims(processed, -1) add one bracket to each pixel</a:t>
+              <a:rPr lang="en-US" sz="2400" dirty="0" err="1"/>
+              <a:t>Np.expand_dims</a:t>
+            </a:r>
+            <a:r>
+              <a:rPr lang="en-US" sz="2400" dirty="0"/>
+              <a:t>(processed, 0) add one bracket to the array, or adding one dimension to it. </a:t>
+            </a:r>
+          </a:p>
+          <a:p>
+            <a:r>
+              <a:rPr lang="en-US" sz="2400" dirty="0" err="1"/>
+              <a:t>Np.expand_dims</a:t>
+            </a:r>
+            <a:r>
+              <a:rPr lang="en-US" sz="2400" dirty="0"/>
+              <a:t>(processed, -1) add one bracket to each pixel</a:t>
             </a:r>
           </a:p>
         </p:txBody>
@@ -8424,219 +9869,6 @@
     <p:extLst>
       <p:ext uri="{BB962C8B-B14F-4D97-AF65-F5344CB8AC3E}">
         <p14:creationId xmlns:p14="http://schemas.microsoft.com/office/powerpoint/2010/main" val="3347786290"/>
-      </p:ext>
-    </p:extLst>
-  </p:cSld>
-  <p:clrMapOvr>
-    <a:masterClrMapping/>
-  </p:clrMapOvr>
-</p:sld>
-</file>
-
-<file path=ppt/slides/slide5.xml><?xml version="1.0" encoding="utf-8"?>
-<p:sld xmlns:a="http://schemas.openxmlformats.org/drawingml/2006/main" xmlns:r="http://schemas.openxmlformats.org/officeDocument/2006/relationships" xmlns:p="http://schemas.openxmlformats.org/presentationml/2006/main">
-  <p:cSld>
-    <p:bg>
-      <p:bgPr>
-        <a:solidFill>
-          <a:schemeClr val="bg1"/>
-        </a:solidFill>
-        <a:effectLst/>
-      </p:bgPr>
-    </p:bg>
-    <p:spTree>
-      <p:nvGrpSpPr>
-        <p:cNvPr id="1" name=""/>
-        <p:cNvGrpSpPr/>
-        <p:nvPr/>
-      </p:nvGrpSpPr>
-      <p:grpSpPr>
-        <a:xfrm>
-          <a:off x="0" y="0"/>
-          <a:ext cx="0" cy="0"/>
-          <a:chOff x="0" y="0"/>
-          <a:chExt cx="0" cy="0"/>
-        </a:xfrm>
-      </p:grpSpPr>
-      <p:sp>
-        <p:nvSpPr>
-          <p:cNvPr id="2" name="Title 1">
-            <a:extLst>
-              <a:ext uri="{FF2B5EF4-FFF2-40B4-BE49-F238E27FC236}">
-                <a16:creationId xmlns:a16="http://schemas.microsoft.com/office/drawing/2014/main" id="{F07DDEE3-0DF7-47FB-B1B0-80D8BF4C5393}"/>
-              </a:ext>
-            </a:extLst>
-          </p:cNvPr>
-          <p:cNvSpPr>
-            <a:spLocks noGrp="1"/>
-          </p:cNvSpPr>
-          <p:nvPr>
-            <p:ph type="title"/>
-          </p:nvPr>
-        </p:nvSpPr>
-        <p:spPr>
-          <a:xfrm>
-            <a:off x="960100" y="978102"/>
-            <a:ext cx="10588434" cy="1062644"/>
-          </a:xfrm>
-        </p:spPr>
-        <p:txBody>
-          <a:bodyPr anchor="b">
-            <a:normAutofit/>
-          </a:bodyPr>
-          <a:lstStyle/>
-          <a:p>
-            <a:r>
-              <a:rPr lang="en-US" dirty="0"/>
-              <a:t>Image shape cont.</a:t>
-            </a:r>
-          </a:p>
-        </p:txBody>
-      </p:sp>
-      <p:cxnSp>
-        <p:nvCxnSpPr>
-          <p:cNvPr id="12" name="Straight Connector 9">
-            <a:extLst>
-              <a:ext uri="{FF2B5EF4-FFF2-40B4-BE49-F238E27FC236}">
-                <a16:creationId xmlns:a16="http://schemas.microsoft.com/office/drawing/2014/main" id="{39B7FDC9-F0CE-43A7-9F2A-83DD09DC3453}"/>
-              </a:ext>
-              <a:ext uri="{C183D7F6-B498-43B3-948B-1728B52AA6E4}">
-                <adec:decorative xmlns:adec="http://schemas.microsoft.com/office/drawing/2017/decorative" val="1"/>
-              </a:ext>
-            </a:extLst>
-          </p:cNvPr>
-          <p:cNvCxnSpPr>
-            <a:cxnSpLocks noGrp="1" noRot="1" noChangeAspect="1" noMove="1" noResize="1" noEditPoints="1" noAdjustHandles="1" noChangeArrowheads="1" noChangeShapeType="1"/>
-          </p:cNvCxnSpPr>
-          <p:nvPr>
-            <p:extLst>
-              <p:ext uri="{386F3935-93C4-4BCD-93E2-E3B085C9AB24}">
-                <p16:designElem xmlns:p16="http://schemas.microsoft.com/office/powerpoint/2015/main" val="1"/>
-              </p:ext>
-            </p:extLst>
-          </p:nvPr>
-        </p:nvCxnSpPr>
-        <p:spPr>
-          <a:xfrm>
-            <a:off x="1047624" y="2265037"/>
-            <a:ext cx="10125012" cy="0"/>
-          </a:xfrm>
-          <a:prstGeom prst="line">
-            <a:avLst/>
-          </a:prstGeom>
-          <a:ln w="15875">
-            <a:solidFill>
-              <a:schemeClr val="tx1">
-                <a:lumMod val="65000"/>
-                <a:lumOff val="35000"/>
-              </a:schemeClr>
-            </a:solidFill>
-          </a:ln>
-        </p:spPr>
-        <p:style>
-          <a:lnRef idx="1">
-            <a:schemeClr val="accent1"/>
-          </a:lnRef>
-          <a:fillRef idx="0">
-            <a:schemeClr val="accent1"/>
-          </a:fillRef>
-          <a:effectRef idx="0">
-            <a:schemeClr val="accent1"/>
-          </a:effectRef>
-          <a:fontRef idx="minor">
-            <a:schemeClr val="tx1"/>
-          </a:fontRef>
-        </p:style>
-      </p:cxnSp>
-      <p:pic>
-        <p:nvPicPr>
-          <p:cNvPr id="5" name="Picture 4">
-            <a:extLst>
-              <a:ext uri="{FF2B5EF4-FFF2-40B4-BE49-F238E27FC236}">
-                <a16:creationId xmlns:a16="http://schemas.microsoft.com/office/drawing/2014/main" id="{5320B4FA-A14E-4C94-8AC8-5C3F48E400CA}"/>
-              </a:ext>
-            </a:extLst>
-          </p:cNvPr>
-          <p:cNvPicPr>
-            <a:picLocks noChangeAspect="1"/>
-          </p:cNvPicPr>
-          <p:nvPr/>
-        </p:nvPicPr>
-        <p:blipFill>
-          <a:blip r:embed="rId2">
-            <a:extLst>
-              <a:ext uri="{28A0092B-C50C-407E-A947-70E740481C1C}">
-                <a14:useLocalDpi xmlns:a14="http://schemas.microsoft.com/office/drawing/2010/main" val="0"/>
-              </a:ext>
-            </a:extLst>
-          </a:blip>
-          <a:stretch>
-            <a:fillRect/>
-          </a:stretch>
-        </p:blipFill>
-        <p:spPr>
-          <a:xfrm>
-            <a:off x="1376878" y="2811104"/>
-            <a:ext cx="2840769" cy="2928114"/>
-          </a:xfrm>
-          <a:prstGeom prst="rect">
-            <a:avLst/>
-          </a:prstGeom>
-        </p:spPr>
-      </p:pic>
-      <p:sp>
-        <p:nvSpPr>
-          <p:cNvPr id="3" name="Content Placeholder 2">
-            <a:extLst>
-              <a:ext uri="{FF2B5EF4-FFF2-40B4-BE49-F238E27FC236}">
-                <a16:creationId xmlns:a16="http://schemas.microsoft.com/office/drawing/2014/main" id="{B5E94719-A8A0-4C80-9FF6-D1B013521A0A}"/>
-              </a:ext>
-            </a:extLst>
-          </p:cNvPr>
-          <p:cNvSpPr>
-            <a:spLocks noGrp="1"/>
-          </p:cNvSpPr>
-          <p:nvPr>
-            <p:ph idx="1"/>
-          </p:nvPr>
-        </p:nvSpPr>
-        <p:spPr>
-          <a:xfrm>
-            <a:off x="4955354" y="2682433"/>
-            <a:ext cx="6282169" cy="3215749"/>
-          </a:xfrm>
-        </p:spPr>
-        <p:txBody>
-          <a:bodyPr>
-            <a:normAutofit/>
-          </a:bodyPr>
-          <a:lstStyle/>
-          <a:p>
-            <a:r>
-              <a:rPr lang="en-US" sz="2400"/>
-              <a:t>What does that all mean?????</a:t>
-            </a:r>
-          </a:p>
-          <a:p>
-            <a:r>
-              <a:rPr lang="en-US" sz="2400"/>
-              <a:t>By changing it to a (1,48,48,1) array from (48,48) you are telling the machine, there is one picture of 48 by 48 pixel with one kind of color.</a:t>
-            </a:r>
-          </a:p>
-          <a:p>
-            <a:pPr lvl="1"/>
-            <a:r>
-              <a:rPr lang="en-US"/>
-              <a:t>Color pixel would be (1,48,48,3) where each pixel is an array of 3 color element, or the rgb(255,255,255)</a:t>
-            </a:r>
-            <a:endParaRPr lang="en-US" dirty="0"/>
-          </a:p>
-        </p:txBody>
-      </p:sp>
-    </p:spTree>
-    <p:extLst>
-      <p:ext uri="{BB962C8B-B14F-4D97-AF65-F5344CB8AC3E}">
-        <p14:creationId xmlns:p14="http://schemas.microsoft.com/office/powerpoint/2010/main" val="2432758918"/>
       </p:ext>
     </p:extLst>
   </p:cSld>

--- a/GGG PPT.pptx
+++ b/GGG PPT.pptx
@@ -4,17 +4,26 @@
   <p:sldMasterIdLst>
     <p:sldMasterId id="2147483648" r:id="rId1"/>
   </p:sldMasterIdLst>
+  <p:notesMasterIdLst>
+    <p:notesMasterId r:id="rId18"/>
+  </p:notesMasterIdLst>
   <p:sldIdLst>
     <p:sldId id="261" r:id="rId2"/>
     <p:sldId id="273" r:id="rId3"/>
     <p:sldId id="266" r:id="rId4"/>
     <p:sldId id="269" r:id="rId5"/>
     <p:sldId id="270" r:id="rId6"/>
-    <p:sldId id="271" r:id="rId7"/>
-    <p:sldId id="272" r:id="rId8"/>
-    <p:sldId id="257" r:id="rId9"/>
-    <p:sldId id="258" r:id="rId10"/>
-    <p:sldId id="259" r:id="rId11"/>
+    <p:sldId id="256" r:id="rId7"/>
+    <p:sldId id="274" r:id="rId8"/>
+    <p:sldId id="275" r:id="rId9"/>
+    <p:sldId id="276" r:id="rId10"/>
+    <p:sldId id="260" r:id="rId11"/>
+    <p:sldId id="277" r:id="rId12"/>
+    <p:sldId id="262" r:id="rId13"/>
+    <p:sldId id="263" r:id="rId14"/>
+    <p:sldId id="257" r:id="rId15"/>
+    <p:sldId id="258" r:id="rId16"/>
+    <p:sldId id="259" r:id="rId17"/>
   </p:sldIdLst>
   <p:sldSz cx="12192000" cy="6858000"/>
   <p:notesSz cx="6858000" cy="9144000"/>
@@ -121,6 +130,1227 @@
 </p:presentation>
 </file>
 
+<file path=ppt/notesMasters/notesMaster1.xml><?xml version="1.0" encoding="utf-8"?>
+<p:notesMaster xmlns:a="http://schemas.openxmlformats.org/drawingml/2006/main" xmlns:r="http://schemas.openxmlformats.org/officeDocument/2006/relationships" xmlns:p="http://schemas.openxmlformats.org/presentationml/2006/main">
+  <p:cSld>
+    <p:bg>
+      <p:bgRef idx="1001">
+        <a:schemeClr val="bg1"/>
+      </p:bgRef>
+    </p:bg>
+    <p:spTree>
+      <p:nvGrpSpPr>
+        <p:cNvPr id="1" name=""/>
+        <p:cNvGrpSpPr/>
+        <p:nvPr/>
+      </p:nvGrpSpPr>
+      <p:grpSpPr>
+        <a:xfrm>
+          <a:off x="0" y="0"/>
+          <a:ext cx="0" cy="0"/>
+          <a:chOff x="0" y="0"/>
+          <a:chExt cx="0" cy="0"/>
+        </a:xfrm>
+      </p:grpSpPr>
+      <p:sp>
+        <p:nvSpPr>
+          <p:cNvPr id="2" name="Header Placeholder 1"/>
+          <p:cNvSpPr>
+            <a:spLocks noGrp="1"/>
+          </p:cNvSpPr>
+          <p:nvPr>
+            <p:ph type="hdr" sz="quarter"/>
+          </p:nvPr>
+        </p:nvSpPr>
+        <p:spPr>
+          <a:xfrm>
+            <a:off x="0" y="0"/>
+            <a:ext cx="2971800" cy="458788"/>
+          </a:xfrm>
+          <a:prstGeom prst="rect">
+            <a:avLst/>
+          </a:prstGeom>
+        </p:spPr>
+        <p:txBody>
+          <a:bodyPr vert="horz" lIns="91440" tIns="45720" rIns="91440" bIns="45720" rtlCol="0"/>
+          <a:lstStyle>
+            <a:lvl1pPr algn="l">
+              <a:defRPr sz="1200"/>
+            </a:lvl1pPr>
+          </a:lstStyle>
+          <a:p>
+            <a:endParaRPr lang="en-US"/>
+          </a:p>
+        </p:txBody>
+      </p:sp>
+      <p:sp>
+        <p:nvSpPr>
+          <p:cNvPr id="3" name="Date Placeholder 2"/>
+          <p:cNvSpPr>
+            <a:spLocks noGrp="1"/>
+          </p:cNvSpPr>
+          <p:nvPr>
+            <p:ph type="dt" idx="1"/>
+          </p:nvPr>
+        </p:nvSpPr>
+        <p:spPr>
+          <a:xfrm>
+            <a:off x="3884613" y="0"/>
+            <a:ext cx="2971800" cy="458788"/>
+          </a:xfrm>
+          <a:prstGeom prst="rect">
+            <a:avLst/>
+          </a:prstGeom>
+        </p:spPr>
+        <p:txBody>
+          <a:bodyPr vert="horz" lIns="91440" tIns="45720" rIns="91440" bIns="45720" rtlCol="0"/>
+          <a:lstStyle>
+            <a:lvl1pPr algn="r">
+              <a:defRPr sz="1200"/>
+            </a:lvl1pPr>
+          </a:lstStyle>
+          <a:p>
+            <a:fld id="{58239ED8-106C-3146-ACB6-FC40F76F6FF0}" type="datetimeFigureOut">
+              <a:rPr lang="en-US" smtClean="0"/>
+              <a:t>2/1/19</a:t>
+            </a:fld>
+            <a:endParaRPr lang="en-US"/>
+          </a:p>
+        </p:txBody>
+      </p:sp>
+      <p:sp>
+        <p:nvSpPr>
+          <p:cNvPr id="4" name="Slide Image Placeholder 3"/>
+          <p:cNvSpPr>
+            <a:spLocks noGrp="1" noRot="1" noChangeAspect="1"/>
+          </p:cNvSpPr>
+          <p:nvPr>
+            <p:ph type="sldImg" idx="2"/>
+          </p:nvPr>
+        </p:nvSpPr>
+        <p:spPr>
+          <a:xfrm>
+            <a:off x="685800" y="1143000"/>
+            <a:ext cx="5486400" cy="3086100"/>
+          </a:xfrm>
+          <a:prstGeom prst="rect">
+            <a:avLst/>
+          </a:prstGeom>
+          <a:noFill/>
+          <a:ln w="12700">
+            <a:solidFill>
+              <a:prstClr val="black"/>
+            </a:solidFill>
+          </a:ln>
+        </p:spPr>
+        <p:txBody>
+          <a:bodyPr vert="horz" lIns="91440" tIns="45720" rIns="91440" bIns="45720" rtlCol="0" anchor="ctr"/>
+          <a:lstStyle/>
+          <a:p>
+            <a:endParaRPr lang="en-US"/>
+          </a:p>
+        </p:txBody>
+      </p:sp>
+      <p:sp>
+        <p:nvSpPr>
+          <p:cNvPr id="5" name="Notes Placeholder 4"/>
+          <p:cNvSpPr>
+            <a:spLocks noGrp="1"/>
+          </p:cNvSpPr>
+          <p:nvPr>
+            <p:ph type="body" sz="quarter" idx="3"/>
+          </p:nvPr>
+        </p:nvSpPr>
+        <p:spPr>
+          <a:xfrm>
+            <a:off x="685800" y="4400550"/>
+            <a:ext cx="5486400" cy="3600450"/>
+          </a:xfrm>
+          <a:prstGeom prst="rect">
+            <a:avLst/>
+          </a:prstGeom>
+        </p:spPr>
+        <p:txBody>
+          <a:bodyPr vert="horz" lIns="91440" tIns="45720" rIns="91440" bIns="45720" rtlCol="0"/>
+          <a:lstStyle/>
+          <a:p>
+            <a:pPr lvl="0"/>
+            <a:r>
+              <a:rPr lang="en-US"/>
+              <a:t>Edit Master text styles</a:t>
+            </a:r>
+          </a:p>
+          <a:p>
+            <a:pPr lvl="1"/>
+            <a:r>
+              <a:rPr lang="en-US"/>
+              <a:t>Second level</a:t>
+            </a:r>
+          </a:p>
+          <a:p>
+            <a:pPr lvl="2"/>
+            <a:r>
+              <a:rPr lang="en-US"/>
+              <a:t>Third level</a:t>
+            </a:r>
+          </a:p>
+          <a:p>
+            <a:pPr lvl="3"/>
+            <a:r>
+              <a:rPr lang="en-US"/>
+              <a:t>Fourth level</a:t>
+            </a:r>
+          </a:p>
+          <a:p>
+            <a:pPr lvl="4"/>
+            <a:r>
+              <a:rPr lang="en-US"/>
+              <a:t>Fifth level</a:t>
+            </a:r>
+          </a:p>
+        </p:txBody>
+      </p:sp>
+      <p:sp>
+        <p:nvSpPr>
+          <p:cNvPr id="6" name="Footer Placeholder 5"/>
+          <p:cNvSpPr>
+            <a:spLocks noGrp="1"/>
+          </p:cNvSpPr>
+          <p:nvPr>
+            <p:ph type="ftr" sz="quarter" idx="4"/>
+          </p:nvPr>
+        </p:nvSpPr>
+        <p:spPr>
+          <a:xfrm>
+            <a:off x="0" y="8685213"/>
+            <a:ext cx="2971800" cy="458787"/>
+          </a:xfrm>
+          <a:prstGeom prst="rect">
+            <a:avLst/>
+          </a:prstGeom>
+        </p:spPr>
+        <p:txBody>
+          <a:bodyPr vert="horz" lIns="91440" tIns="45720" rIns="91440" bIns="45720" rtlCol="0" anchor="b"/>
+          <a:lstStyle>
+            <a:lvl1pPr algn="l">
+              <a:defRPr sz="1200"/>
+            </a:lvl1pPr>
+          </a:lstStyle>
+          <a:p>
+            <a:endParaRPr lang="en-US"/>
+          </a:p>
+        </p:txBody>
+      </p:sp>
+      <p:sp>
+        <p:nvSpPr>
+          <p:cNvPr id="7" name="Slide Number Placeholder 6"/>
+          <p:cNvSpPr>
+            <a:spLocks noGrp="1"/>
+          </p:cNvSpPr>
+          <p:nvPr>
+            <p:ph type="sldNum" sz="quarter" idx="5"/>
+          </p:nvPr>
+        </p:nvSpPr>
+        <p:spPr>
+          <a:xfrm>
+            <a:off x="3884613" y="8685213"/>
+            <a:ext cx="2971800" cy="458787"/>
+          </a:xfrm>
+          <a:prstGeom prst="rect">
+            <a:avLst/>
+          </a:prstGeom>
+        </p:spPr>
+        <p:txBody>
+          <a:bodyPr vert="horz" lIns="91440" tIns="45720" rIns="91440" bIns="45720" rtlCol="0" anchor="b"/>
+          <a:lstStyle>
+            <a:lvl1pPr algn="r">
+              <a:defRPr sz="1200"/>
+            </a:lvl1pPr>
+          </a:lstStyle>
+          <a:p>
+            <a:fld id="{AB774BFF-252A-5342-A9C9-13A8C857BCE2}" type="slidenum">
+              <a:rPr lang="en-US" smtClean="0"/>
+              <a:t>‹#›</a:t>
+            </a:fld>
+            <a:endParaRPr lang="en-US"/>
+          </a:p>
+        </p:txBody>
+      </p:sp>
+    </p:spTree>
+    <p:extLst>
+      <p:ext uri="{BB962C8B-B14F-4D97-AF65-F5344CB8AC3E}">
+        <p14:creationId xmlns:p14="http://schemas.microsoft.com/office/powerpoint/2010/main" val="1332146674"/>
+      </p:ext>
+    </p:extLst>
+  </p:cSld>
+  <p:clrMap bg1="lt1" tx1="dk1" bg2="lt2" tx2="dk2" accent1="accent1" accent2="accent2" accent3="accent3" accent4="accent4" accent5="accent5" accent6="accent6" hlink="hlink" folHlink="folHlink"/>
+  <p:notesStyle>
+    <a:lvl1pPr marL="0" algn="l" defTabSz="914400" rtl="0" eaLnBrk="1" latinLnBrk="0" hangingPunct="1">
+      <a:defRPr sz="1200" kern="1200">
+        <a:solidFill>
+          <a:schemeClr val="tx1"/>
+        </a:solidFill>
+        <a:latin typeface="+mn-lt"/>
+        <a:ea typeface="+mn-ea"/>
+        <a:cs typeface="+mn-cs"/>
+      </a:defRPr>
+    </a:lvl1pPr>
+    <a:lvl2pPr marL="457200" algn="l" defTabSz="914400" rtl="0" eaLnBrk="1" latinLnBrk="0" hangingPunct="1">
+      <a:defRPr sz="1200" kern="1200">
+        <a:solidFill>
+          <a:schemeClr val="tx1"/>
+        </a:solidFill>
+        <a:latin typeface="+mn-lt"/>
+        <a:ea typeface="+mn-ea"/>
+        <a:cs typeface="+mn-cs"/>
+      </a:defRPr>
+    </a:lvl2pPr>
+    <a:lvl3pPr marL="914400" algn="l" defTabSz="914400" rtl="0" eaLnBrk="1" latinLnBrk="0" hangingPunct="1">
+      <a:defRPr sz="1200" kern="1200">
+        <a:solidFill>
+          <a:schemeClr val="tx1"/>
+        </a:solidFill>
+        <a:latin typeface="+mn-lt"/>
+        <a:ea typeface="+mn-ea"/>
+        <a:cs typeface="+mn-cs"/>
+      </a:defRPr>
+    </a:lvl3pPr>
+    <a:lvl4pPr marL="1371600" algn="l" defTabSz="914400" rtl="0" eaLnBrk="1" latinLnBrk="0" hangingPunct="1">
+      <a:defRPr sz="1200" kern="1200">
+        <a:solidFill>
+          <a:schemeClr val="tx1"/>
+        </a:solidFill>
+        <a:latin typeface="+mn-lt"/>
+        <a:ea typeface="+mn-ea"/>
+        <a:cs typeface="+mn-cs"/>
+      </a:defRPr>
+    </a:lvl4pPr>
+    <a:lvl5pPr marL="1828800" algn="l" defTabSz="914400" rtl="0" eaLnBrk="1" latinLnBrk="0" hangingPunct="1">
+      <a:defRPr sz="1200" kern="1200">
+        <a:solidFill>
+          <a:schemeClr val="tx1"/>
+        </a:solidFill>
+        <a:latin typeface="+mn-lt"/>
+        <a:ea typeface="+mn-ea"/>
+        <a:cs typeface="+mn-cs"/>
+      </a:defRPr>
+    </a:lvl5pPr>
+    <a:lvl6pPr marL="2286000" algn="l" defTabSz="914400" rtl="0" eaLnBrk="1" latinLnBrk="0" hangingPunct="1">
+      <a:defRPr sz="1200" kern="1200">
+        <a:solidFill>
+          <a:schemeClr val="tx1"/>
+        </a:solidFill>
+        <a:latin typeface="+mn-lt"/>
+        <a:ea typeface="+mn-ea"/>
+        <a:cs typeface="+mn-cs"/>
+      </a:defRPr>
+    </a:lvl6pPr>
+    <a:lvl7pPr marL="2743200" algn="l" defTabSz="914400" rtl="0" eaLnBrk="1" latinLnBrk="0" hangingPunct="1">
+      <a:defRPr sz="1200" kern="1200">
+        <a:solidFill>
+          <a:schemeClr val="tx1"/>
+        </a:solidFill>
+        <a:latin typeface="+mn-lt"/>
+        <a:ea typeface="+mn-ea"/>
+        <a:cs typeface="+mn-cs"/>
+      </a:defRPr>
+    </a:lvl7pPr>
+    <a:lvl8pPr marL="3200400" algn="l" defTabSz="914400" rtl="0" eaLnBrk="1" latinLnBrk="0" hangingPunct="1">
+      <a:defRPr sz="1200" kern="1200">
+        <a:solidFill>
+          <a:schemeClr val="tx1"/>
+        </a:solidFill>
+        <a:latin typeface="+mn-lt"/>
+        <a:ea typeface="+mn-ea"/>
+        <a:cs typeface="+mn-cs"/>
+      </a:defRPr>
+    </a:lvl8pPr>
+    <a:lvl9pPr marL="3657600" algn="l" defTabSz="914400" rtl="0" eaLnBrk="1" latinLnBrk="0" hangingPunct="1">
+      <a:defRPr sz="1200" kern="1200">
+        <a:solidFill>
+          <a:schemeClr val="tx1"/>
+        </a:solidFill>
+        <a:latin typeface="+mn-lt"/>
+        <a:ea typeface="+mn-ea"/>
+        <a:cs typeface="+mn-cs"/>
+      </a:defRPr>
+    </a:lvl9pPr>
+  </p:notesStyle>
+</p:notesMaster>
+</file>
+
+<file path=ppt/notesSlides/notesSlide1.xml><?xml version="1.0" encoding="utf-8"?>
+<p:notes xmlns:a="http://schemas.openxmlformats.org/drawingml/2006/main" xmlns:r="http://schemas.openxmlformats.org/officeDocument/2006/relationships" xmlns:p="http://schemas.openxmlformats.org/presentationml/2006/main" showMasterSp="0" showMasterPhAnim="0">
+  <p:cSld>
+    <p:spTree>
+      <p:nvGrpSpPr>
+        <p:cNvPr id="1" name="Shape 50"/>
+        <p:cNvGrpSpPr/>
+        <p:nvPr/>
+      </p:nvGrpSpPr>
+      <p:grpSpPr>
+        <a:xfrm>
+          <a:off x="0" y="0"/>
+          <a:ext cx="0" cy="0"/>
+          <a:chOff x="0" y="0"/>
+          <a:chExt cx="0" cy="0"/>
+        </a:xfrm>
+      </p:grpSpPr>
+      <p:sp>
+        <p:nvSpPr>
+          <p:cNvPr id="51" name="Google Shape;51;p:notes"/>
+          <p:cNvSpPr>
+            <a:spLocks noGrp="1" noRot="1" noChangeAspect="1"/>
+          </p:cNvSpPr>
+          <p:nvPr>
+            <p:ph type="sldImg" idx="2"/>
+          </p:nvPr>
+        </p:nvSpPr>
+        <p:spPr>
+          <a:xfrm>
+            <a:off x="381300" y="685800"/>
+            <a:ext cx="6096075" cy="3429000"/>
+          </a:xfrm>
+          <a:custGeom>
+            <a:avLst/>
+            <a:gdLst/>
+            <a:ahLst/>
+            <a:cxnLst/>
+            <a:rect l="l" t="t" r="r" b="b"/>
+            <a:pathLst>
+              <a:path w="120000" h="120000" extrusionOk="0">
+                <a:moveTo>
+                  <a:pt x="0" y="0"/>
+                </a:moveTo>
+                <a:lnTo>
+                  <a:pt x="120000" y="0"/>
+                </a:lnTo>
+                <a:lnTo>
+                  <a:pt x="120000" y="120000"/>
+                </a:lnTo>
+                <a:lnTo>
+                  <a:pt x="0" y="120000"/>
+                </a:lnTo>
+                <a:close/>
+              </a:path>
+            </a:pathLst>
+          </a:custGeom>
+        </p:spPr>
+      </p:sp>
+      <p:sp>
+        <p:nvSpPr>
+          <p:cNvPr id="52" name="Google Shape;52;p:notes"/>
+          <p:cNvSpPr txBox="1">
+            <a:spLocks noGrp="1"/>
+          </p:cNvSpPr>
+          <p:nvPr>
+            <p:ph type="body" idx="1"/>
+          </p:nvPr>
+        </p:nvSpPr>
+        <p:spPr>
+          <a:xfrm>
+            <a:off x="685800" y="4343400"/>
+            <a:ext cx="5486400" cy="4114800"/>
+          </a:xfrm>
+          <a:prstGeom prst="rect">
+            <a:avLst/>
+          </a:prstGeom>
+        </p:spPr>
+        <p:txBody>
+          <a:bodyPr spcFirstLastPara="1" wrap="square" lIns="91425" tIns="91425" rIns="91425" bIns="91425" anchor="t" anchorCtr="0">
+            <a:noAutofit/>
+          </a:bodyPr>
+          <a:lstStyle/>
+          <a:p>
+            <a:pPr marL="0" lvl="0" indent="0" algn="l" rtl="0">
+              <a:spcBef>
+                <a:spcPts val="0"/>
+              </a:spcBef>
+              <a:spcAft>
+                <a:spcPts val="0"/>
+              </a:spcAft>
+              <a:buNone/>
+            </a:pPr>
+            <a:endParaRPr/>
+          </a:p>
+        </p:txBody>
+      </p:sp>
+    </p:spTree>
+    <p:extLst>
+      <p:ext uri="{BB962C8B-B14F-4D97-AF65-F5344CB8AC3E}">
+        <p14:creationId xmlns:p14="http://schemas.microsoft.com/office/powerpoint/2010/main" val="3398672059"/>
+      </p:ext>
+    </p:extLst>
+  </p:cSld>
+  <p:clrMapOvr>
+    <a:masterClrMapping/>
+  </p:clrMapOvr>
+</p:notes>
+</file>
+
+<file path=ppt/notesSlides/notesSlide2.xml><?xml version="1.0" encoding="utf-8"?>
+<p:notes xmlns:a="http://schemas.openxmlformats.org/drawingml/2006/main" xmlns:r="http://schemas.openxmlformats.org/officeDocument/2006/relationships" xmlns:p="http://schemas.openxmlformats.org/presentationml/2006/main" showMasterSp="0" showMasterPhAnim="0">
+  <p:cSld>
+    <p:spTree>
+      <p:nvGrpSpPr>
+        <p:cNvPr id="1" name="Shape 59"/>
+        <p:cNvGrpSpPr/>
+        <p:nvPr/>
+      </p:nvGrpSpPr>
+      <p:grpSpPr>
+        <a:xfrm>
+          <a:off x="0" y="0"/>
+          <a:ext cx="0" cy="0"/>
+          <a:chOff x="0" y="0"/>
+          <a:chExt cx="0" cy="0"/>
+        </a:xfrm>
+      </p:grpSpPr>
+      <p:sp>
+        <p:nvSpPr>
+          <p:cNvPr id="60" name="Google Shape;60;g4e9d06b27a_1_52:notes"/>
+          <p:cNvSpPr>
+            <a:spLocks noGrp="1" noRot="1" noChangeAspect="1"/>
+          </p:cNvSpPr>
+          <p:nvPr>
+            <p:ph type="sldImg" idx="2"/>
+          </p:nvPr>
+        </p:nvSpPr>
+        <p:spPr>
+          <a:xfrm>
+            <a:off x="381300" y="685800"/>
+            <a:ext cx="6096000" cy="3429000"/>
+          </a:xfrm>
+          <a:custGeom>
+            <a:avLst/>
+            <a:gdLst/>
+            <a:ahLst/>
+            <a:cxnLst/>
+            <a:rect l="l" t="t" r="r" b="b"/>
+            <a:pathLst>
+              <a:path w="120000" h="120000" extrusionOk="0">
+                <a:moveTo>
+                  <a:pt x="0" y="0"/>
+                </a:moveTo>
+                <a:lnTo>
+                  <a:pt x="120000" y="0"/>
+                </a:lnTo>
+                <a:lnTo>
+                  <a:pt x="120000" y="120000"/>
+                </a:lnTo>
+                <a:lnTo>
+                  <a:pt x="0" y="120000"/>
+                </a:lnTo>
+                <a:close/>
+              </a:path>
+            </a:pathLst>
+          </a:custGeom>
+        </p:spPr>
+      </p:sp>
+      <p:sp>
+        <p:nvSpPr>
+          <p:cNvPr id="61" name="Google Shape;61;g4e9d06b27a_1_52:notes"/>
+          <p:cNvSpPr txBox="1">
+            <a:spLocks noGrp="1"/>
+          </p:cNvSpPr>
+          <p:nvPr>
+            <p:ph type="body" idx="1"/>
+          </p:nvPr>
+        </p:nvSpPr>
+        <p:spPr>
+          <a:xfrm>
+            <a:off x="685800" y="4343400"/>
+            <a:ext cx="5486400" cy="4114800"/>
+          </a:xfrm>
+          <a:prstGeom prst="rect">
+            <a:avLst/>
+          </a:prstGeom>
+        </p:spPr>
+        <p:txBody>
+          <a:bodyPr spcFirstLastPara="1" wrap="square" lIns="91425" tIns="91425" rIns="91425" bIns="91425" anchor="t" anchorCtr="0">
+            <a:noAutofit/>
+          </a:bodyPr>
+          <a:lstStyle/>
+          <a:p>
+            <a:pPr marL="0" lvl="0" indent="0" algn="l" rtl="0">
+              <a:spcBef>
+                <a:spcPts val="0"/>
+              </a:spcBef>
+              <a:spcAft>
+                <a:spcPts val="0"/>
+              </a:spcAft>
+              <a:buNone/>
+            </a:pPr>
+            <a:endParaRPr/>
+          </a:p>
+        </p:txBody>
+      </p:sp>
+    </p:spTree>
+    <p:extLst>
+      <p:ext uri="{BB962C8B-B14F-4D97-AF65-F5344CB8AC3E}">
+        <p14:creationId xmlns:p14="http://schemas.microsoft.com/office/powerpoint/2010/main" val="2655015365"/>
+      </p:ext>
+    </p:extLst>
+  </p:cSld>
+  <p:clrMapOvr>
+    <a:masterClrMapping/>
+  </p:clrMapOvr>
+</p:notes>
+</file>
+
+<file path=ppt/notesSlides/notesSlide3.xml><?xml version="1.0" encoding="utf-8"?>
+<p:notes xmlns:a="http://schemas.openxmlformats.org/drawingml/2006/main" xmlns:r="http://schemas.openxmlformats.org/officeDocument/2006/relationships" xmlns:p="http://schemas.openxmlformats.org/presentationml/2006/main" showMasterSp="0" showMasterPhAnim="0">
+  <p:cSld>
+    <p:spTree>
+      <p:nvGrpSpPr>
+        <p:cNvPr id="1" name="Shape 71"/>
+        <p:cNvGrpSpPr/>
+        <p:nvPr/>
+      </p:nvGrpSpPr>
+      <p:grpSpPr>
+        <a:xfrm>
+          <a:off x="0" y="0"/>
+          <a:ext cx="0" cy="0"/>
+          <a:chOff x="0" y="0"/>
+          <a:chExt cx="0" cy="0"/>
+        </a:xfrm>
+      </p:grpSpPr>
+      <p:sp>
+        <p:nvSpPr>
+          <p:cNvPr id="72" name="Google Shape;72;g4e9d06b27a_0_2:notes"/>
+          <p:cNvSpPr>
+            <a:spLocks noGrp="1" noRot="1" noChangeAspect="1"/>
+          </p:cNvSpPr>
+          <p:nvPr>
+            <p:ph type="sldImg" idx="2"/>
+          </p:nvPr>
+        </p:nvSpPr>
+        <p:spPr>
+          <a:xfrm>
+            <a:off x="381300" y="685800"/>
+            <a:ext cx="6096000" cy="3429000"/>
+          </a:xfrm>
+          <a:custGeom>
+            <a:avLst/>
+            <a:gdLst/>
+            <a:ahLst/>
+            <a:cxnLst/>
+            <a:rect l="l" t="t" r="r" b="b"/>
+            <a:pathLst>
+              <a:path w="120000" h="120000" extrusionOk="0">
+                <a:moveTo>
+                  <a:pt x="0" y="0"/>
+                </a:moveTo>
+                <a:lnTo>
+                  <a:pt x="120000" y="0"/>
+                </a:lnTo>
+                <a:lnTo>
+                  <a:pt x="120000" y="120000"/>
+                </a:lnTo>
+                <a:lnTo>
+                  <a:pt x="0" y="120000"/>
+                </a:lnTo>
+                <a:close/>
+              </a:path>
+            </a:pathLst>
+          </a:custGeom>
+        </p:spPr>
+      </p:sp>
+      <p:sp>
+        <p:nvSpPr>
+          <p:cNvPr id="73" name="Google Shape;73;g4e9d06b27a_0_2:notes"/>
+          <p:cNvSpPr txBox="1">
+            <a:spLocks noGrp="1"/>
+          </p:cNvSpPr>
+          <p:nvPr>
+            <p:ph type="body" idx="1"/>
+          </p:nvPr>
+        </p:nvSpPr>
+        <p:spPr>
+          <a:xfrm>
+            <a:off x="685800" y="4343400"/>
+            <a:ext cx="5486400" cy="4114800"/>
+          </a:xfrm>
+          <a:prstGeom prst="rect">
+            <a:avLst/>
+          </a:prstGeom>
+        </p:spPr>
+        <p:txBody>
+          <a:bodyPr spcFirstLastPara="1" wrap="square" lIns="91425" tIns="91425" rIns="91425" bIns="91425" anchor="t" anchorCtr="0">
+            <a:noAutofit/>
+          </a:bodyPr>
+          <a:lstStyle/>
+          <a:p>
+            <a:pPr marL="0" lvl="0" indent="0" algn="l" rtl="0">
+              <a:spcBef>
+                <a:spcPts val="0"/>
+              </a:spcBef>
+              <a:spcAft>
+                <a:spcPts val="0"/>
+              </a:spcAft>
+              <a:buNone/>
+            </a:pPr>
+            <a:endParaRPr/>
+          </a:p>
+        </p:txBody>
+      </p:sp>
+    </p:spTree>
+    <p:extLst>
+      <p:ext uri="{BB962C8B-B14F-4D97-AF65-F5344CB8AC3E}">
+        <p14:creationId xmlns:p14="http://schemas.microsoft.com/office/powerpoint/2010/main" val="411893199"/>
+      </p:ext>
+    </p:extLst>
+  </p:cSld>
+  <p:clrMapOvr>
+    <a:masterClrMapping/>
+  </p:clrMapOvr>
+</p:notes>
+</file>
+
+<file path=ppt/notesSlides/notesSlide4.xml><?xml version="1.0" encoding="utf-8"?>
+<p:notes xmlns:a="http://schemas.openxmlformats.org/drawingml/2006/main" xmlns:r="http://schemas.openxmlformats.org/officeDocument/2006/relationships" xmlns:p="http://schemas.openxmlformats.org/presentationml/2006/main" showMasterSp="0" showMasterPhAnim="0">
+  <p:cSld>
+    <p:spTree>
+      <p:nvGrpSpPr>
+        <p:cNvPr id="1" name="Shape 80"/>
+        <p:cNvGrpSpPr/>
+        <p:nvPr/>
+      </p:nvGrpSpPr>
+      <p:grpSpPr>
+        <a:xfrm>
+          <a:off x="0" y="0"/>
+          <a:ext cx="0" cy="0"/>
+          <a:chOff x="0" y="0"/>
+          <a:chExt cx="0" cy="0"/>
+        </a:xfrm>
+      </p:grpSpPr>
+      <p:sp>
+        <p:nvSpPr>
+          <p:cNvPr id="81" name="Google Shape;81;g4e9d06b27a_1_3:notes"/>
+          <p:cNvSpPr>
+            <a:spLocks noGrp="1" noRot="1" noChangeAspect="1"/>
+          </p:cNvSpPr>
+          <p:nvPr>
+            <p:ph type="sldImg" idx="2"/>
+          </p:nvPr>
+        </p:nvSpPr>
+        <p:spPr>
+          <a:xfrm>
+            <a:off x="381300" y="685800"/>
+            <a:ext cx="6096000" cy="3429000"/>
+          </a:xfrm>
+          <a:custGeom>
+            <a:avLst/>
+            <a:gdLst/>
+            <a:ahLst/>
+            <a:cxnLst/>
+            <a:rect l="l" t="t" r="r" b="b"/>
+            <a:pathLst>
+              <a:path w="120000" h="120000" extrusionOk="0">
+                <a:moveTo>
+                  <a:pt x="0" y="0"/>
+                </a:moveTo>
+                <a:lnTo>
+                  <a:pt x="120000" y="0"/>
+                </a:lnTo>
+                <a:lnTo>
+                  <a:pt x="120000" y="120000"/>
+                </a:lnTo>
+                <a:lnTo>
+                  <a:pt x="0" y="120000"/>
+                </a:lnTo>
+                <a:close/>
+              </a:path>
+            </a:pathLst>
+          </a:custGeom>
+        </p:spPr>
+      </p:sp>
+      <p:sp>
+        <p:nvSpPr>
+          <p:cNvPr id="82" name="Google Shape;82;g4e9d06b27a_1_3:notes"/>
+          <p:cNvSpPr txBox="1">
+            <a:spLocks noGrp="1"/>
+          </p:cNvSpPr>
+          <p:nvPr>
+            <p:ph type="body" idx="1"/>
+          </p:nvPr>
+        </p:nvSpPr>
+        <p:spPr>
+          <a:xfrm>
+            <a:off x="685800" y="4343400"/>
+            <a:ext cx="5486400" cy="4114800"/>
+          </a:xfrm>
+          <a:prstGeom prst="rect">
+            <a:avLst/>
+          </a:prstGeom>
+        </p:spPr>
+        <p:txBody>
+          <a:bodyPr spcFirstLastPara="1" wrap="square" lIns="91425" tIns="91425" rIns="91425" bIns="91425" anchor="t" anchorCtr="0">
+            <a:noAutofit/>
+          </a:bodyPr>
+          <a:lstStyle/>
+          <a:p>
+            <a:pPr marL="0" lvl="0" indent="0" algn="l" rtl="0">
+              <a:spcBef>
+                <a:spcPts val="0"/>
+              </a:spcBef>
+              <a:spcAft>
+                <a:spcPts val="0"/>
+              </a:spcAft>
+              <a:buNone/>
+            </a:pPr>
+            <a:endParaRPr/>
+          </a:p>
+        </p:txBody>
+      </p:sp>
+    </p:spTree>
+    <p:extLst>
+      <p:ext uri="{BB962C8B-B14F-4D97-AF65-F5344CB8AC3E}">
+        <p14:creationId xmlns:p14="http://schemas.microsoft.com/office/powerpoint/2010/main" val="2973172228"/>
+      </p:ext>
+    </p:extLst>
+  </p:cSld>
+  <p:clrMapOvr>
+    <a:masterClrMapping/>
+  </p:clrMapOvr>
+</p:notes>
+</file>
+
+<file path=ppt/notesSlides/notesSlide5.xml><?xml version="1.0" encoding="utf-8"?>
+<p:notes xmlns:a="http://schemas.openxmlformats.org/drawingml/2006/main" xmlns:r="http://schemas.openxmlformats.org/officeDocument/2006/relationships" xmlns:p="http://schemas.openxmlformats.org/presentationml/2006/main" showMasterSp="0" showMasterPhAnim="0">
+  <p:cSld>
+    <p:spTree>
+      <p:nvGrpSpPr>
+        <p:cNvPr id="1" name="Shape 90"/>
+        <p:cNvGrpSpPr/>
+        <p:nvPr/>
+      </p:nvGrpSpPr>
+      <p:grpSpPr>
+        <a:xfrm>
+          <a:off x="0" y="0"/>
+          <a:ext cx="0" cy="0"/>
+          <a:chOff x="0" y="0"/>
+          <a:chExt cx="0" cy="0"/>
+        </a:xfrm>
+      </p:grpSpPr>
+      <p:sp>
+        <p:nvSpPr>
+          <p:cNvPr id="91" name="Google Shape;91;g4b255c5f7a_0_19:notes"/>
+          <p:cNvSpPr>
+            <a:spLocks noGrp="1" noRot="1" noChangeAspect="1"/>
+          </p:cNvSpPr>
+          <p:nvPr>
+            <p:ph type="sldImg" idx="2"/>
+          </p:nvPr>
+        </p:nvSpPr>
+        <p:spPr>
+          <a:xfrm>
+            <a:off x="381300" y="685800"/>
+            <a:ext cx="6096000" cy="3429000"/>
+          </a:xfrm>
+          <a:custGeom>
+            <a:avLst/>
+            <a:gdLst/>
+            <a:ahLst/>
+            <a:cxnLst/>
+            <a:rect l="l" t="t" r="r" b="b"/>
+            <a:pathLst>
+              <a:path w="120000" h="120000" extrusionOk="0">
+                <a:moveTo>
+                  <a:pt x="0" y="0"/>
+                </a:moveTo>
+                <a:lnTo>
+                  <a:pt x="120000" y="0"/>
+                </a:lnTo>
+                <a:lnTo>
+                  <a:pt x="120000" y="120000"/>
+                </a:lnTo>
+                <a:lnTo>
+                  <a:pt x="0" y="120000"/>
+                </a:lnTo>
+                <a:close/>
+              </a:path>
+            </a:pathLst>
+          </a:custGeom>
+        </p:spPr>
+      </p:sp>
+      <p:sp>
+        <p:nvSpPr>
+          <p:cNvPr id="92" name="Google Shape;92;g4b255c5f7a_0_19:notes"/>
+          <p:cNvSpPr txBox="1">
+            <a:spLocks noGrp="1"/>
+          </p:cNvSpPr>
+          <p:nvPr>
+            <p:ph type="body" idx="1"/>
+          </p:nvPr>
+        </p:nvSpPr>
+        <p:spPr>
+          <a:xfrm>
+            <a:off x="685800" y="4343400"/>
+            <a:ext cx="5486400" cy="4114800"/>
+          </a:xfrm>
+          <a:prstGeom prst="rect">
+            <a:avLst/>
+          </a:prstGeom>
+        </p:spPr>
+        <p:txBody>
+          <a:bodyPr spcFirstLastPara="1" wrap="square" lIns="91425" tIns="91425" rIns="91425" bIns="91425" anchor="t" anchorCtr="0">
+            <a:noAutofit/>
+          </a:bodyPr>
+          <a:lstStyle/>
+          <a:p>
+            <a:pPr marL="0" lvl="0" indent="0" algn="l" rtl="0">
+              <a:spcBef>
+                <a:spcPts val="0"/>
+              </a:spcBef>
+              <a:spcAft>
+                <a:spcPts val="0"/>
+              </a:spcAft>
+              <a:buNone/>
+            </a:pPr>
+            <a:endParaRPr/>
+          </a:p>
+        </p:txBody>
+      </p:sp>
+    </p:spTree>
+    <p:extLst>
+      <p:ext uri="{BB962C8B-B14F-4D97-AF65-F5344CB8AC3E}">
+        <p14:creationId xmlns:p14="http://schemas.microsoft.com/office/powerpoint/2010/main" val="1216670485"/>
+      </p:ext>
+    </p:extLst>
+  </p:cSld>
+  <p:clrMapOvr>
+    <a:masterClrMapping/>
+  </p:clrMapOvr>
+</p:notes>
+</file>
+
+<file path=ppt/notesSlides/notesSlide6.xml><?xml version="1.0" encoding="utf-8"?>
+<p:notes xmlns:a="http://schemas.openxmlformats.org/drawingml/2006/main" xmlns:r="http://schemas.openxmlformats.org/officeDocument/2006/relationships" xmlns:p="http://schemas.openxmlformats.org/presentationml/2006/main" showMasterSp="0" showMasterPhAnim="0">
+  <p:cSld>
+    <p:spTree>
+      <p:nvGrpSpPr>
+        <p:cNvPr id="1" name="Shape 103"/>
+        <p:cNvGrpSpPr/>
+        <p:nvPr/>
+      </p:nvGrpSpPr>
+      <p:grpSpPr>
+        <a:xfrm>
+          <a:off x="0" y="0"/>
+          <a:ext cx="0" cy="0"/>
+          <a:chOff x="0" y="0"/>
+          <a:chExt cx="0" cy="0"/>
+        </a:xfrm>
+      </p:grpSpPr>
+      <p:sp>
+        <p:nvSpPr>
+          <p:cNvPr id="104" name="Google Shape;104;g4b255c5f7a_0_67:notes"/>
+          <p:cNvSpPr>
+            <a:spLocks noGrp="1" noRot="1" noChangeAspect="1"/>
+          </p:cNvSpPr>
+          <p:nvPr>
+            <p:ph type="sldImg" idx="2"/>
+          </p:nvPr>
+        </p:nvSpPr>
+        <p:spPr>
+          <a:xfrm>
+            <a:off x="381300" y="685800"/>
+            <a:ext cx="6096000" cy="3429000"/>
+          </a:xfrm>
+          <a:custGeom>
+            <a:avLst/>
+            <a:gdLst/>
+            <a:ahLst/>
+            <a:cxnLst/>
+            <a:rect l="l" t="t" r="r" b="b"/>
+            <a:pathLst>
+              <a:path w="120000" h="120000" extrusionOk="0">
+                <a:moveTo>
+                  <a:pt x="0" y="0"/>
+                </a:moveTo>
+                <a:lnTo>
+                  <a:pt x="120000" y="0"/>
+                </a:lnTo>
+                <a:lnTo>
+                  <a:pt x="120000" y="120000"/>
+                </a:lnTo>
+                <a:lnTo>
+                  <a:pt x="0" y="120000"/>
+                </a:lnTo>
+                <a:close/>
+              </a:path>
+            </a:pathLst>
+          </a:custGeom>
+        </p:spPr>
+      </p:sp>
+      <p:sp>
+        <p:nvSpPr>
+          <p:cNvPr id="105" name="Google Shape;105;g4b255c5f7a_0_67:notes"/>
+          <p:cNvSpPr txBox="1">
+            <a:spLocks noGrp="1"/>
+          </p:cNvSpPr>
+          <p:nvPr>
+            <p:ph type="body" idx="1"/>
+          </p:nvPr>
+        </p:nvSpPr>
+        <p:spPr>
+          <a:xfrm>
+            <a:off x="685800" y="4343400"/>
+            <a:ext cx="5486400" cy="4114800"/>
+          </a:xfrm>
+          <a:prstGeom prst="rect">
+            <a:avLst/>
+          </a:prstGeom>
+        </p:spPr>
+        <p:txBody>
+          <a:bodyPr spcFirstLastPara="1" wrap="square" lIns="91425" tIns="91425" rIns="91425" bIns="91425" anchor="t" anchorCtr="0">
+            <a:noAutofit/>
+          </a:bodyPr>
+          <a:lstStyle/>
+          <a:p>
+            <a:pPr marL="0" lvl="0" indent="0" algn="l" rtl="0">
+              <a:spcBef>
+                <a:spcPts val="0"/>
+              </a:spcBef>
+              <a:spcAft>
+                <a:spcPts val="0"/>
+              </a:spcAft>
+              <a:buNone/>
+            </a:pPr>
+            <a:endParaRPr/>
+          </a:p>
+        </p:txBody>
+      </p:sp>
+    </p:spTree>
+    <p:extLst>
+      <p:ext uri="{BB962C8B-B14F-4D97-AF65-F5344CB8AC3E}">
+        <p14:creationId xmlns:p14="http://schemas.microsoft.com/office/powerpoint/2010/main" val="790387863"/>
+      </p:ext>
+    </p:extLst>
+  </p:cSld>
+  <p:clrMapOvr>
+    <a:masterClrMapping/>
+  </p:clrMapOvr>
+</p:notes>
+</file>
+
+<file path=ppt/notesSlides/notesSlide7.xml><?xml version="1.0" encoding="utf-8"?>
+<p:notes xmlns:a="http://schemas.openxmlformats.org/drawingml/2006/main" xmlns:r="http://schemas.openxmlformats.org/officeDocument/2006/relationships" xmlns:p="http://schemas.openxmlformats.org/presentationml/2006/main" showMasterSp="0" showMasterPhAnim="0">
+  <p:cSld>
+    <p:spTree>
+      <p:nvGrpSpPr>
+        <p:cNvPr id="1" name="Shape 112"/>
+        <p:cNvGrpSpPr/>
+        <p:nvPr/>
+      </p:nvGrpSpPr>
+      <p:grpSpPr>
+        <a:xfrm>
+          <a:off x="0" y="0"/>
+          <a:ext cx="0" cy="0"/>
+          <a:chOff x="0" y="0"/>
+          <a:chExt cx="0" cy="0"/>
+        </a:xfrm>
+      </p:grpSpPr>
+      <p:sp>
+        <p:nvSpPr>
+          <p:cNvPr id="113" name="Google Shape;113;g4b255c5f7a_0_39:notes"/>
+          <p:cNvSpPr>
+            <a:spLocks noGrp="1" noRot="1" noChangeAspect="1"/>
+          </p:cNvSpPr>
+          <p:nvPr>
+            <p:ph type="sldImg" idx="2"/>
+          </p:nvPr>
+        </p:nvSpPr>
+        <p:spPr>
+          <a:xfrm>
+            <a:off x="381000" y="685800"/>
+            <a:ext cx="6096000" cy="3429000"/>
+          </a:xfrm>
+          <a:custGeom>
+            <a:avLst/>
+            <a:gdLst/>
+            <a:ahLst/>
+            <a:cxnLst/>
+            <a:rect l="l" t="t" r="r" b="b"/>
+            <a:pathLst>
+              <a:path w="120000" h="120000" extrusionOk="0">
+                <a:moveTo>
+                  <a:pt x="0" y="0"/>
+                </a:moveTo>
+                <a:lnTo>
+                  <a:pt x="120000" y="0"/>
+                </a:lnTo>
+                <a:lnTo>
+                  <a:pt x="120000" y="120000"/>
+                </a:lnTo>
+                <a:lnTo>
+                  <a:pt x="0" y="120000"/>
+                </a:lnTo>
+                <a:close/>
+              </a:path>
+            </a:pathLst>
+          </a:custGeom>
+        </p:spPr>
+      </p:sp>
+      <p:sp>
+        <p:nvSpPr>
+          <p:cNvPr id="114" name="Google Shape;114;g4b255c5f7a_0_39:notes"/>
+          <p:cNvSpPr txBox="1">
+            <a:spLocks noGrp="1"/>
+          </p:cNvSpPr>
+          <p:nvPr>
+            <p:ph type="body" idx="1"/>
+          </p:nvPr>
+        </p:nvSpPr>
+        <p:spPr>
+          <a:xfrm>
+            <a:off x="685800" y="4343400"/>
+            <a:ext cx="5486400" cy="4114800"/>
+          </a:xfrm>
+          <a:prstGeom prst="rect">
+            <a:avLst/>
+          </a:prstGeom>
+        </p:spPr>
+        <p:txBody>
+          <a:bodyPr spcFirstLastPara="1" wrap="square" lIns="91425" tIns="91425" rIns="91425" bIns="91425" anchor="t" anchorCtr="0">
+            <a:noAutofit/>
+          </a:bodyPr>
+          <a:lstStyle/>
+          <a:p>
+            <a:pPr marL="0" lvl="0" indent="0" algn="l" rtl="0">
+              <a:spcBef>
+                <a:spcPts val="0"/>
+              </a:spcBef>
+              <a:spcAft>
+                <a:spcPts val="0"/>
+              </a:spcAft>
+              <a:buNone/>
+            </a:pPr>
+            <a:endParaRPr/>
+          </a:p>
+        </p:txBody>
+      </p:sp>
+    </p:spTree>
+    <p:extLst>
+      <p:ext uri="{BB962C8B-B14F-4D97-AF65-F5344CB8AC3E}">
+        <p14:creationId xmlns:p14="http://schemas.microsoft.com/office/powerpoint/2010/main" val="337309287"/>
+      </p:ext>
+    </p:extLst>
+  </p:cSld>
+  <p:clrMapOvr>
+    <a:masterClrMapping/>
+  </p:clrMapOvr>
+</p:notes>
+</file>
+
+<file path=ppt/notesSlides/notesSlide8.xml><?xml version="1.0" encoding="utf-8"?>
+<p:notes xmlns:a="http://schemas.openxmlformats.org/drawingml/2006/main" xmlns:r="http://schemas.openxmlformats.org/officeDocument/2006/relationships" xmlns:p="http://schemas.openxmlformats.org/presentationml/2006/main" showMasterSp="0" showMasterPhAnim="0">
+  <p:cSld>
+    <p:spTree>
+      <p:nvGrpSpPr>
+        <p:cNvPr id="1" name="Shape 120"/>
+        <p:cNvGrpSpPr/>
+        <p:nvPr/>
+      </p:nvGrpSpPr>
+      <p:grpSpPr>
+        <a:xfrm>
+          <a:off x="0" y="0"/>
+          <a:ext cx="0" cy="0"/>
+          <a:chOff x="0" y="0"/>
+          <a:chExt cx="0" cy="0"/>
+        </a:xfrm>
+      </p:grpSpPr>
+      <p:sp>
+        <p:nvSpPr>
+          <p:cNvPr id="121" name="Google Shape;121;g4b255c5f7a_0_86:notes"/>
+          <p:cNvSpPr>
+            <a:spLocks noGrp="1" noRot="1" noChangeAspect="1"/>
+          </p:cNvSpPr>
+          <p:nvPr>
+            <p:ph type="sldImg" idx="2"/>
+          </p:nvPr>
+        </p:nvSpPr>
+        <p:spPr>
+          <a:xfrm>
+            <a:off x="381300" y="685800"/>
+            <a:ext cx="6096000" cy="3429000"/>
+          </a:xfrm>
+          <a:custGeom>
+            <a:avLst/>
+            <a:gdLst/>
+            <a:ahLst/>
+            <a:cxnLst/>
+            <a:rect l="l" t="t" r="r" b="b"/>
+            <a:pathLst>
+              <a:path w="120000" h="120000" extrusionOk="0">
+                <a:moveTo>
+                  <a:pt x="0" y="0"/>
+                </a:moveTo>
+                <a:lnTo>
+                  <a:pt x="120000" y="0"/>
+                </a:lnTo>
+                <a:lnTo>
+                  <a:pt x="120000" y="120000"/>
+                </a:lnTo>
+                <a:lnTo>
+                  <a:pt x="0" y="120000"/>
+                </a:lnTo>
+                <a:close/>
+              </a:path>
+            </a:pathLst>
+          </a:custGeom>
+        </p:spPr>
+      </p:sp>
+      <p:sp>
+        <p:nvSpPr>
+          <p:cNvPr id="122" name="Google Shape;122;g4b255c5f7a_0_86:notes"/>
+          <p:cNvSpPr txBox="1">
+            <a:spLocks noGrp="1"/>
+          </p:cNvSpPr>
+          <p:nvPr>
+            <p:ph type="body" idx="1"/>
+          </p:nvPr>
+        </p:nvSpPr>
+        <p:spPr>
+          <a:xfrm>
+            <a:off x="685800" y="4343400"/>
+            <a:ext cx="5486400" cy="4114800"/>
+          </a:xfrm>
+          <a:prstGeom prst="rect">
+            <a:avLst/>
+          </a:prstGeom>
+        </p:spPr>
+        <p:txBody>
+          <a:bodyPr spcFirstLastPara="1" wrap="square" lIns="91425" tIns="91425" rIns="91425" bIns="91425" anchor="t" anchorCtr="0">
+            <a:noAutofit/>
+          </a:bodyPr>
+          <a:lstStyle/>
+          <a:p>
+            <a:pPr marL="0" lvl="0" indent="0" algn="l" rtl="0">
+              <a:spcBef>
+                <a:spcPts val="0"/>
+              </a:spcBef>
+              <a:spcAft>
+                <a:spcPts val="0"/>
+              </a:spcAft>
+              <a:buNone/>
+            </a:pPr>
+            <a:endParaRPr/>
+          </a:p>
+        </p:txBody>
+      </p:sp>
+    </p:spTree>
+    <p:extLst>
+      <p:ext uri="{BB962C8B-B14F-4D97-AF65-F5344CB8AC3E}">
+        <p14:creationId xmlns:p14="http://schemas.microsoft.com/office/powerpoint/2010/main" val="3632831763"/>
+      </p:ext>
+    </p:extLst>
+  </p:cSld>
+  <p:clrMapOvr>
+    <a:masterClrMapping/>
+  </p:clrMapOvr>
+</p:notes>
+</file>
+
 <file path=ppt/slideLayouts/slideLayout1.xml><?xml version="1.0" encoding="utf-8"?>
 <p:sldLayout xmlns:a="http://schemas.openxmlformats.org/drawingml/2006/main" xmlns:r="http://schemas.openxmlformats.org/officeDocument/2006/relationships" xmlns:p="http://schemas.openxmlformats.org/presentationml/2006/main" type="title" preserve="1">
   <p:cSld name="Title Slide">
@@ -268,7 +1498,7 @@
           <a:p>
             <a:fld id="{C9333BB4-981D-4829-8843-126E56F5BD64}" type="datetimeFigureOut">
               <a:rPr lang="en-US" smtClean="0"/>
-              <a:t>1/28/2019</a:t>
+              <a:t>2/1/19</a:t>
             </a:fld>
             <a:endParaRPr lang="en-US"/>
           </a:p>
@@ -466,7 +1696,7 @@
           <a:p>
             <a:fld id="{C9333BB4-981D-4829-8843-126E56F5BD64}" type="datetimeFigureOut">
               <a:rPr lang="en-US" smtClean="0"/>
-              <a:t>1/28/2019</a:t>
+              <a:t>2/1/19</a:t>
             </a:fld>
             <a:endParaRPr lang="en-US"/>
           </a:p>
@@ -674,7 +1904,7 @@
           <a:p>
             <a:fld id="{C9333BB4-981D-4829-8843-126E56F5BD64}" type="datetimeFigureOut">
               <a:rPr lang="en-US" smtClean="0"/>
-              <a:t>1/28/2019</a:t>
+              <a:t>2/1/19</a:t>
             </a:fld>
             <a:endParaRPr lang="en-US"/>
           </a:p>
@@ -738,6 +1968,361 @@
     <p:extLst>
       <p:ext uri="{BB962C8B-B14F-4D97-AF65-F5344CB8AC3E}">
         <p14:creationId xmlns:p14="http://schemas.microsoft.com/office/powerpoint/2010/main" val="723162718"/>
+      </p:ext>
+    </p:extLst>
+  </p:cSld>
+  <p:clrMapOvr>
+    <a:masterClrMapping/>
+  </p:clrMapOvr>
+</p:sldLayout>
+</file>
+
+<file path=ppt/slideLayouts/slideLayout12.xml><?xml version="1.0" encoding="utf-8"?>
+<p:sldLayout xmlns:a="http://schemas.openxmlformats.org/drawingml/2006/main" xmlns:r="http://schemas.openxmlformats.org/officeDocument/2006/relationships" xmlns:p="http://schemas.openxmlformats.org/presentationml/2006/main" matchingName="Title and body" type="tx">
+  <p:cSld name="Title and body">
+    <p:spTree>
+      <p:nvGrpSpPr>
+        <p:cNvPr id="1" name="Shape 16"/>
+        <p:cNvGrpSpPr/>
+        <p:nvPr/>
+      </p:nvGrpSpPr>
+      <p:grpSpPr>
+        <a:xfrm>
+          <a:off x="0" y="0"/>
+          <a:ext cx="0" cy="0"/>
+          <a:chOff x="0" y="0"/>
+          <a:chExt cx="0" cy="0"/>
+        </a:xfrm>
+      </p:grpSpPr>
+      <p:sp>
+        <p:nvSpPr>
+          <p:cNvPr id="17" name="Google Shape;17;p4"/>
+          <p:cNvSpPr txBox="1">
+            <a:spLocks noGrp="1"/>
+          </p:cNvSpPr>
+          <p:nvPr>
+            <p:ph type="title"/>
+          </p:nvPr>
+        </p:nvSpPr>
+        <p:spPr>
+          <a:xfrm>
+            <a:off x="415600" y="593367"/>
+            <a:ext cx="11360800" cy="763600"/>
+          </a:xfrm>
+          <a:prstGeom prst="rect">
+            <a:avLst/>
+          </a:prstGeom>
+        </p:spPr>
+        <p:txBody>
+          <a:bodyPr spcFirstLastPara="1" wrap="square" lIns="91425" tIns="91425" rIns="91425" bIns="91425" anchor="t" anchorCtr="0"/>
+          <a:lstStyle>
+            <a:lvl1pPr lvl="0">
+              <a:spcBef>
+                <a:spcPts val="0"/>
+              </a:spcBef>
+              <a:spcAft>
+                <a:spcPts val="0"/>
+              </a:spcAft>
+              <a:buSzPts val="2800"/>
+              <a:buNone/>
+              <a:defRPr/>
+            </a:lvl1pPr>
+            <a:lvl2pPr lvl="1">
+              <a:spcBef>
+                <a:spcPts val="0"/>
+              </a:spcBef>
+              <a:spcAft>
+                <a:spcPts val="0"/>
+              </a:spcAft>
+              <a:buSzPts val="2800"/>
+              <a:buNone/>
+              <a:defRPr/>
+            </a:lvl2pPr>
+            <a:lvl3pPr lvl="2">
+              <a:spcBef>
+                <a:spcPts val="0"/>
+              </a:spcBef>
+              <a:spcAft>
+                <a:spcPts val="0"/>
+              </a:spcAft>
+              <a:buSzPts val="2800"/>
+              <a:buNone/>
+              <a:defRPr/>
+            </a:lvl3pPr>
+            <a:lvl4pPr lvl="3">
+              <a:spcBef>
+                <a:spcPts val="0"/>
+              </a:spcBef>
+              <a:spcAft>
+                <a:spcPts val="0"/>
+              </a:spcAft>
+              <a:buSzPts val="2800"/>
+              <a:buNone/>
+              <a:defRPr/>
+            </a:lvl4pPr>
+            <a:lvl5pPr lvl="4">
+              <a:spcBef>
+                <a:spcPts val="0"/>
+              </a:spcBef>
+              <a:spcAft>
+                <a:spcPts val="0"/>
+              </a:spcAft>
+              <a:buSzPts val="2800"/>
+              <a:buNone/>
+              <a:defRPr/>
+            </a:lvl5pPr>
+            <a:lvl6pPr lvl="5">
+              <a:spcBef>
+                <a:spcPts val="0"/>
+              </a:spcBef>
+              <a:spcAft>
+                <a:spcPts val="0"/>
+              </a:spcAft>
+              <a:buSzPts val="2800"/>
+              <a:buNone/>
+              <a:defRPr/>
+            </a:lvl6pPr>
+            <a:lvl7pPr lvl="6">
+              <a:spcBef>
+                <a:spcPts val="0"/>
+              </a:spcBef>
+              <a:spcAft>
+                <a:spcPts val="0"/>
+              </a:spcAft>
+              <a:buSzPts val="2800"/>
+              <a:buNone/>
+              <a:defRPr/>
+            </a:lvl7pPr>
+            <a:lvl8pPr lvl="7">
+              <a:spcBef>
+                <a:spcPts val="0"/>
+              </a:spcBef>
+              <a:spcAft>
+                <a:spcPts val="0"/>
+              </a:spcAft>
+              <a:buSzPts val="2800"/>
+              <a:buNone/>
+              <a:defRPr/>
+            </a:lvl8pPr>
+            <a:lvl9pPr lvl="8">
+              <a:spcBef>
+                <a:spcPts val="0"/>
+              </a:spcBef>
+              <a:spcAft>
+                <a:spcPts val="0"/>
+              </a:spcAft>
+              <a:buSzPts val="2800"/>
+              <a:buNone/>
+              <a:defRPr/>
+            </a:lvl9pPr>
+          </a:lstStyle>
+          <a:p>
+            <a:endParaRPr/>
+          </a:p>
+        </p:txBody>
+      </p:sp>
+      <p:sp>
+        <p:nvSpPr>
+          <p:cNvPr id="18" name="Google Shape;18;p4"/>
+          <p:cNvSpPr txBox="1">
+            <a:spLocks noGrp="1"/>
+          </p:cNvSpPr>
+          <p:nvPr>
+            <p:ph type="body" idx="1"/>
+          </p:nvPr>
+        </p:nvSpPr>
+        <p:spPr>
+          <a:xfrm>
+            <a:off x="415600" y="1536633"/>
+            <a:ext cx="11360800" cy="4555200"/>
+          </a:xfrm>
+          <a:prstGeom prst="rect">
+            <a:avLst/>
+          </a:prstGeom>
+        </p:spPr>
+        <p:txBody>
+          <a:bodyPr spcFirstLastPara="1" wrap="square" lIns="91425" tIns="91425" rIns="91425" bIns="91425" anchor="t" anchorCtr="0"/>
+          <a:lstStyle>
+            <a:lvl1pPr marL="609585" lvl="0" indent="-457189">
+              <a:spcBef>
+                <a:spcPts val="0"/>
+              </a:spcBef>
+              <a:spcAft>
+                <a:spcPts val="0"/>
+              </a:spcAft>
+              <a:buSzPts val="1800"/>
+              <a:buChar char="●"/>
+              <a:defRPr/>
+            </a:lvl1pPr>
+            <a:lvl2pPr marL="1219170" lvl="1" indent="-423323">
+              <a:spcBef>
+                <a:spcPts val="2133"/>
+              </a:spcBef>
+              <a:spcAft>
+                <a:spcPts val="0"/>
+              </a:spcAft>
+              <a:buSzPts val="1400"/>
+              <a:buChar char="○"/>
+              <a:defRPr/>
+            </a:lvl2pPr>
+            <a:lvl3pPr marL="1828754" lvl="2" indent="-423323">
+              <a:spcBef>
+                <a:spcPts val="2133"/>
+              </a:spcBef>
+              <a:spcAft>
+                <a:spcPts val="0"/>
+              </a:spcAft>
+              <a:buSzPts val="1400"/>
+              <a:buChar char="■"/>
+              <a:defRPr/>
+            </a:lvl3pPr>
+            <a:lvl4pPr marL="2438339" lvl="3" indent="-423323">
+              <a:spcBef>
+                <a:spcPts val="2133"/>
+              </a:spcBef>
+              <a:spcAft>
+                <a:spcPts val="0"/>
+              </a:spcAft>
+              <a:buSzPts val="1400"/>
+              <a:buChar char="●"/>
+              <a:defRPr/>
+            </a:lvl4pPr>
+            <a:lvl5pPr marL="3047924" lvl="4" indent="-423323">
+              <a:spcBef>
+                <a:spcPts val="2133"/>
+              </a:spcBef>
+              <a:spcAft>
+                <a:spcPts val="0"/>
+              </a:spcAft>
+              <a:buSzPts val="1400"/>
+              <a:buChar char="○"/>
+              <a:defRPr/>
+            </a:lvl5pPr>
+            <a:lvl6pPr marL="3657509" lvl="5" indent="-423323">
+              <a:spcBef>
+                <a:spcPts val="2133"/>
+              </a:spcBef>
+              <a:spcAft>
+                <a:spcPts val="0"/>
+              </a:spcAft>
+              <a:buSzPts val="1400"/>
+              <a:buChar char="■"/>
+              <a:defRPr/>
+            </a:lvl6pPr>
+            <a:lvl7pPr marL="4267093" lvl="6" indent="-423323">
+              <a:spcBef>
+                <a:spcPts val="2133"/>
+              </a:spcBef>
+              <a:spcAft>
+                <a:spcPts val="0"/>
+              </a:spcAft>
+              <a:buSzPts val="1400"/>
+              <a:buChar char="●"/>
+              <a:defRPr/>
+            </a:lvl7pPr>
+            <a:lvl8pPr marL="4876678" lvl="7" indent="-423323">
+              <a:spcBef>
+                <a:spcPts val="2133"/>
+              </a:spcBef>
+              <a:spcAft>
+                <a:spcPts val="0"/>
+              </a:spcAft>
+              <a:buSzPts val="1400"/>
+              <a:buChar char="○"/>
+              <a:defRPr/>
+            </a:lvl8pPr>
+            <a:lvl9pPr marL="5486263" lvl="8" indent="-423323">
+              <a:spcBef>
+                <a:spcPts val="2133"/>
+              </a:spcBef>
+              <a:spcAft>
+                <a:spcPts val="2133"/>
+              </a:spcAft>
+              <a:buSzPts val="1400"/>
+              <a:buChar char="■"/>
+              <a:defRPr/>
+            </a:lvl9pPr>
+          </a:lstStyle>
+          <a:p>
+            <a:endParaRPr/>
+          </a:p>
+        </p:txBody>
+      </p:sp>
+      <p:sp>
+        <p:nvSpPr>
+          <p:cNvPr id="19" name="Google Shape;19;p4"/>
+          <p:cNvSpPr txBox="1">
+            <a:spLocks noGrp="1"/>
+          </p:cNvSpPr>
+          <p:nvPr>
+            <p:ph type="sldNum" idx="12"/>
+          </p:nvPr>
+        </p:nvSpPr>
+        <p:spPr>
+          <a:xfrm>
+            <a:off x="11296611" y="6217623"/>
+            <a:ext cx="731600" cy="524800"/>
+          </a:xfrm>
+          <a:prstGeom prst="rect">
+            <a:avLst/>
+          </a:prstGeom>
+        </p:spPr>
+        <p:txBody>
+          <a:bodyPr spcFirstLastPara="1" wrap="square" lIns="91425" tIns="91425" rIns="91425" bIns="91425" anchor="ctr" anchorCtr="0">
+            <a:noAutofit/>
+          </a:bodyPr>
+          <a:lstStyle>
+            <a:lvl1pPr lvl="0">
+              <a:buNone/>
+              <a:defRPr/>
+            </a:lvl1pPr>
+            <a:lvl2pPr lvl="1">
+              <a:buNone/>
+              <a:defRPr/>
+            </a:lvl2pPr>
+            <a:lvl3pPr lvl="2">
+              <a:buNone/>
+              <a:defRPr/>
+            </a:lvl3pPr>
+            <a:lvl4pPr lvl="3">
+              <a:buNone/>
+              <a:defRPr/>
+            </a:lvl4pPr>
+            <a:lvl5pPr lvl="4">
+              <a:buNone/>
+              <a:defRPr/>
+            </a:lvl5pPr>
+            <a:lvl6pPr lvl="5">
+              <a:buNone/>
+              <a:defRPr/>
+            </a:lvl6pPr>
+            <a:lvl7pPr lvl="6">
+              <a:buNone/>
+              <a:defRPr/>
+            </a:lvl7pPr>
+            <a:lvl8pPr lvl="7">
+              <a:buNone/>
+              <a:defRPr/>
+            </a:lvl8pPr>
+            <a:lvl9pPr lvl="8">
+              <a:buNone/>
+              <a:defRPr/>
+            </a:lvl9pPr>
+          </a:lstStyle>
+          <a:p>
+            <a:fld id="{00000000-1234-1234-1234-123412341234}" type="slidenum">
+              <a:rPr lang="en" smtClean="0"/>
+              <a:pPr/>
+              <a:t>‹#›</a:t>
+            </a:fld>
+            <a:endParaRPr lang="en"/>
+          </a:p>
+        </p:txBody>
+      </p:sp>
+    </p:spTree>
+    <p:extLst>
+      <p:ext uri="{BB962C8B-B14F-4D97-AF65-F5344CB8AC3E}">
+        <p14:creationId xmlns:p14="http://schemas.microsoft.com/office/powerpoint/2010/main" val="3399201597"/>
       </p:ext>
     </p:extLst>
   </p:cSld>
@@ -872,7 +2457,7 @@
           <a:p>
             <a:fld id="{C9333BB4-981D-4829-8843-126E56F5BD64}" type="datetimeFigureOut">
               <a:rPr lang="en-US" smtClean="0"/>
-              <a:t>1/28/2019</a:t>
+              <a:t>2/1/19</a:t>
             </a:fld>
             <a:endParaRPr lang="en-US"/>
           </a:p>
@@ -1147,7 +2732,7 @@
           <a:p>
             <a:fld id="{C9333BB4-981D-4829-8843-126E56F5BD64}" type="datetimeFigureOut">
               <a:rPr lang="en-US" smtClean="0"/>
-              <a:t>1/28/2019</a:t>
+              <a:t>2/1/19</a:t>
             </a:fld>
             <a:endParaRPr lang="en-US"/>
           </a:p>
@@ -1412,7 +2997,7 @@
           <a:p>
             <a:fld id="{C9333BB4-981D-4829-8843-126E56F5BD64}" type="datetimeFigureOut">
               <a:rPr lang="en-US" smtClean="0"/>
-              <a:t>1/28/2019</a:t>
+              <a:t>2/1/19</a:t>
             </a:fld>
             <a:endParaRPr lang="en-US"/>
           </a:p>
@@ -1824,7 +3409,7 @@
           <a:p>
             <a:fld id="{C9333BB4-981D-4829-8843-126E56F5BD64}" type="datetimeFigureOut">
               <a:rPr lang="en-US" smtClean="0"/>
-              <a:t>1/28/2019</a:t>
+              <a:t>2/1/19</a:t>
             </a:fld>
             <a:endParaRPr lang="en-US"/>
           </a:p>
@@ -1965,7 +3550,7 @@
           <a:p>
             <a:fld id="{C9333BB4-981D-4829-8843-126E56F5BD64}" type="datetimeFigureOut">
               <a:rPr lang="en-US" smtClean="0"/>
-              <a:t>1/28/2019</a:t>
+              <a:t>2/1/19</a:t>
             </a:fld>
             <a:endParaRPr lang="en-US"/>
           </a:p>
@@ -2078,7 +3663,7 @@
           <a:p>
             <a:fld id="{C9333BB4-981D-4829-8843-126E56F5BD64}" type="datetimeFigureOut">
               <a:rPr lang="en-US" smtClean="0"/>
-              <a:t>1/28/2019</a:t>
+              <a:t>2/1/19</a:t>
             </a:fld>
             <a:endParaRPr lang="en-US"/>
           </a:p>
@@ -2389,7 +3974,7 @@
           <a:p>
             <a:fld id="{C9333BB4-981D-4829-8843-126E56F5BD64}" type="datetimeFigureOut">
               <a:rPr lang="en-US" smtClean="0"/>
-              <a:t>1/28/2019</a:t>
+              <a:t>2/1/19</a:t>
             </a:fld>
             <a:endParaRPr lang="en-US"/>
           </a:p>
@@ -2677,7 +4262,7 @@
           <a:p>
             <a:fld id="{C9333BB4-981D-4829-8843-126E56F5BD64}" type="datetimeFigureOut">
               <a:rPr lang="en-US" smtClean="0"/>
-              <a:t>1/28/2019</a:t>
+              <a:t>2/1/19</a:t>
             </a:fld>
             <a:endParaRPr lang="en-US"/>
           </a:p>
@@ -2918,7 +4503,7 @@
           <a:p>
             <a:fld id="{C9333BB4-981D-4829-8843-126E56F5BD64}" type="datetimeFigureOut">
               <a:rPr lang="en-US" smtClean="0"/>
-              <a:t>1/28/2019</a:t>
+              <a:t>2/1/19</a:t>
             </a:fld>
             <a:endParaRPr lang="en-US"/>
           </a:p>
@@ -3034,6 +4619,7 @@
     <p:sldLayoutId id="2147483657" r:id="rId9"/>
     <p:sldLayoutId id="2147483658" r:id="rId10"/>
     <p:sldLayoutId id="2147483659" r:id="rId11"/>
+    <p:sldLayoutId id="2147483660" r:id="rId12"/>
   </p:sldLayoutIdLst>
   <p:txStyles>
     <p:titleStyle>
@@ -7845,6 +9431,1293 @@
 <file path=ppt/slides/slide10.xml><?xml version="1.0" encoding="utf-8"?>
 <p:sld xmlns:a="http://schemas.openxmlformats.org/drawingml/2006/main" xmlns:r="http://schemas.openxmlformats.org/officeDocument/2006/relationships" xmlns:p="http://schemas.openxmlformats.org/presentationml/2006/main">
   <p:cSld>
+    <p:spTree>
+      <p:nvGrpSpPr>
+        <p:cNvPr id="1" name="Shape 93"/>
+        <p:cNvGrpSpPr/>
+        <p:nvPr/>
+      </p:nvGrpSpPr>
+      <p:grpSpPr>
+        <a:xfrm>
+          <a:off x="0" y="0"/>
+          <a:ext cx="0" cy="0"/>
+          <a:chOff x="0" y="0"/>
+          <a:chExt cx="0" cy="0"/>
+        </a:xfrm>
+      </p:grpSpPr>
+      <p:sp>
+        <p:nvSpPr>
+          <p:cNvPr id="94" name="Google Shape;94;p17"/>
+          <p:cNvSpPr txBox="1">
+            <a:spLocks noGrp="1"/>
+          </p:cNvSpPr>
+          <p:nvPr>
+            <p:ph type="title"/>
+          </p:nvPr>
+        </p:nvSpPr>
+        <p:spPr>
+          <a:xfrm>
+            <a:off x="0" y="0"/>
+            <a:ext cx="12192000" cy="763600"/>
+          </a:xfrm>
+          <a:prstGeom prst="rect">
+            <a:avLst/>
+          </a:prstGeom>
+        </p:spPr>
+        <p:txBody>
+          <a:bodyPr spcFirstLastPara="1" vert="horz" wrap="square" lIns="121900" tIns="121900" rIns="121900" bIns="121900" rtlCol="0" anchor="t" anchorCtr="0">
+            <a:noAutofit/>
+          </a:bodyPr>
+          <a:lstStyle/>
+          <a:p>
+            <a:pPr algn="ctr"/>
+            <a:r>
+              <a:rPr lang="en"/>
+              <a:t>Preprocess and run through emotion model</a:t>
+            </a:r>
+            <a:endParaRPr/>
+          </a:p>
+        </p:txBody>
+      </p:sp>
+      <p:pic>
+        <p:nvPicPr>
+          <p:cNvPr id="95" name="Google Shape;95;p17"/>
+          <p:cNvPicPr preferRelativeResize="0"/>
+          <p:nvPr/>
+        </p:nvPicPr>
+        <p:blipFill>
+          <a:blip r:embed="rId3">
+            <a:alphaModFix/>
+          </a:blip>
+          <a:stretch>
+            <a:fillRect/>
+          </a:stretch>
+        </p:blipFill>
+        <p:spPr>
+          <a:xfrm>
+            <a:off x="4304134" y="809417"/>
+            <a:ext cx="5906135" cy="2726667"/>
+          </a:xfrm>
+          <a:prstGeom prst="rect">
+            <a:avLst/>
+          </a:prstGeom>
+          <a:noFill/>
+          <a:ln>
+            <a:noFill/>
+          </a:ln>
+        </p:spPr>
+      </p:pic>
+      <p:pic>
+        <p:nvPicPr>
+          <p:cNvPr id="96" name="Google Shape;96;p17"/>
+          <p:cNvPicPr preferRelativeResize="0"/>
+          <p:nvPr/>
+        </p:nvPicPr>
+        <p:blipFill>
+          <a:blip r:embed="rId4">
+            <a:alphaModFix/>
+          </a:blip>
+          <a:stretch>
+            <a:fillRect/>
+          </a:stretch>
+        </p:blipFill>
+        <p:spPr>
+          <a:xfrm>
+            <a:off x="1686268" y="3654567"/>
+            <a:ext cx="5764001" cy="1201533"/>
+          </a:xfrm>
+          <a:prstGeom prst="rect">
+            <a:avLst/>
+          </a:prstGeom>
+          <a:noFill/>
+          <a:ln>
+            <a:noFill/>
+          </a:ln>
+        </p:spPr>
+      </p:pic>
+      <p:pic>
+        <p:nvPicPr>
+          <p:cNvPr id="97" name="Google Shape;97;p17"/>
+          <p:cNvPicPr preferRelativeResize="0"/>
+          <p:nvPr/>
+        </p:nvPicPr>
+        <p:blipFill>
+          <a:blip r:embed="rId5">
+            <a:alphaModFix/>
+          </a:blip>
+          <a:stretch>
+            <a:fillRect/>
+          </a:stretch>
+        </p:blipFill>
+        <p:spPr>
+          <a:xfrm>
+            <a:off x="1701267" y="5091001"/>
+            <a:ext cx="2667000" cy="1562100"/>
+          </a:xfrm>
+          <a:prstGeom prst="rect">
+            <a:avLst/>
+          </a:prstGeom>
+          <a:noFill/>
+          <a:ln>
+            <a:noFill/>
+          </a:ln>
+        </p:spPr>
+      </p:pic>
+      <p:pic>
+        <p:nvPicPr>
+          <p:cNvPr id="98" name="Google Shape;98;p17"/>
+          <p:cNvPicPr preferRelativeResize="0"/>
+          <p:nvPr/>
+        </p:nvPicPr>
+        <p:blipFill>
+          <a:blip r:embed="rId6">
+            <a:alphaModFix/>
+          </a:blip>
+          <a:stretch>
+            <a:fillRect/>
+          </a:stretch>
+        </p:blipFill>
+        <p:spPr>
+          <a:xfrm>
+            <a:off x="4912567" y="5097333"/>
+            <a:ext cx="2552700" cy="1549400"/>
+          </a:xfrm>
+          <a:prstGeom prst="rect">
+            <a:avLst/>
+          </a:prstGeom>
+          <a:noFill/>
+          <a:ln>
+            <a:noFill/>
+          </a:ln>
+        </p:spPr>
+      </p:pic>
+      <p:pic>
+        <p:nvPicPr>
+          <p:cNvPr id="99" name="Google Shape;99;p17"/>
+          <p:cNvPicPr preferRelativeResize="0"/>
+          <p:nvPr/>
+        </p:nvPicPr>
+        <p:blipFill>
+          <a:blip r:embed="rId7">
+            <a:alphaModFix/>
+          </a:blip>
+          <a:stretch>
+            <a:fillRect/>
+          </a:stretch>
+        </p:blipFill>
+        <p:spPr>
+          <a:xfrm>
+            <a:off x="8009567" y="3654568"/>
+            <a:ext cx="2301108" cy="2790233"/>
+          </a:xfrm>
+          <a:prstGeom prst="rect">
+            <a:avLst/>
+          </a:prstGeom>
+          <a:noFill/>
+          <a:ln>
+            <a:noFill/>
+          </a:ln>
+        </p:spPr>
+      </p:pic>
+      <p:pic>
+        <p:nvPicPr>
+          <p:cNvPr id="100" name="Google Shape;100;p17"/>
+          <p:cNvPicPr preferRelativeResize="0"/>
+          <p:nvPr/>
+        </p:nvPicPr>
+        <p:blipFill>
+          <a:blip r:embed="rId8">
+            <a:alphaModFix/>
+          </a:blip>
+          <a:stretch>
+            <a:fillRect/>
+          </a:stretch>
+        </p:blipFill>
+        <p:spPr>
+          <a:xfrm>
+            <a:off x="1686268" y="824251"/>
+            <a:ext cx="2697000" cy="2697000"/>
+          </a:xfrm>
+          <a:prstGeom prst="rect">
+            <a:avLst/>
+          </a:prstGeom>
+          <a:noFill/>
+          <a:ln>
+            <a:noFill/>
+          </a:ln>
+        </p:spPr>
+      </p:pic>
+      <p:sp>
+        <p:nvSpPr>
+          <p:cNvPr id="101" name="Google Shape;101;p17"/>
+          <p:cNvSpPr/>
+          <p:nvPr/>
+        </p:nvSpPr>
+        <p:spPr>
+          <a:xfrm>
+            <a:off x="8497517" y="5097333"/>
+            <a:ext cx="1325200" cy="277200"/>
+          </a:xfrm>
+          <a:prstGeom prst="rect">
+            <a:avLst/>
+          </a:prstGeom>
+          <a:noFill/>
+          <a:ln w="28575" cap="flat" cmpd="sng">
+            <a:solidFill>
+              <a:srgbClr val="FFFF00"/>
+            </a:solidFill>
+            <a:prstDash val="solid"/>
+            <a:round/>
+            <a:headEnd type="none" w="sm" len="sm"/>
+            <a:tailEnd type="none" w="sm" len="sm"/>
+          </a:ln>
+        </p:spPr>
+        <p:txBody>
+          <a:bodyPr spcFirstLastPara="1" wrap="square" lIns="121900" tIns="121900" rIns="121900" bIns="121900" anchor="ctr" anchorCtr="0">
+            <a:noAutofit/>
+          </a:bodyPr>
+          <a:lstStyle/>
+          <a:p>
+            <a:endParaRPr sz="2400"/>
+          </a:p>
+        </p:txBody>
+      </p:sp>
+      <p:sp>
+        <p:nvSpPr>
+          <p:cNvPr id="102" name="Google Shape;102;p17"/>
+          <p:cNvSpPr/>
+          <p:nvPr/>
+        </p:nvSpPr>
+        <p:spPr>
+          <a:xfrm>
+            <a:off x="5985267" y="4364167"/>
+            <a:ext cx="1325200" cy="216000"/>
+          </a:xfrm>
+          <a:prstGeom prst="rect">
+            <a:avLst/>
+          </a:prstGeom>
+          <a:noFill/>
+          <a:ln w="28575" cap="flat" cmpd="sng">
+            <a:solidFill>
+              <a:srgbClr val="FFFF00"/>
+            </a:solidFill>
+            <a:prstDash val="solid"/>
+            <a:round/>
+            <a:headEnd type="none" w="sm" len="sm"/>
+            <a:tailEnd type="none" w="sm" len="sm"/>
+          </a:ln>
+        </p:spPr>
+        <p:txBody>
+          <a:bodyPr spcFirstLastPara="1" wrap="square" lIns="121900" tIns="121900" rIns="121900" bIns="121900" anchor="ctr" anchorCtr="0">
+            <a:noAutofit/>
+          </a:bodyPr>
+          <a:lstStyle/>
+          <a:p>
+            <a:endParaRPr sz="2400"/>
+          </a:p>
+        </p:txBody>
+      </p:sp>
+    </p:spTree>
+    <p:extLst>
+      <p:ext uri="{BB962C8B-B14F-4D97-AF65-F5344CB8AC3E}">
+        <p14:creationId xmlns:p14="http://schemas.microsoft.com/office/powerpoint/2010/main" val="1454102273"/>
+      </p:ext>
+    </p:extLst>
+  </p:cSld>
+  <p:clrMapOvr>
+    <a:masterClrMapping/>
+  </p:clrMapOvr>
+</p:sld>
+</file>
+
+<file path=ppt/slides/slide11.xml><?xml version="1.0" encoding="utf-8"?>
+<p:sld xmlns:a="http://schemas.openxmlformats.org/drawingml/2006/main" xmlns:r="http://schemas.openxmlformats.org/officeDocument/2006/relationships" xmlns:p="http://schemas.openxmlformats.org/presentationml/2006/main">
+  <p:cSld>
+    <p:spTree>
+      <p:nvGrpSpPr>
+        <p:cNvPr id="1" name="Shape 106"/>
+        <p:cNvGrpSpPr/>
+        <p:nvPr/>
+      </p:nvGrpSpPr>
+      <p:grpSpPr>
+        <a:xfrm>
+          <a:off x="0" y="0"/>
+          <a:ext cx="0" cy="0"/>
+          <a:chOff x="0" y="0"/>
+          <a:chExt cx="0" cy="0"/>
+        </a:xfrm>
+      </p:grpSpPr>
+      <p:sp>
+        <p:nvSpPr>
+          <p:cNvPr id="107" name="Google Shape;107;p18"/>
+          <p:cNvSpPr txBox="1">
+            <a:spLocks noGrp="1"/>
+          </p:cNvSpPr>
+          <p:nvPr>
+            <p:ph type="title"/>
+          </p:nvPr>
+        </p:nvSpPr>
+        <p:spPr>
+          <a:xfrm>
+            <a:off x="0" y="0"/>
+            <a:ext cx="12192000" cy="763600"/>
+          </a:xfrm>
+          <a:prstGeom prst="rect">
+            <a:avLst/>
+          </a:prstGeom>
+        </p:spPr>
+        <p:txBody>
+          <a:bodyPr spcFirstLastPara="1" vert="horz" wrap="square" lIns="121900" tIns="121900" rIns="121900" bIns="121900" rtlCol="0" anchor="t" anchorCtr="0">
+            <a:noAutofit/>
+          </a:bodyPr>
+          <a:lstStyle/>
+          <a:p>
+            <a:pPr algn="ctr"/>
+            <a:r>
+              <a:rPr lang="en"/>
+              <a:t>Updating the code to allow for video input</a:t>
+            </a:r>
+            <a:endParaRPr/>
+          </a:p>
+        </p:txBody>
+      </p:sp>
+      <p:pic>
+        <p:nvPicPr>
+          <p:cNvPr id="108" name="Google Shape;108;p18"/>
+          <p:cNvPicPr preferRelativeResize="0"/>
+          <p:nvPr/>
+        </p:nvPicPr>
+        <p:blipFill>
+          <a:blip r:embed="rId3">
+            <a:alphaModFix/>
+          </a:blip>
+          <a:stretch>
+            <a:fillRect/>
+          </a:stretch>
+        </p:blipFill>
+        <p:spPr>
+          <a:xfrm>
+            <a:off x="7315768" y="1256685"/>
+            <a:ext cx="4778489" cy="1406567"/>
+          </a:xfrm>
+          <a:prstGeom prst="rect">
+            <a:avLst/>
+          </a:prstGeom>
+          <a:noFill/>
+          <a:ln>
+            <a:noFill/>
+          </a:ln>
+        </p:spPr>
+      </p:pic>
+      <p:pic>
+        <p:nvPicPr>
+          <p:cNvPr id="109" name="Google Shape;109;p18"/>
+          <p:cNvPicPr preferRelativeResize="0"/>
+          <p:nvPr/>
+        </p:nvPicPr>
+        <p:blipFill>
+          <a:blip r:embed="rId4">
+            <a:alphaModFix/>
+          </a:blip>
+          <a:stretch>
+            <a:fillRect/>
+          </a:stretch>
+        </p:blipFill>
+        <p:spPr>
+          <a:xfrm>
+            <a:off x="7315766" y="2959834"/>
+            <a:ext cx="4778500" cy="1044133"/>
+          </a:xfrm>
+          <a:prstGeom prst="rect">
+            <a:avLst/>
+          </a:prstGeom>
+          <a:noFill/>
+          <a:ln>
+            <a:noFill/>
+          </a:ln>
+        </p:spPr>
+      </p:pic>
+      <p:pic>
+        <p:nvPicPr>
+          <p:cNvPr id="110" name="Google Shape;110;p18"/>
+          <p:cNvPicPr preferRelativeResize="0"/>
+          <p:nvPr/>
+        </p:nvPicPr>
+        <p:blipFill>
+          <a:blip r:embed="rId5">
+            <a:alphaModFix/>
+          </a:blip>
+          <a:stretch>
+            <a:fillRect/>
+          </a:stretch>
+        </p:blipFill>
+        <p:spPr>
+          <a:xfrm>
+            <a:off x="519865" y="1179235"/>
+            <a:ext cx="6263567" cy="2824733"/>
+          </a:xfrm>
+          <a:prstGeom prst="rect">
+            <a:avLst/>
+          </a:prstGeom>
+          <a:noFill/>
+          <a:ln>
+            <a:noFill/>
+          </a:ln>
+        </p:spPr>
+      </p:pic>
+      <p:sp>
+        <p:nvSpPr>
+          <p:cNvPr id="111" name="Google Shape;111;p18"/>
+          <p:cNvSpPr txBox="1"/>
+          <p:nvPr/>
+        </p:nvSpPr>
+        <p:spPr>
+          <a:xfrm>
+            <a:off x="1191500" y="4807533"/>
+            <a:ext cx="9476400" cy="1260800"/>
+          </a:xfrm>
+          <a:prstGeom prst="rect">
+            <a:avLst/>
+          </a:prstGeom>
+          <a:noFill/>
+          <a:ln>
+            <a:noFill/>
+          </a:ln>
+        </p:spPr>
+        <p:txBody>
+          <a:bodyPr spcFirstLastPara="1" wrap="square" lIns="121900" tIns="121900" rIns="121900" bIns="121900" anchor="t" anchorCtr="0">
+            <a:noAutofit/>
+          </a:bodyPr>
+          <a:lstStyle/>
+          <a:p>
+            <a:r>
+              <a:rPr lang="en" sz="2400"/>
+              <a:t>The cv2.VideoCapture(0) is running a loop, and returns the same type of array as the image.</a:t>
+            </a:r>
+            <a:endParaRPr sz="2400"/>
+          </a:p>
+          <a:p>
+            <a:endParaRPr sz="2400"/>
+          </a:p>
+          <a:p>
+            <a:r>
+              <a:rPr lang="en" sz="2400"/>
+              <a:t>The video also captures the colored version of the frame to display to the user.</a:t>
+            </a:r>
+            <a:endParaRPr sz="2400"/>
+          </a:p>
+        </p:txBody>
+      </p:sp>
+    </p:spTree>
+    <p:extLst>
+      <p:ext uri="{BB962C8B-B14F-4D97-AF65-F5344CB8AC3E}">
+        <p14:creationId xmlns:p14="http://schemas.microsoft.com/office/powerpoint/2010/main" val="15895633"/>
+      </p:ext>
+    </p:extLst>
+  </p:cSld>
+  <p:clrMapOvr>
+    <a:masterClrMapping/>
+  </p:clrMapOvr>
+</p:sld>
+</file>
+
+<file path=ppt/slides/slide12.xml><?xml version="1.0" encoding="utf-8"?>
+<p:sld xmlns:a="http://schemas.openxmlformats.org/drawingml/2006/main" xmlns:r="http://schemas.openxmlformats.org/officeDocument/2006/relationships" xmlns:p="http://schemas.openxmlformats.org/presentationml/2006/main">
+  <p:cSld>
+    <p:spTree>
+      <p:nvGrpSpPr>
+        <p:cNvPr id="1" name="Shape 115"/>
+        <p:cNvGrpSpPr/>
+        <p:nvPr/>
+      </p:nvGrpSpPr>
+      <p:grpSpPr>
+        <a:xfrm>
+          <a:off x="0" y="0"/>
+          <a:ext cx="0" cy="0"/>
+          <a:chOff x="0" y="0"/>
+          <a:chExt cx="0" cy="0"/>
+        </a:xfrm>
+      </p:grpSpPr>
+      <p:sp>
+        <p:nvSpPr>
+          <p:cNvPr id="116" name="Google Shape;116;p19"/>
+          <p:cNvSpPr txBox="1">
+            <a:spLocks noGrp="1"/>
+          </p:cNvSpPr>
+          <p:nvPr>
+            <p:ph type="title"/>
+          </p:nvPr>
+        </p:nvSpPr>
+        <p:spPr>
+          <a:xfrm>
+            <a:off x="0" y="0"/>
+            <a:ext cx="12192000" cy="763600"/>
+          </a:xfrm>
+          <a:prstGeom prst="rect">
+            <a:avLst/>
+          </a:prstGeom>
+        </p:spPr>
+        <p:txBody>
+          <a:bodyPr spcFirstLastPara="1" vert="horz" wrap="square" lIns="121900" tIns="121900" rIns="121900" bIns="121900" rtlCol="0" anchor="t" anchorCtr="0">
+            <a:noAutofit/>
+          </a:bodyPr>
+          <a:lstStyle/>
+          <a:p>
+            <a:pPr algn="ctr"/>
+            <a:r>
+              <a:rPr lang="en" dirty="0"/>
+              <a:t>Video input draw box and emotion</a:t>
+            </a:r>
+            <a:endParaRPr dirty="0"/>
+          </a:p>
+        </p:txBody>
+      </p:sp>
+      <p:pic>
+        <p:nvPicPr>
+          <p:cNvPr id="117" name="Google Shape;117;p19"/>
+          <p:cNvPicPr preferRelativeResize="0"/>
+          <p:nvPr/>
+        </p:nvPicPr>
+        <p:blipFill>
+          <a:blip r:embed="rId3">
+            <a:alphaModFix/>
+          </a:blip>
+          <a:stretch>
+            <a:fillRect/>
+          </a:stretch>
+        </p:blipFill>
+        <p:spPr>
+          <a:xfrm>
+            <a:off x="189367" y="763601"/>
+            <a:ext cx="4099728" cy="5688001"/>
+          </a:xfrm>
+          <a:prstGeom prst="rect">
+            <a:avLst/>
+          </a:prstGeom>
+          <a:noFill/>
+          <a:ln>
+            <a:noFill/>
+          </a:ln>
+        </p:spPr>
+      </p:pic>
+      <p:pic>
+        <p:nvPicPr>
+          <p:cNvPr id="118" name="Google Shape;118;p19"/>
+          <p:cNvPicPr preferRelativeResize="0"/>
+          <p:nvPr/>
+        </p:nvPicPr>
+        <p:blipFill>
+          <a:blip r:embed="rId4">
+            <a:alphaModFix/>
+          </a:blip>
+          <a:stretch>
+            <a:fillRect/>
+          </a:stretch>
+        </p:blipFill>
+        <p:spPr>
+          <a:xfrm>
+            <a:off x="4724401" y="920734"/>
+            <a:ext cx="5531665" cy="912001"/>
+          </a:xfrm>
+          <a:prstGeom prst="rect">
+            <a:avLst/>
+          </a:prstGeom>
+          <a:noFill/>
+          <a:ln>
+            <a:noFill/>
+          </a:ln>
+        </p:spPr>
+      </p:pic>
+      <p:pic>
+        <p:nvPicPr>
+          <p:cNvPr id="119" name="Google Shape;119;p19"/>
+          <p:cNvPicPr preferRelativeResize="0"/>
+          <p:nvPr/>
+        </p:nvPicPr>
+        <p:blipFill>
+          <a:blip r:embed="rId5">
+            <a:alphaModFix/>
+          </a:blip>
+          <a:stretch>
+            <a:fillRect/>
+          </a:stretch>
+        </p:blipFill>
+        <p:spPr>
+          <a:xfrm>
+            <a:off x="4724400" y="1832734"/>
+            <a:ext cx="5531672" cy="1169500"/>
+          </a:xfrm>
+          <a:prstGeom prst="rect">
+            <a:avLst/>
+          </a:prstGeom>
+          <a:noFill/>
+          <a:ln>
+            <a:noFill/>
+          </a:ln>
+        </p:spPr>
+      </p:pic>
+    </p:spTree>
+    <p:extLst>
+      <p:ext uri="{BB962C8B-B14F-4D97-AF65-F5344CB8AC3E}">
+        <p14:creationId xmlns:p14="http://schemas.microsoft.com/office/powerpoint/2010/main" val="2528259310"/>
+      </p:ext>
+    </p:extLst>
+  </p:cSld>
+  <p:clrMapOvr>
+    <a:masterClrMapping/>
+  </p:clrMapOvr>
+</p:sld>
+</file>
+
+<file path=ppt/slides/slide13.xml><?xml version="1.0" encoding="utf-8"?>
+<p:sld xmlns:a="http://schemas.openxmlformats.org/drawingml/2006/main" xmlns:r="http://schemas.openxmlformats.org/officeDocument/2006/relationships" xmlns:p="http://schemas.openxmlformats.org/presentationml/2006/main">
+  <p:cSld>
+    <p:spTree>
+      <p:nvGrpSpPr>
+        <p:cNvPr id="1" name="Shape 123"/>
+        <p:cNvGrpSpPr/>
+        <p:nvPr/>
+      </p:nvGrpSpPr>
+      <p:grpSpPr>
+        <a:xfrm>
+          <a:off x="0" y="0"/>
+          <a:ext cx="0" cy="0"/>
+          <a:chOff x="0" y="0"/>
+          <a:chExt cx="0" cy="0"/>
+        </a:xfrm>
+      </p:grpSpPr>
+      <p:sp>
+        <p:nvSpPr>
+          <p:cNvPr id="124" name="Google Shape;124;p20"/>
+          <p:cNvSpPr txBox="1">
+            <a:spLocks noGrp="1"/>
+          </p:cNvSpPr>
+          <p:nvPr>
+            <p:ph type="title"/>
+          </p:nvPr>
+        </p:nvSpPr>
+        <p:spPr>
+          <a:xfrm>
+            <a:off x="0" y="0"/>
+            <a:ext cx="12192000" cy="763600"/>
+          </a:xfrm>
+          <a:prstGeom prst="rect">
+            <a:avLst/>
+          </a:prstGeom>
+        </p:spPr>
+        <p:txBody>
+          <a:bodyPr spcFirstLastPara="1" vert="horz" wrap="square" lIns="121900" tIns="121900" rIns="121900" bIns="121900" rtlCol="0" anchor="t" anchorCtr="0">
+            <a:noAutofit/>
+          </a:bodyPr>
+          <a:lstStyle/>
+          <a:p>
+            <a:pPr algn="ctr"/>
+            <a:r>
+              <a:rPr lang="en"/>
+              <a:t>Capture data and store</a:t>
+            </a:r>
+            <a:endParaRPr/>
+          </a:p>
+        </p:txBody>
+      </p:sp>
+      <p:pic>
+        <p:nvPicPr>
+          <p:cNvPr id="125" name="Google Shape;125;p20"/>
+          <p:cNvPicPr preferRelativeResize="0"/>
+          <p:nvPr/>
+        </p:nvPicPr>
+        <p:blipFill>
+          <a:blip r:embed="rId3">
+            <a:alphaModFix/>
+          </a:blip>
+          <a:stretch>
+            <a:fillRect/>
+          </a:stretch>
+        </p:blipFill>
+        <p:spPr>
+          <a:xfrm>
+            <a:off x="203200" y="966800"/>
+            <a:ext cx="4622800" cy="2159000"/>
+          </a:xfrm>
+          <a:prstGeom prst="rect">
+            <a:avLst/>
+          </a:prstGeom>
+          <a:noFill/>
+          <a:ln>
+            <a:noFill/>
+          </a:ln>
+        </p:spPr>
+      </p:pic>
+      <p:pic>
+        <p:nvPicPr>
+          <p:cNvPr id="126" name="Google Shape;126;p20"/>
+          <p:cNvPicPr preferRelativeResize="0"/>
+          <p:nvPr/>
+        </p:nvPicPr>
+        <p:blipFill>
+          <a:blip r:embed="rId4">
+            <a:alphaModFix/>
+          </a:blip>
+          <a:stretch>
+            <a:fillRect/>
+          </a:stretch>
+        </p:blipFill>
+        <p:spPr>
+          <a:xfrm>
+            <a:off x="203200" y="3329000"/>
+            <a:ext cx="10149848" cy="3325800"/>
+          </a:xfrm>
+          <a:prstGeom prst="rect">
+            <a:avLst/>
+          </a:prstGeom>
+          <a:noFill/>
+          <a:ln>
+            <a:noFill/>
+          </a:ln>
+        </p:spPr>
+      </p:pic>
+    </p:spTree>
+    <p:extLst>
+      <p:ext uri="{BB962C8B-B14F-4D97-AF65-F5344CB8AC3E}">
+        <p14:creationId xmlns:p14="http://schemas.microsoft.com/office/powerpoint/2010/main" val="499837553"/>
+      </p:ext>
+    </p:extLst>
+  </p:cSld>
+  <p:clrMapOvr>
+    <a:masterClrMapping/>
+  </p:clrMapOvr>
+</p:sld>
+</file>
+
+<file path=ppt/slides/slide14.xml><?xml version="1.0" encoding="utf-8"?>
+<p:sld xmlns:a="http://schemas.openxmlformats.org/drawingml/2006/main" xmlns:r="http://schemas.openxmlformats.org/officeDocument/2006/relationships" xmlns:p="http://schemas.openxmlformats.org/presentationml/2006/main">
+  <p:cSld>
+    <p:bg>
+      <p:bgPr>
+        <a:solidFill>
+          <a:schemeClr val="bg1"/>
+        </a:solidFill>
+        <a:effectLst/>
+      </p:bgPr>
+    </p:bg>
+    <p:spTree>
+      <p:nvGrpSpPr>
+        <p:cNvPr id="1" name=""/>
+        <p:cNvGrpSpPr/>
+        <p:nvPr/>
+      </p:nvGrpSpPr>
+      <p:grpSpPr>
+        <a:xfrm>
+          <a:off x="0" y="0"/>
+          <a:ext cx="0" cy="0"/>
+          <a:chOff x="0" y="0"/>
+          <a:chExt cx="0" cy="0"/>
+        </a:xfrm>
+      </p:grpSpPr>
+      <p:sp>
+        <p:nvSpPr>
+          <p:cNvPr id="2" name="Title 1">
+            <a:extLst>
+              <a:ext uri="{FF2B5EF4-FFF2-40B4-BE49-F238E27FC236}">
+                <a16:creationId xmlns:a16="http://schemas.microsoft.com/office/drawing/2014/main" id="{63AE6E74-6857-4897-BA73-ED894ECBE779}"/>
+              </a:ext>
+            </a:extLst>
+          </p:cNvPr>
+          <p:cNvSpPr>
+            <a:spLocks noGrp="1"/>
+          </p:cNvSpPr>
+          <p:nvPr>
+            <p:ph type="title"/>
+          </p:nvPr>
+        </p:nvSpPr>
+        <p:spPr>
+          <a:xfrm>
+            <a:off x="655320" y="365125"/>
+            <a:ext cx="5120114" cy="1692794"/>
+          </a:xfrm>
+        </p:spPr>
+        <p:txBody>
+          <a:bodyPr>
+            <a:normAutofit/>
+          </a:bodyPr>
+          <a:lstStyle/>
+          <a:p>
+            <a:r>
+              <a:rPr lang="en-US" dirty="0" err="1"/>
+              <a:t>Preprocess_input</a:t>
+            </a:r>
+            <a:r>
+              <a:rPr lang="en-US" dirty="0"/>
+              <a:t>()</a:t>
+            </a:r>
+            <a:br>
+              <a:rPr lang="en-US" dirty="0"/>
+            </a:br>
+            <a:endParaRPr lang="en-US" dirty="0"/>
+          </a:p>
+        </p:txBody>
+      </p:sp>
+      <p:cxnSp>
+        <p:nvCxnSpPr>
+          <p:cNvPr id="10" name="Straight Arrow Connector 9">
+            <a:extLst>
+              <a:ext uri="{FF2B5EF4-FFF2-40B4-BE49-F238E27FC236}">
+                <a16:creationId xmlns:a16="http://schemas.microsoft.com/office/drawing/2014/main" id="{E4A809D5-3600-46D4-A466-67F2349A54FB}"/>
+              </a:ext>
+              <a:ext uri="{C183D7F6-B498-43B3-948B-1728B52AA6E4}">
+                <adec:decorative xmlns:adec="http://schemas.microsoft.com/office/drawing/2017/decorative" val="1"/>
+              </a:ext>
+            </a:extLst>
+          </p:cNvPr>
+          <p:cNvCxnSpPr>
+            <a:cxnSpLocks noGrp="1" noRot="1" noChangeAspect="1" noMove="1" noResize="1" noEditPoints="1" noAdjustHandles="1" noChangeArrowheads="1" noChangeShapeType="1"/>
+          </p:cNvCxnSpPr>
+          <p:nvPr>
+            <p:extLst>
+              <p:ext uri="{386F3935-93C4-4BCD-93E2-E3B085C9AB24}">
+                <p16:designElem xmlns:p16="http://schemas.microsoft.com/office/powerpoint/2015/main" val="1"/>
+              </p:ext>
+            </p:extLst>
+          </p:nvPr>
+        </p:nvCxnSpPr>
+        <p:spPr>
+          <a:xfrm>
+            <a:off x="655320" y="2316480"/>
+            <a:ext cx="4572000" cy="0"/>
+          </a:xfrm>
+          <a:prstGeom prst="straightConnector1">
+            <a:avLst/>
+          </a:prstGeom>
+          <a:ln w="19050" cap="sq">
+            <a:solidFill>
+              <a:schemeClr val="tx1"/>
+            </a:solidFill>
+            <a:tailEnd type="none"/>
+          </a:ln>
+        </p:spPr>
+        <p:style>
+          <a:lnRef idx="1">
+            <a:schemeClr val="accent1"/>
+          </a:lnRef>
+          <a:fillRef idx="0">
+            <a:schemeClr val="accent1"/>
+          </a:fillRef>
+          <a:effectRef idx="0">
+            <a:schemeClr val="accent1"/>
+          </a:effectRef>
+          <a:fontRef idx="minor">
+            <a:schemeClr val="tx1"/>
+          </a:fontRef>
+        </p:style>
+      </p:cxnSp>
+      <p:sp>
+        <p:nvSpPr>
+          <p:cNvPr id="3" name="Content Placeholder 2">
+            <a:extLst>
+              <a:ext uri="{FF2B5EF4-FFF2-40B4-BE49-F238E27FC236}">
+                <a16:creationId xmlns:a16="http://schemas.microsoft.com/office/drawing/2014/main" id="{94FF0D7E-D62E-43E8-B4D7-156ADAD549DE}"/>
+              </a:ext>
+            </a:extLst>
+          </p:cNvPr>
+          <p:cNvSpPr>
+            <a:spLocks noGrp="1"/>
+          </p:cNvSpPr>
+          <p:nvPr>
+            <p:ph idx="1"/>
+          </p:nvPr>
+        </p:nvSpPr>
+        <p:spPr>
+          <a:xfrm>
+            <a:off x="655321" y="2575034"/>
+            <a:ext cx="5120113" cy="3462228"/>
+          </a:xfrm>
+        </p:spPr>
+        <p:txBody>
+          <a:bodyPr>
+            <a:normAutofit/>
+          </a:bodyPr>
+          <a:lstStyle/>
+          <a:p>
+            <a:pPr lvl="1"/>
+            <a:r>
+              <a:rPr lang="en-US" sz="1800" dirty="0"/>
+              <a:t>Normalize all the pixels</a:t>
+            </a:r>
+          </a:p>
+          <a:p>
+            <a:pPr lvl="2"/>
+            <a:r>
+              <a:rPr lang="en-US" sz="1800" dirty="0"/>
+              <a:t>Reason: That’s how the model was trained…?</a:t>
+            </a:r>
+          </a:p>
+          <a:p>
+            <a:pPr lvl="3"/>
+            <a:r>
+              <a:rPr lang="en-US" dirty="0"/>
+              <a:t>It helps clearing the noise from different light setting</a:t>
+            </a:r>
+          </a:p>
+          <a:p>
+            <a:pPr lvl="3"/>
+            <a:r>
+              <a:rPr lang="en-US" dirty="0"/>
+              <a:t>Imagine a very dark setting image vs a very light setting image</a:t>
+            </a:r>
+          </a:p>
+          <a:p>
+            <a:pPr lvl="3"/>
+            <a:endParaRPr lang="en-US" dirty="0"/>
+          </a:p>
+        </p:txBody>
+      </p:sp>
+      <p:pic>
+        <p:nvPicPr>
+          <p:cNvPr id="5" name="Picture 4">
+            <a:extLst>
+              <a:ext uri="{FF2B5EF4-FFF2-40B4-BE49-F238E27FC236}">
+                <a16:creationId xmlns:a16="http://schemas.microsoft.com/office/drawing/2014/main" id="{1F625729-1324-4B80-99A1-EA3FF2ECC742}"/>
+              </a:ext>
+            </a:extLst>
+          </p:cNvPr>
+          <p:cNvPicPr>
+            <a:picLocks noChangeAspect="1"/>
+          </p:cNvPicPr>
+          <p:nvPr/>
+        </p:nvPicPr>
+        <p:blipFill rotWithShape="1">
+          <a:blip r:embed="rId2">
+            <a:extLst>
+              <a:ext uri="{28A0092B-C50C-407E-A947-70E740481C1C}">
+                <a14:useLocalDpi xmlns:a14="http://schemas.microsoft.com/office/drawing/2010/main" val="0"/>
+              </a:ext>
+            </a:extLst>
+          </a:blip>
+          <a:srcRect l="15390" r="33980" b="1"/>
+          <a:stretch/>
+        </p:blipFill>
+        <p:spPr>
+          <a:xfrm>
+            <a:off x="5878849" y="10"/>
+            <a:ext cx="6313150" cy="6857987"/>
+          </a:xfrm>
+          <a:custGeom>
+            <a:avLst/>
+            <a:gdLst>
+              <a:gd name="connsiteX0" fmla="*/ 65565 w 6313150"/>
+              <a:gd name="connsiteY0" fmla="*/ 0 h 6857997"/>
+              <a:gd name="connsiteX1" fmla="*/ 6313150 w 6313150"/>
+              <a:gd name="connsiteY1" fmla="*/ 0 h 6857997"/>
+              <a:gd name="connsiteX2" fmla="*/ 6313150 w 6313150"/>
+              <a:gd name="connsiteY2" fmla="*/ 6857997 h 6857997"/>
+              <a:gd name="connsiteX3" fmla="*/ 3293946 w 6313150"/>
+              <a:gd name="connsiteY3" fmla="*/ 6857997 h 6857997"/>
+              <a:gd name="connsiteX4" fmla="*/ 3235857 w 6313150"/>
+              <a:gd name="connsiteY4" fmla="*/ 6823061 h 6857997"/>
+              <a:gd name="connsiteX5" fmla="*/ 0 w 6313150"/>
+              <a:gd name="connsiteY5" fmla="*/ 951803 h 6857997"/>
+              <a:gd name="connsiteX6" fmla="*/ 31536 w 6313150"/>
+              <a:gd name="connsiteY6" fmla="*/ 285771 h 6857997"/>
+            </a:gdLst>
+            <a:ahLst/>
+            <a:cxnLst>
+              <a:cxn ang="0">
+                <a:pos x="connsiteX0" y="connsiteY0"/>
+              </a:cxn>
+              <a:cxn ang="0">
+                <a:pos x="connsiteX1" y="connsiteY1"/>
+              </a:cxn>
+              <a:cxn ang="0">
+                <a:pos x="connsiteX2" y="connsiteY2"/>
+              </a:cxn>
+              <a:cxn ang="0">
+                <a:pos x="connsiteX3" y="connsiteY3"/>
+              </a:cxn>
+              <a:cxn ang="0">
+                <a:pos x="connsiteX4" y="connsiteY4"/>
+              </a:cxn>
+              <a:cxn ang="0">
+                <a:pos x="connsiteX5" y="connsiteY5"/>
+              </a:cxn>
+              <a:cxn ang="0">
+                <a:pos x="connsiteX6" y="connsiteY6"/>
+              </a:cxn>
+            </a:cxnLst>
+            <a:rect l="l" t="t" r="r" b="b"/>
+            <a:pathLst>
+              <a:path w="6313150" h="6857997">
+                <a:moveTo>
+                  <a:pt x="65565" y="0"/>
+                </a:moveTo>
+                <a:lnTo>
+                  <a:pt x="6313150" y="0"/>
+                </a:lnTo>
+                <a:lnTo>
+                  <a:pt x="6313150" y="6857997"/>
+                </a:lnTo>
+                <a:lnTo>
+                  <a:pt x="3293946" y="6857997"/>
+                </a:lnTo>
+                <a:lnTo>
+                  <a:pt x="3235857" y="6823061"/>
+                </a:lnTo>
+                <a:cubicBezTo>
+                  <a:pt x="1291240" y="5592803"/>
+                  <a:pt x="0" y="3423096"/>
+                  <a:pt x="0" y="951803"/>
+                </a:cubicBezTo>
+                <a:cubicBezTo>
+                  <a:pt x="0" y="727140"/>
+                  <a:pt x="10673" y="504970"/>
+                  <a:pt x="31536" y="285771"/>
+                </a:cubicBezTo>
+                <a:close/>
+              </a:path>
+            </a:pathLst>
+          </a:custGeom>
+        </p:spPr>
+      </p:pic>
+    </p:spTree>
+    <p:extLst>
+      <p:ext uri="{BB962C8B-B14F-4D97-AF65-F5344CB8AC3E}">
+        <p14:creationId xmlns:p14="http://schemas.microsoft.com/office/powerpoint/2010/main" val="2631119699"/>
+      </p:ext>
+    </p:extLst>
+  </p:cSld>
+  <p:clrMapOvr>
+    <a:masterClrMapping/>
+  </p:clrMapOvr>
+</p:sld>
+</file>
+
+<file path=ppt/slides/slide15.xml><?xml version="1.0" encoding="utf-8"?>
+<p:sld xmlns:a="http://schemas.openxmlformats.org/drawingml/2006/main" xmlns:r="http://schemas.openxmlformats.org/officeDocument/2006/relationships" xmlns:p="http://schemas.openxmlformats.org/presentationml/2006/main">
+  <p:cSld>
+    <p:bg>
+      <p:bgPr>
+        <a:solidFill>
+          <a:schemeClr val="bg1"/>
+        </a:solidFill>
+        <a:effectLst/>
+      </p:bgPr>
+    </p:bg>
+    <p:spTree>
+      <p:nvGrpSpPr>
+        <p:cNvPr id="1" name=""/>
+        <p:cNvGrpSpPr/>
+        <p:nvPr/>
+      </p:nvGrpSpPr>
+      <p:grpSpPr>
+        <a:xfrm>
+          <a:off x="0" y="0"/>
+          <a:ext cx="0" cy="0"/>
+          <a:chOff x="0" y="0"/>
+          <a:chExt cx="0" cy="0"/>
+        </a:xfrm>
+      </p:grpSpPr>
+      <p:sp>
+        <p:nvSpPr>
+          <p:cNvPr id="2" name="Title 1">
+            <a:extLst>
+              <a:ext uri="{FF2B5EF4-FFF2-40B4-BE49-F238E27FC236}">
+                <a16:creationId xmlns:a16="http://schemas.microsoft.com/office/drawing/2014/main" id="{073293D6-BC3F-43FB-8A6C-4310B230E8C5}"/>
+              </a:ext>
+            </a:extLst>
+          </p:cNvPr>
+          <p:cNvSpPr>
+            <a:spLocks noGrp="1"/>
+          </p:cNvSpPr>
+          <p:nvPr>
+            <p:ph type="title"/>
+          </p:nvPr>
+        </p:nvSpPr>
+        <p:spPr>
+          <a:xfrm>
+            <a:off x="960100" y="978102"/>
+            <a:ext cx="10588434" cy="1062644"/>
+          </a:xfrm>
+        </p:spPr>
+        <p:txBody>
+          <a:bodyPr anchor="b">
+            <a:normAutofit/>
+          </a:bodyPr>
+          <a:lstStyle/>
+          <a:p>
+            <a:r>
+              <a:rPr lang="en-US" dirty="0"/>
+              <a:t>Image Shape</a:t>
+            </a:r>
+          </a:p>
+        </p:txBody>
+      </p:sp>
+      <p:cxnSp>
+        <p:nvCxnSpPr>
+          <p:cNvPr id="23" name="Straight Connector 18">
+            <a:extLst>
+              <a:ext uri="{FF2B5EF4-FFF2-40B4-BE49-F238E27FC236}">
+                <a16:creationId xmlns:a16="http://schemas.microsoft.com/office/drawing/2014/main" id="{39B7FDC9-F0CE-43A7-9F2A-83DD09DC3453}"/>
+              </a:ext>
+              <a:ext uri="{C183D7F6-B498-43B3-948B-1728B52AA6E4}">
+                <adec:decorative xmlns:adec="http://schemas.microsoft.com/office/drawing/2017/decorative" val="1"/>
+              </a:ext>
+            </a:extLst>
+          </p:cNvPr>
+          <p:cNvCxnSpPr>
+            <a:cxnSpLocks noGrp="1" noRot="1" noChangeAspect="1" noMove="1" noResize="1" noEditPoints="1" noAdjustHandles="1" noChangeArrowheads="1" noChangeShapeType="1"/>
+          </p:cNvCxnSpPr>
+          <p:nvPr>
+            <p:extLst>
+              <p:ext uri="{386F3935-93C4-4BCD-93E2-E3B085C9AB24}">
+                <p16:designElem xmlns:p16="http://schemas.microsoft.com/office/powerpoint/2015/main" val="1"/>
+              </p:ext>
+            </p:extLst>
+          </p:nvPr>
+        </p:nvCxnSpPr>
+        <p:spPr>
+          <a:xfrm>
+            <a:off x="1047624" y="2265037"/>
+            <a:ext cx="10125012" cy="0"/>
+          </a:xfrm>
+          <a:prstGeom prst="line">
+            <a:avLst/>
+          </a:prstGeom>
+          <a:ln w="15875">
+            <a:solidFill>
+              <a:schemeClr val="tx1">
+                <a:lumMod val="65000"/>
+                <a:lumOff val="35000"/>
+              </a:schemeClr>
+            </a:solidFill>
+          </a:ln>
+        </p:spPr>
+        <p:style>
+          <a:lnRef idx="1">
+            <a:schemeClr val="accent1"/>
+          </a:lnRef>
+          <a:fillRef idx="0">
+            <a:schemeClr val="accent1"/>
+          </a:fillRef>
+          <a:effectRef idx="0">
+            <a:schemeClr val="accent1"/>
+          </a:effectRef>
+          <a:fontRef idx="minor">
+            <a:schemeClr val="tx1"/>
+          </a:fontRef>
+        </p:style>
+      </p:cxnSp>
+      <p:pic>
+        <p:nvPicPr>
+          <p:cNvPr id="5" name="Picture 4">
+            <a:extLst>
+              <a:ext uri="{FF2B5EF4-FFF2-40B4-BE49-F238E27FC236}">
+                <a16:creationId xmlns:a16="http://schemas.microsoft.com/office/drawing/2014/main" id="{0FA00B6B-7FEC-437A-92E6-C1D64B269506}"/>
+              </a:ext>
+            </a:extLst>
+          </p:cNvPr>
+          <p:cNvPicPr>
+            <a:picLocks noChangeAspect="1"/>
+          </p:cNvPicPr>
+          <p:nvPr/>
+        </p:nvPicPr>
+        <p:blipFill>
+          <a:blip r:embed="rId2">
+            <a:extLst>
+              <a:ext uri="{28A0092B-C50C-407E-A947-70E740481C1C}">
+                <a14:useLocalDpi xmlns:a14="http://schemas.microsoft.com/office/drawing/2010/main" val="0"/>
+              </a:ext>
+            </a:extLst>
+          </a:blip>
+          <a:stretch>
+            <a:fillRect/>
+          </a:stretch>
+        </p:blipFill>
+        <p:spPr>
+          <a:xfrm>
+            <a:off x="1114023" y="2811104"/>
+            <a:ext cx="3366480" cy="1203515"/>
+          </a:xfrm>
+          <a:prstGeom prst="rect">
+            <a:avLst/>
+          </a:prstGeom>
+        </p:spPr>
+      </p:pic>
+      <p:sp>
+        <p:nvSpPr>
+          <p:cNvPr id="3" name="Content Placeholder 2">
+            <a:extLst>
+              <a:ext uri="{FF2B5EF4-FFF2-40B4-BE49-F238E27FC236}">
+                <a16:creationId xmlns:a16="http://schemas.microsoft.com/office/drawing/2014/main" id="{C79042EA-EB3E-4FED-908D-FAC13AB0CFAD}"/>
+              </a:ext>
+            </a:extLst>
+          </p:cNvPr>
+          <p:cNvSpPr>
+            <a:spLocks noGrp="1"/>
+          </p:cNvSpPr>
+          <p:nvPr>
+            <p:ph idx="1"/>
+          </p:nvPr>
+        </p:nvSpPr>
+        <p:spPr>
+          <a:xfrm>
+            <a:off x="4955354" y="2682433"/>
+            <a:ext cx="6282169" cy="3215749"/>
+          </a:xfrm>
+        </p:spPr>
+        <p:txBody>
+          <a:bodyPr>
+            <a:normAutofit/>
+          </a:bodyPr>
+          <a:lstStyle/>
+          <a:p>
+            <a:r>
+              <a:rPr lang="en-US" sz="2400" dirty="0"/>
+              <a:t>The image is an 48 by 48 array of pixels</a:t>
+            </a:r>
+          </a:p>
+          <a:p>
+            <a:r>
+              <a:rPr lang="en-US" sz="2400" dirty="0"/>
+              <a:t>Computer doesn’t understand it.</a:t>
+            </a:r>
+          </a:p>
+          <a:p>
+            <a:r>
+              <a:rPr lang="en-US" sz="2400" dirty="0" err="1"/>
+              <a:t>Np.expand_dims</a:t>
+            </a:r>
+            <a:r>
+              <a:rPr lang="en-US" sz="2400" dirty="0"/>
+              <a:t>(processed, 0) add one bracket to the array, or adding one dimension to it. </a:t>
+            </a:r>
+          </a:p>
+          <a:p>
+            <a:r>
+              <a:rPr lang="en-US" sz="2400" dirty="0" err="1"/>
+              <a:t>Np.expand_dims</a:t>
+            </a:r>
+            <a:r>
+              <a:rPr lang="en-US" sz="2400" dirty="0"/>
+              <a:t>(processed, -1) add one bracket to each pixel</a:t>
+            </a:r>
+          </a:p>
+        </p:txBody>
+      </p:sp>
+    </p:spTree>
+    <p:extLst>
+      <p:ext uri="{BB962C8B-B14F-4D97-AF65-F5344CB8AC3E}">
+        <p14:creationId xmlns:p14="http://schemas.microsoft.com/office/powerpoint/2010/main" val="3347786290"/>
+      </p:ext>
+    </p:extLst>
+  </p:cSld>
+  <p:clrMapOvr>
+    <a:masterClrMapping/>
+  </p:clrMapOvr>
+</p:sld>
+</file>
+
+<file path=ppt/slides/slide16.xml><?xml version="1.0" encoding="utf-8"?>
+<p:sld xmlns:a="http://schemas.openxmlformats.org/drawingml/2006/main" xmlns:r="http://schemas.openxmlformats.org/officeDocument/2006/relationships" xmlns:p="http://schemas.openxmlformats.org/presentationml/2006/main">
+  <p:cSld>
     <p:bg>
       <p:bgPr>
         <a:solidFill>
@@ -9074,17 +11947,9 @@
 <file path=ppt/slides/slide6.xml><?xml version="1.0" encoding="utf-8"?>
 <p:sld xmlns:a="http://schemas.openxmlformats.org/drawingml/2006/main" xmlns:r="http://schemas.openxmlformats.org/officeDocument/2006/relationships" xmlns:p="http://schemas.openxmlformats.org/presentationml/2006/main">
   <p:cSld>
-    <p:bg>
-      <p:bgPr>
-        <a:solidFill>
-          <a:schemeClr val="bg1"/>
-        </a:solidFill>
-        <a:effectLst/>
-      </p:bgPr>
-    </p:bg>
     <p:spTree>
       <p:nvGrpSpPr>
-        <p:cNvPr id="1" name=""/>
+        <p:cNvPr id="1" name="Shape 53"/>
         <p:cNvGrpSpPr/>
         <p:nvPr/>
       </p:nvGrpSpPr>
@@ -9098,104 +11963,89 @@
       </p:grpSpPr>
       <p:sp>
         <p:nvSpPr>
-          <p:cNvPr id="2" name="Title 1">
-            <a:extLst>
-              <a:ext uri="{FF2B5EF4-FFF2-40B4-BE49-F238E27FC236}">
-                <a16:creationId xmlns:a16="http://schemas.microsoft.com/office/drawing/2014/main" id="{073293D6-BC3F-43FB-8A6C-4310B230E8C5}"/>
-              </a:ext>
-            </a:extLst>
-          </p:cNvPr>
-          <p:cNvSpPr>
+          <p:cNvPr id="54" name="Google Shape;54;p13"/>
+          <p:cNvSpPr txBox="1">
             <a:spLocks noGrp="1"/>
           </p:cNvSpPr>
           <p:nvPr>
-            <p:ph type="title"/>
+            <p:ph type="ctrTitle"/>
           </p:nvPr>
         </p:nvSpPr>
-        <p:spPr/>
+        <p:spPr>
+          <a:xfrm>
+            <a:off x="0" y="0"/>
+            <a:ext cx="12192000" cy="907200"/>
+          </a:xfrm>
+          <a:prstGeom prst="rect">
+            <a:avLst/>
+          </a:prstGeom>
+        </p:spPr>
         <p:txBody>
-          <a:bodyPr anchor="b">
-            <a:normAutofit/>
+          <a:bodyPr spcFirstLastPara="1" vert="horz" wrap="square" lIns="121900" tIns="121900" rIns="121900" bIns="121900" rtlCol="0" anchor="b" anchorCtr="0">
+            <a:noAutofit/>
           </a:bodyPr>
           <a:lstStyle/>
           <a:p>
-            <a:r>
-              <a:rPr lang="en-US" dirty="0"/>
-              <a:t>FER2013 dataset</a:t>
-            </a:r>
+            <a:pPr>
+              <a:spcBef>
+                <a:spcPts val="0"/>
+              </a:spcBef>
+            </a:pPr>
+            <a:r>
+              <a:rPr lang="en" sz="4800"/>
+              <a:t>Emotion Model</a:t>
+            </a:r>
+            <a:endParaRPr sz="4800"/>
           </a:p>
         </p:txBody>
       </p:sp>
       <p:sp>
         <p:nvSpPr>
-          <p:cNvPr id="7" name="Content Placeholder 6">
-            <a:extLst>
-              <a:ext uri="{FF2B5EF4-FFF2-40B4-BE49-F238E27FC236}">
-                <a16:creationId xmlns:a16="http://schemas.microsoft.com/office/drawing/2014/main" id="{ECEDAA36-D979-4C0A-8843-941BAB6121FB}"/>
-              </a:ext>
-            </a:extLst>
-          </p:cNvPr>
-          <p:cNvSpPr>
+          <p:cNvPr id="55" name="Google Shape;55;p13"/>
+          <p:cNvSpPr txBox="1">
             <a:spLocks noGrp="1"/>
           </p:cNvSpPr>
           <p:nvPr>
-            <p:ph sz="half" idx="1"/>
+            <p:ph type="ctrTitle"/>
           </p:nvPr>
         </p:nvSpPr>
-        <p:spPr/>
+        <p:spPr>
+          <a:xfrm>
+            <a:off x="899917" y="1251533"/>
+            <a:ext cx="6596800" cy="689600"/>
+          </a:xfrm>
+          <a:prstGeom prst="rect">
+            <a:avLst/>
+          </a:prstGeom>
+        </p:spPr>
         <p:txBody>
-          <a:bodyPr/>
+          <a:bodyPr spcFirstLastPara="1" vert="horz" wrap="square" lIns="121900" tIns="121900" rIns="121900" bIns="121900" rtlCol="0" anchor="b" anchorCtr="0">
+            <a:noAutofit/>
+          </a:bodyPr>
           <a:lstStyle/>
           <a:p>
-            <a:endParaRPr lang="en-US" dirty="0"/>
-          </a:p>
-          <a:p>
-            <a:r>
-              <a:rPr lang="en-US" dirty="0"/>
-              <a:t>35,000 face crops</a:t>
-            </a:r>
-          </a:p>
-          <a:p>
-            <a:endParaRPr lang="en-US" dirty="0"/>
-          </a:p>
-          <a:p>
-            <a:r>
-              <a:rPr lang="en-US" dirty="0"/>
-              <a:t>Grayscale images</a:t>
-            </a:r>
-          </a:p>
-          <a:p>
-            <a:endParaRPr lang="en-US" dirty="0"/>
-          </a:p>
-          <a:p>
-            <a:r>
-              <a:rPr lang="en-US" dirty="0"/>
-              <a:t>Resolution of 48 x 48 pixels</a:t>
-            </a:r>
+            <a:pPr>
+              <a:spcBef>
+                <a:spcPts val="0"/>
+              </a:spcBef>
+            </a:pPr>
+            <a:r>
+              <a:rPr lang="en" sz="2400"/>
+              <a:t>Convolutional Neural Network</a:t>
+            </a:r>
+            <a:endParaRPr sz="2400"/>
           </a:p>
         </p:txBody>
       </p:sp>
       <p:pic>
         <p:nvPicPr>
-          <p:cNvPr id="8" name="Picture 7">
-            <a:extLst>
-              <a:ext uri="{FF2B5EF4-FFF2-40B4-BE49-F238E27FC236}">
-                <a16:creationId xmlns:a16="http://schemas.microsoft.com/office/drawing/2014/main" id="{08E49DD0-199B-435A-B4CD-BA5F4EB9DF1A}"/>
-              </a:ext>
-            </a:extLst>
-          </p:cNvPr>
-          <p:cNvPicPr>
-            <a:picLocks noChangeAspect="1"/>
-          </p:cNvPicPr>
+          <p:cNvPr id="56" name="Google Shape;56;p13"/>
+          <p:cNvPicPr preferRelativeResize="0"/>
           <p:nvPr/>
         </p:nvPicPr>
         <p:blipFill>
-          <a:blip r:embed="rId2">
-            <a:extLst>
-              <a:ext uri="{28A0092B-C50C-407E-A947-70E740481C1C}">
-                <a14:useLocalDpi xmlns:a14="http://schemas.microsoft.com/office/drawing/2010/main" val="0"/>
-              </a:ext>
-            </a:extLst>
+          <a:blip r:embed="rId3">
+            <a:alphaModFix/>
           </a:blip>
           <a:stretch>
             <a:fillRect/>
@@ -9203,18 +12053,131 @@
         </p:blipFill>
         <p:spPr>
           <a:xfrm>
-            <a:off x="6172200" y="1825625"/>
-            <a:ext cx="5257800" cy="3923731"/>
+            <a:off x="154765" y="1941133"/>
+            <a:ext cx="8087099" cy="3603600"/>
           </a:xfrm>
           <a:prstGeom prst="rect">
             <a:avLst/>
           </a:prstGeom>
+          <a:noFill/>
+          <a:ln>
+            <a:noFill/>
+          </a:ln>
         </p:spPr>
       </p:pic>
+      <p:sp>
+        <p:nvSpPr>
+          <p:cNvPr id="57" name="Google Shape;57;p13"/>
+          <p:cNvSpPr txBox="1"/>
+          <p:nvPr/>
+        </p:nvSpPr>
+        <p:spPr>
+          <a:xfrm>
+            <a:off x="0" y="6168400"/>
+            <a:ext cx="12192000" cy="689600"/>
+          </a:xfrm>
+          <a:prstGeom prst="rect">
+            <a:avLst/>
+          </a:prstGeom>
+          <a:noFill/>
+          <a:ln>
+            <a:noFill/>
+          </a:ln>
+        </p:spPr>
+        <p:txBody>
+          <a:bodyPr spcFirstLastPara="1" wrap="square" lIns="121900" tIns="121900" rIns="121900" bIns="121900" anchor="t" anchorCtr="0">
+            <a:noAutofit/>
+          </a:bodyPr>
+          <a:lstStyle/>
+          <a:p>
+            <a:r>
+              <a:rPr lang="en" sz="1600">
+                <a:solidFill>
+                  <a:schemeClr val="dk1"/>
+                </a:solidFill>
+                <a:highlight>
+                  <a:srgbClr val="FFFFFF"/>
+                </a:highlight>
+              </a:rPr>
+              <a:t>Architecture of a CNN. — Source: </a:t>
+            </a:r>
+            <a:r>
+              <a:rPr lang="en" sz="1600" u="sng">
+                <a:solidFill>
+                  <a:schemeClr val="hlink"/>
+                </a:solidFill>
+                <a:highlight>
+                  <a:srgbClr val="FFFFFF"/>
+                </a:highlight>
+                <a:hlinkClick r:id="rId4"/>
+              </a:rPr>
+              <a:t>https://www.mathworks.com/videos/introduction-to-deep-learning-what-are-convolutional-neural-networks--1489512765771.html</a:t>
+            </a:r>
+            <a:endParaRPr sz="2400"/>
+          </a:p>
+        </p:txBody>
+      </p:sp>
+      <p:sp>
+        <p:nvSpPr>
+          <p:cNvPr id="58" name="Google Shape;58;p13"/>
+          <p:cNvSpPr txBox="1"/>
+          <p:nvPr/>
+        </p:nvSpPr>
+        <p:spPr>
+          <a:xfrm>
+            <a:off x="8241867" y="1376867"/>
+            <a:ext cx="3950000" cy="844000"/>
+          </a:xfrm>
+          <a:prstGeom prst="rect">
+            <a:avLst/>
+          </a:prstGeom>
+          <a:noFill/>
+          <a:ln>
+            <a:noFill/>
+          </a:ln>
+        </p:spPr>
+        <p:txBody>
+          <a:bodyPr spcFirstLastPara="1" wrap="square" lIns="121900" tIns="121900" rIns="121900" bIns="121900" anchor="t" anchorCtr="0">
+            <a:noAutofit/>
+          </a:bodyPr>
+          <a:lstStyle/>
+          <a:p>
+            <a:r>
+              <a:rPr lang="en" sz="2400"/>
+              <a:t>Model used was created by GitHub user: oarriaga.</a:t>
+            </a:r>
+            <a:endParaRPr sz="2400"/>
+          </a:p>
+          <a:p>
+            <a:endParaRPr sz="2400"/>
+          </a:p>
+          <a:p>
+            <a:pPr>
+              <a:buClr>
+                <a:schemeClr val="dk1"/>
+              </a:buClr>
+              <a:buSzPts val="1100"/>
+            </a:pPr>
+            <a:r>
+              <a:rPr lang="en" sz="2400" u="sng">
+                <a:solidFill>
+                  <a:schemeClr val="accent5"/>
+                </a:solidFill>
+                <a:hlinkClick r:id="rId5"/>
+              </a:rPr>
+              <a:t>https://github.com/oarriaga/face_classification</a:t>
+            </a:r>
+            <a:endParaRPr sz="2400"/>
+          </a:p>
+          <a:p>
+            <a:endParaRPr sz="2400"/>
+          </a:p>
+        </p:txBody>
+      </p:sp>
     </p:spTree>
     <p:extLst>
       <p:ext uri="{BB962C8B-B14F-4D97-AF65-F5344CB8AC3E}">
-        <p14:creationId xmlns:p14="http://schemas.microsoft.com/office/powerpoint/2010/main" val="3799273785"/>
+        <p14:creationId xmlns:p14="http://schemas.microsoft.com/office/powerpoint/2010/main" val="3656759659"/>
       </p:ext>
     </p:extLst>
   </p:cSld>
@@ -9227,17 +12190,9 @@
 <file path=ppt/slides/slide7.xml><?xml version="1.0" encoding="utf-8"?>
 <p:sld xmlns:a="http://schemas.openxmlformats.org/drawingml/2006/main" xmlns:r="http://schemas.openxmlformats.org/officeDocument/2006/relationships" xmlns:p="http://schemas.openxmlformats.org/presentationml/2006/main">
   <p:cSld>
-    <p:bg>
-      <p:bgPr>
-        <a:solidFill>
-          <a:schemeClr val="bg1"/>
-        </a:solidFill>
-        <a:effectLst/>
-      </p:bgPr>
-    </p:bg>
     <p:spTree>
       <p:nvGrpSpPr>
-        <p:cNvPr id="1" name=""/>
+        <p:cNvPr id="1" name="Shape 62"/>
         <p:cNvGrpSpPr/>
         <p:nvPr/>
       </p:nvGrpSpPr>
@@ -9251,98 +12206,242 @@
       </p:grpSpPr>
       <p:sp>
         <p:nvSpPr>
-          <p:cNvPr id="2" name="Title 1">
-            <a:extLst>
-              <a:ext uri="{FF2B5EF4-FFF2-40B4-BE49-F238E27FC236}">
-                <a16:creationId xmlns:a16="http://schemas.microsoft.com/office/drawing/2014/main" id="{073293D6-BC3F-43FB-8A6C-4310B230E8C5}"/>
-              </a:ext>
-            </a:extLst>
-          </p:cNvPr>
-          <p:cNvSpPr>
+          <p:cNvPr id="63" name="Google Shape;63;p14"/>
+          <p:cNvSpPr txBox="1">
             <a:spLocks noGrp="1"/>
           </p:cNvSpPr>
           <p:nvPr>
-            <p:ph type="title"/>
+            <p:ph type="ctrTitle"/>
           </p:nvPr>
         </p:nvSpPr>
         <p:spPr>
           <a:xfrm>
-            <a:off x="960100" y="978102"/>
-            <a:ext cx="10588434" cy="1062644"/>
-          </a:xfrm>
+            <a:off x="0" y="0"/>
+            <a:ext cx="12192000" cy="1462000"/>
+          </a:xfrm>
+          <a:prstGeom prst="rect">
+            <a:avLst/>
+          </a:prstGeom>
         </p:spPr>
         <p:txBody>
-          <a:bodyPr anchor="b">
-            <a:normAutofit/>
+          <a:bodyPr spcFirstLastPara="1" vert="horz" wrap="square" lIns="121900" tIns="121900" rIns="121900" bIns="121900" rtlCol="0" anchor="b" anchorCtr="0">
+            <a:noAutofit/>
           </a:bodyPr>
           <a:lstStyle/>
           <a:p>
-            <a:r>
-              <a:rPr lang="en-US" dirty="0"/>
-              <a:t>Blank</a:t>
-            </a:r>
+            <a:pPr>
+              <a:spcBef>
+                <a:spcPts val="0"/>
+              </a:spcBef>
+            </a:pPr>
+            <a:r>
+              <a:rPr lang="en"/>
+              <a:t>FER2013 Dataset</a:t>
+            </a:r>
+            <a:endParaRPr/>
           </a:p>
         </p:txBody>
       </p:sp>
-      <p:cxnSp>
-        <p:nvCxnSpPr>
-          <p:cNvPr id="23" name="Straight Connector 18">
-            <a:extLst>
-              <a:ext uri="{FF2B5EF4-FFF2-40B4-BE49-F238E27FC236}">
-                <a16:creationId xmlns:a16="http://schemas.microsoft.com/office/drawing/2014/main" id="{39B7FDC9-F0CE-43A7-9F2A-83DD09DC3453}"/>
-              </a:ext>
-              <a:ext uri="{C183D7F6-B498-43B3-948B-1728B52AA6E4}">
-                <adec:decorative xmlns:adec="http://schemas.microsoft.com/office/drawing/2017/decorative" val="1"/>
-              </a:ext>
-            </a:extLst>
-          </p:cNvPr>
-          <p:cNvCxnSpPr>
-            <a:cxnSpLocks noGrp="1" noRot="1" noChangeAspect="1" noMove="1" noResize="1" noEditPoints="1" noAdjustHandles="1" noChangeArrowheads="1" noChangeShapeType="1"/>
-          </p:cNvCxnSpPr>
-          <p:nvPr>
-            <p:extLst>
-              <p:ext uri="{386F3935-93C4-4BCD-93E2-E3B085C9AB24}">
-                <p16:designElem xmlns:p16="http://schemas.microsoft.com/office/powerpoint/2015/main" val="1"/>
-              </p:ext>
-            </p:extLst>
-          </p:nvPr>
-        </p:nvCxnSpPr>
-        <p:spPr>
-          <a:xfrm>
-            <a:off x="1047624" y="2265037"/>
-            <a:ext cx="10125012" cy="0"/>
-          </a:xfrm>
-          <a:prstGeom prst="line">
+      <p:pic>
+        <p:nvPicPr>
+          <p:cNvPr id="64" name="Google Shape;64;p14"/>
+          <p:cNvPicPr preferRelativeResize="0"/>
+          <p:nvPr/>
+        </p:nvPicPr>
+        <p:blipFill>
+          <a:blip r:embed="rId3">
+            <a:alphaModFix/>
+          </a:blip>
+          <a:stretch>
+            <a:fillRect/>
+          </a:stretch>
+        </p:blipFill>
+        <p:spPr>
+          <a:xfrm>
+            <a:off x="5111950" y="4204582"/>
+            <a:ext cx="2198700" cy="2214133"/>
+          </a:xfrm>
+          <a:prstGeom prst="rect">
             <a:avLst/>
           </a:prstGeom>
-          <a:ln w="15875">
-            <a:solidFill>
-              <a:schemeClr val="tx1">
-                <a:lumMod val="65000"/>
-                <a:lumOff val="35000"/>
-              </a:schemeClr>
-            </a:solidFill>
+          <a:noFill/>
+          <a:ln>
+            <a:noFill/>
           </a:ln>
         </p:spPr>
-        <p:style>
-          <a:lnRef idx="1">
-            <a:schemeClr val="accent1"/>
-          </a:lnRef>
-          <a:fillRef idx="0">
-            <a:schemeClr val="accent1"/>
-          </a:fillRef>
-          <a:effectRef idx="0">
-            <a:schemeClr val="accent1"/>
-          </a:effectRef>
-          <a:fontRef idx="minor">
-            <a:schemeClr val="tx1"/>
-          </a:fontRef>
-        </p:style>
-      </p:cxnSp>
+      </p:pic>
+      <p:pic>
+        <p:nvPicPr>
+          <p:cNvPr id="65" name="Google Shape;65;p14"/>
+          <p:cNvPicPr preferRelativeResize="0"/>
+          <p:nvPr/>
+        </p:nvPicPr>
+        <p:blipFill>
+          <a:blip r:embed="rId4">
+            <a:alphaModFix/>
+          </a:blip>
+          <a:stretch>
+            <a:fillRect/>
+          </a:stretch>
+        </p:blipFill>
+        <p:spPr>
+          <a:xfrm>
+            <a:off x="7486485" y="4216083"/>
+            <a:ext cx="2198700" cy="2191064"/>
+          </a:xfrm>
+          <a:prstGeom prst="rect">
+            <a:avLst/>
+          </a:prstGeom>
+          <a:noFill/>
+          <a:ln>
+            <a:noFill/>
+          </a:ln>
+        </p:spPr>
+      </p:pic>
+      <p:pic>
+        <p:nvPicPr>
+          <p:cNvPr id="66" name="Google Shape;66;p14"/>
+          <p:cNvPicPr preferRelativeResize="0"/>
+          <p:nvPr/>
+        </p:nvPicPr>
+        <p:blipFill>
+          <a:blip r:embed="rId5">
+            <a:alphaModFix/>
+          </a:blip>
+          <a:stretch>
+            <a:fillRect/>
+          </a:stretch>
+        </p:blipFill>
+        <p:spPr>
+          <a:xfrm>
+            <a:off x="7310385" y="1461985"/>
+            <a:ext cx="2198700" cy="2168383"/>
+          </a:xfrm>
+          <a:prstGeom prst="rect">
+            <a:avLst/>
+          </a:prstGeom>
+          <a:noFill/>
+          <a:ln>
+            <a:noFill/>
+          </a:ln>
+        </p:spPr>
+      </p:pic>
+      <p:pic>
+        <p:nvPicPr>
+          <p:cNvPr id="67" name="Google Shape;67;p14"/>
+          <p:cNvPicPr preferRelativeResize="0"/>
+          <p:nvPr/>
+        </p:nvPicPr>
+        <p:blipFill>
+          <a:blip r:embed="rId6">
+            <a:alphaModFix/>
+          </a:blip>
+          <a:stretch>
+            <a:fillRect/>
+          </a:stretch>
+        </p:blipFill>
+        <p:spPr>
+          <a:xfrm>
+            <a:off x="9907933" y="1497429"/>
+            <a:ext cx="2104867" cy="2097504"/>
+          </a:xfrm>
+          <a:prstGeom prst="rect">
+            <a:avLst/>
+          </a:prstGeom>
+          <a:noFill/>
+          <a:ln>
+            <a:noFill/>
+          </a:ln>
+        </p:spPr>
+      </p:pic>
+      <p:pic>
+        <p:nvPicPr>
+          <p:cNvPr id="68" name="Google Shape;68;p14"/>
+          <p:cNvPicPr preferRelativeResize="0"/>
+          <p:nvPr/>
+        </p:nvPicPr>
+        <p:blipFill>
+          <a:blip r:embed="rId7">
+            <a:alphaModFix/>
+          </a:blip>
+          <a:stretch>
+            <a:fillRect/>
+          </a:stretch>
+        </p:blipFill>
+        <p:spPr>
+          <a:xfrm>
+            <a:off x="9861018" y="4216150"/>
+            <a:ext cx="2198700" cy="2190953"/>
+          </a:xfrm>
+          <a:prstGeom prst="rect">
+            <a:avLst/>
+          </a:prstGeom>
+          <a:noFill/>
+          <a:ln>
+            <a:noFill/>
+          </a:ln>
+        </p:spPr>
+      </p:pic>
+      <p:pic>
+        <p:nvPicPr>
+          <p:cNvPr id="69" name="Google Shape;69;p14"/>
+          <p:cNvPicPr preferRelativeResize="0"/>
+          <p:nvPr/>
+        </p:nvPicPr>
+        <p:blipFill>
+          <a:blip r:embed="rId8">
+            <a:alphaModFix/>
+          </a:blip>
+          <a:stretch>
+            <a:fillRect/>
+          </a:stretch>
+        </p:blipFill>
+        <p:spPr>
+          <a:xfrm>
+            <a:off x="63936" y="1565551"/>
+            <a:ext cx="6847600" cy="2535460"/>
+          </a:xfrm>
+          <a:prstGeom prst="rect">
+            <a:avLst/>
+          </a:prstGeom>
+          <a:noFill/>
+          <a:ln>
+            <a:noFill/>
+          </a:ln>
+        </p:spPr>
+      </p:pic>
+      <p:pic>
+        <p:nvPicPr>
+          <p:cNvPr id="70" name="Google Shape;70;p14"/>
+          <p:cNvPicPr preferRelativeResize="0"/>
+          <p:nvPr/>
+        </p:nvPicPr>
+        <p:blipFill>
+          <a:blip r:embed="rId9">
+            <a:alphaModFix/>
+          </a:blip>
+          <a:stretch>
+            <a:fillRect/>
+          </a:stretch>
+        </p:blipFill>
+        <p:spPr>
+          <a:xfrm>
+            <a:off x="63927" y="4204567"/>
+            <a:ext cx="4817347" cy="2639000"/>
+          </a:xfrm>
+          <a:prstGeom prst="rect">
+            <a:avLst/>
+          </a:prstGeom>
+          <a:noFill/>
+          <a:ln>
+            <a:noFill/>
+          </a:ln>
+        </p:spPr>
+      </p:pic>
     </p:spTree>
     <p:extLst>
       <p:ext uri="{BB962C8B-B14F-4D97-AF65-F5344CB8AC3E}">
-        <p14:creationId xmlns:p14="http://schemas.microsoft.com/office/powerpoint/2010/main" val="938408830"/>
+        <p14:creationId xmlns:p14="http://schemas.microsoft.com/office/powerpoint/2010/main" val="3806236207"/>
       </p:ext>
     </p:extLst>
   </p:cSld>
@@ -9355,17 +12454,9 @@
 <file path=ppt/slides/slide8.xml><?xml version="1.0" encoding="utf-8"?>
 <p:sld xmlns:a="http://schemas.openxmlformats.org/drawingml/2006/main" xmlns:r="http://schemas.openxmlformats.org/officeDocument/2006/relationships" xmlns:p="http://schemas.openxmlformats.org/presentationml/2006/main">
   <p:cSld>
-    <p:bg>
-      <p:bgPr>
-        <a:solidFill>
-          <a:schemeClr val="bg1"/>
-        </a:solidFill>
-        <a:effectLst/>
-      </p:bgPr>
-    </p:bg>
     <p:spTree>
       <p:nvGrpSpPr>
-        <p:cNvPr id="1" name=""/>
+        <p:cNvPr id="1" name="Shape 74"/>
         <p:cNvGrpSpPr/>
         <p:nvPr/>
       </p:nvGrpSpPr>
@@ -9379,14 +12470,8 @@
       </p:grpSpPr>
       <p:sp>
         <p:nvSpPr>
-          <p:cNvPr id="2" name="Title 1">
-            <a:extLst>
-              <a:ext uri="{FF2B5EF4-FFF2-40B4-BE49-F238E27FC236}">
-                <a16:creationId xmlns:a16="http://schemas.microsoft.com/office/drawing/2014/main" id="{63AE6E74-6857-4897-BA73-ED894ECBE779}"/>
-              </a:ext>
-            </a:extLst>
-          </p:cNvPr>
-          <p:cNvSpPr>
+          <p:cNvPr id="75" name="Google Shape;75;p15"/>
+          <p:cNvSpPr txBox="1">
             <a:spLocks noGrp="1"/>
           </p:cNvSpPr>
           <p:nvPr>
@@ -9395,255 +12480,165 @@
         </p:nvSpPr>
         <p:spPr>
           <a:xfrm>
-            <a:off x="655320" y="365125"/>
-            <a:ext cx="5120114" cy="1692794"/>
-          </a:xfrm>
+            <a:off x="0" y="0"/>
+            <a:ext cx="12192000" cy="763600"/>
+          </a:xfrm>
+          <a:prstGeom prst="rect">
+            <a:avLst/>
+          </a:prstGeom>
         </p:spPr>
         <p:txBody>
-          <a:bodyPr>
-            <a:normAutofit/>
+          <a:bodyPr spcFirstLastPara="1" vert="horz" wrap="square" lIns="121900" tIns="121900" rIns="121900" bIns="121900" rtlCol="0" anchor="t" anchorCtr="0">
+            <a:noAutofit/>
           </a:bodyPr>
           <a:lstStyle/>
           <a:p>
-            <a:r>
-              <a:rPr lang="en-US" dirty="0" err="1"/>
-              <a:t>Preprocess_input</a:t>
-            </a:r>
-            <a:r>
-              <a:rPr lang="en-US" dirty="0"/>
-              <a:t>()</a:t>
-            </a:r>
-            <a:br>
-              <a:rPr lang="en-US" dirty="0"/>
-            </a:br>
-            <a:endParaRPr lang="en-US" dirty="0"/>
-          </a:p>
-        </p:txBody>
-      </p:sp>
-      <p:cxnSp>
-        <p:nvCxnSpPr>
-          <p:cNvPr id="10" name="Straight Arrow Connector 9">
-            <a:extLst>
-              <a:ext uri="{FF2B5EF4-FFF2-40B4-BE49-F238E27FC236}">
-                <a16:creationId xmlns:a16="http://schemas.microsoft.com/office/drawing/2014/main" id="{E4A809D5-3600-46D4-A466-67F2349A54FB}"/>
-              </a:ext>
-              <a:ext uri="{C183D7F6-B498-43B3-948B-1728B52AA6E4}">
-                <adec:decorative xmlns:adec="http://schemas.microsoft.com/office/drawing/2017/decorative" val="1"/>
-              </a:ext>
-            </a:extLst>
-          </p:cNvPr>
-          <p:cNvCxnSpPr>
-            <a:cxnSpLocks noGrp="1" noRot="1" noChangeAspect="1" noMove="1" noResize="1" noEditPoints="1" noAdjustHandles="1" noChangeArrowheads="1" noChangeShapeType="1"/>
-          </p:cNvCxnSpPr>
-          <p:nvPr>
-            <p:extLst>
-              <p:ext uri="{386F3935-93C4-4BCD-93E2-E3B085C9AB24}">
-                <p16:designElem xmlns:p16="http://schemas.microsoft.com/office/powerpoint/2015/main" val="1"/>
-              </p:ext>
-            </p:extLst>
-          </p:nvPr>
-        </p:nvCxnSpPr>
-        <p:spPr>
-          <a:xfrm>
-            <a:off x="655320" y="2316480"/>
-            <a:ext cx="4572000" cy="0"/>
-          </a:xfrm>
-          <a:prstGeom prst="straightConnector1">
-            <a:avLst/>
-          </a:prstGeom>
-          <a:ln w="19050" cap="sq">
-            <a:solidFill>
-              <a:schemeClr val="tx1"/>
-            </a:solidFill>
-            <a:tailEnd type="none"/>
-          </a:ln>
-        </p:spPr>
-        <p:style>
-          <a:lnRef idx="1">
-            <a:schemeClr val="accent1"/>
-          </a:lnRef>
-          <a:fillRef idx="0">
-            <a:schemeClr val="accent1"/>
-          </a:fillRef>
-          <a:effectRef idx="0">
-            <a:schemeClr val="accent1"/>
-          </a:effectRef>
-          <a:fontRef idx="minor">
-            <a:schemeClr val="tx1"/>
-          </a:fontRef>
-        </p:style>
-      </p:cxnSp>
-      <p:sp>
-        <p:nvSpPr>
-          <p:cNvPr id="3" name="Content Placeholder 2">
-            <a:extLst>
-              <a:ext uri="{FF2B5EF4-FFF2-40B4-BE49-F238E27FC236}">
-                <a16:creationId xmlns:a16="http://schemas.microsoft.com/office/drawing/2014/main" id="{94FF0D7E-D62E-43E8-B4D7-156ADAD549DE}"/>
-              </a:ext>
-            </a:extLst>
-          </p:cNvPr>
-          <p:cNvSpPr>
-            <a:spLocks noGrp="1"/>
-          </p:cNvSpPr>
-          <p:nvPr>
-            <p:ph idx="1"/>
-          </p:nvPr>
-        </p:nvSpPr>
-        <p:spPr>
-          <a:xfrm>
-            <a:off x="655321" y="2575034"/>
-            <a:ext cx="5120113" cy="3462228"/>
-          </a:xfrm>
-        </p:spPr>
-        <p:txBody>
-          <a:bodyPr>
-            <a:normAutofit/>
-          </a:bodyPr>
-          <a:lstStyle/>
-          <a:p>
-            <a:pPr lvl="1"/>
-            <a:r>
-              <a:rPr lang="en-US" sz="1800" dirty="0"/>
-              <a:t>Normalize all the pixels</a:t>
-            </a:r>
-          </a:p>
-          <a:p>
-            <a:pPr lvl="2"/>
-            <a:r>
-              <a:rPr lang="en-US" sz="1800" dirty="0"/>
-              <a:t>Reason: That’s how the model was trained…?</a:t>
-            </a:r>
-          </a:p>
-          <a:p>
-            <a:pPr lvl="3"/>
-            <a:r>
-              <a:rPr lang="en-US" dirty="0"/>
-              <a:t>It helps clearing the noise from different light setting</a:t>
-            </a:r>
-          </a:p>
-          <a:p>
-            <a:pPr lvl="3"/>
-            <a:r>
-              <a:rPr lang="en-US" dirty="0"/>
-              <a:t>Imagine a very dark setting image vs a very light setting image</a:t>
-            </a:r>
-          </a:p>
-          <a:p>
-            <a:pPr lvl="3"/>
-            <a:endParaRPr lang="en-US" dirty="0"/>
+            <a:pPr algn="ctr"/>
+            <a:r>
+              <a:rPr lang="en"/>
+              <a:t>Use Open CV to Read Images</a:t>
+            </a:r>
+            <a:endParaRPr/>
           </a:p>
         </p:txBody>
       </p:sp>
       <p:pic>
         <p:nvPicPr>
-          <p:cNvPr id="5" name="Picture 4">
-            <a:extLst>
-              <a:ext uri="{FF2B5EF4-FFF2-40B4-BE49-F238E27FC236}">
-                <a16:creationId xmlns:a16="http://schemas.microsoft.com/office/drawing/2014/main" id="{1F625729-1324-4B80-99A1-EA3FF2ECC742}"/>
-              </a:ext>
-            </a:extLst>
-          </p:cNvPr>
-          <p:cNvPicPr>
-            <a:picLocks noChangeAspect="1"/>
-          </p:cNvPicPr>
+          <p:cNvPr id="76" name="Google Shape;76;p15"/>
+          <p:cNvPicPr preferRelativeResize="0"/>
           <p:nvPr/>
         </p:nvPicPr>
-        <p:blipFill rotWithShape="1">
-          <a:blip r:embed="rId2">
-            <a:extLst>
-              <a:ext uri="{28A0092B-C50C-407E-A947-70E740481C1C}">
-                <a14:useLocalDpi xmlns:a14="http://schemas.microsoft.com/office/drawing/2010/main" val="0"/>
-              </a:ext>
-            </a:extLst>
+        <p:blipFill>
+          <a:blip r:embed="rId3">
+            <a:alphaModFix/>
           </a:blip>
-          <a:srcRect l="15390" r="33980" b="1"/>
-          <a:stretch/>
+          <a:stretch>
+            <a:fillRect/>
+          </a:stretch>
         </p:blipFill>
         <p:spPr>
           <a:xfrm>
-            <a:off x="5878849" y="10"/>
-            <a:ext cx="6313150" cy="6857987"/>
-          </a:xfrm>
-          <a:custGeom>
+            <a:off x="318618" y="1887285"/>
+            <a:ext cx="5426967" cy="4341567"/>
+          </a:xfrm>
+          <a:prstGeom prst="rect">
             <a:avLst/>
-            <a:gdLst>
-              <a:gd name="connsiteX0" fmla="*/ 65565 w 6313150"/>
-              <a:gd name="connsiteY0" fmla="*/ 0 h 6857997"/>
-              <a:gd name="connsiteX1" fmla="*/ 6313150 w 6313150"/>
-              <a:gd name="connsiteY1" fmla="*/ 0 h 6857997"/>
-              <a:gd name="connsiteX2" fmla="*/ 6313150 w 6313150"/>
-              <a:gd name="connsiteY2" fmla="*/ 6857997 h 6857997"/>
-              <a:gd name="connsiteX3" fmla="*/ 3293946 w 6313150"/>
-              <a:gd name="connsiteY3" fmla="*/ 6857997 h 6857997"/>
-              <a:gd name="connsiteX4" fmla="*/ 3235857 w 6313150"/>
-              <a:gd name="connsiteY4" fmla="*/ 6823061 h 6857997"/>
-              <a:gd name="connsiteX5" fmla="*/ 0 w 6313150"/>
-              <a:gd name="connsiteY5" fmla="*/ 951803 h 6857997"/>
-              <a:gd name="connsiteX6" fmla="*/ 31536 w 6313150"/>
-              <a:gd name="connsiteY6" fmla="*/ 285771 h 6857997"/>
-            </a:gdLst>
-            <a:ahLst/>
-            <a:cxnLst>
-              <a:cxn ang="0">
-                <a:pos x="connsiteX0" y="connsiteY0"/>
-              </a:cxn>
-              <a:cxn ang="0">
-                <a:pos x="connsiteX1" y="connsiteY1"/>
-              </a:cxn>
-              <a:cxn ang="0">
-                <a:pos x="connsiteX2" y="connsiteY2"/>
-              </a:cxn>
-              <a:cxn ang="0">
-                <a:pos x="connsiteX3" y="connsiteY3"/>
-              </a:cxn>
-              <a:cxn ang="0">
-                <a:pos x="connsiteX4" y="connsiteY4"/>
-              </a:cxn>
-              <a:cxn ang="0">
-                <a:pos x="connsiteX5" y="connsiteY5"/>
-              </a:cxn>
-              <a:cxn ang="0">
-                <a:pos x="connsiteX6" y="connsiteY6"/>
-              </a:cxn>
-            </a:cxnLst>
-            <a:rect l="l" t="t" r="r" b="b"/>
-            <a:pathLst>
-              <a:path w="6313150" h="6857997">
-                <a:moveTo>
-                  <a:pt x="65565" y="0"/>
-                </a:moveTo>
-                <a:lnTo>
-                  <a:pt x="6313150" y="0"/>
-                </a:lnTo>
-                <a:lnTo>
-                  <a:pt x="6313150" y="6857997"/>
-                </a:lnTo>
-                <a:lnTo>
-                  <a:pt x="3293946" y="6857997"/>
-                </a:lnTo>
-                <a:lnTo>
-                  <a:pt x="3235857" y="6823061"/>
-                </a:lnTo>
-                <a:cubicBezTo>
-                  <a:pt x="1291240" y="5592803"/>
-                  <a:pt x="0" y="3423096"/>
-                  <a:pt x="0" y="951803"/>
-                </a:cubicBezTo>
-                <a:cubicBezTo>
-                  <a:pt x="0" y="727140"/>
-                  <a:pt x="10673" y="504970"/>
-                  <a:pt x="31536" y="285771"/>
-                </a:cubicBezTo>
-                <a:close/>
-              </a:path>
-            </a:pathLst>
-          </a:custGeom>
+          </a:prstGeom>
+          <a:noFill/>
+          <a:ln>
+            <a:noFill/>
+          </a:ln>
+        </p:spPr>
+      </p:pic>
+      <p:sp>
+        <p:nvSpPr>
+          <p:cNvPr id="77" name="Google Shape;77;p15"/>
+          <p:cNvSpPr txBox="1"/>
+          <p:nvPr/>
+        </p:nvSpPr>
+        <p:spPr>
+          <a:xfrm>
+            <a:off x="318700" y="1887267"/>
+            <a:ext cx="5426800" cy="4341600"/>
+          </a:xfrm>
+          <a:prstGeom prst="rect">
+            <a:avLst/>
+          </a:prstGeom>
+          <a:noFill/>
+          <a:ln>
+            <a:noFill/>
+          </a:ln>
+          <a:effectLst>
+            <a:outerShdw blurRad="57150" dist="19050" dir="5400000" algn="bl" rotWithShape="0">
+              <a:srgbClr val="000000">
+                <a:alpha val="50000"/>
+              </a:srgbClr>
+            </a:outerShdw>
+          </a:effectLst>
+        </p:spPr>
+        <p:txBody>
+          <a:bodyPr spcFirstLastPara="1" wrap="square" lIns="121900" tIns="121900" rIns="121900" bIns="121900" anchor="t" anchorCtr="0">
+            <a:noAutofit/>
+          </a:bodyPr>
+          <a:lstStyle/>
+          <a:p>
+            <a:pPr algn="r"/>
+            <a:r>
+              <a:rPr lang="en" sz="2400">
+                <a:solidFill>
+                  <a:srgbClr val="FFFFFF"/>
+                </a:solidFill>
+              </a:rPr>
+              <a:t>600 x 480</a:t>
+            </a:r>
+            <a:endParaRPr sz="2400">
+              <a:solidFill>
+                <a:srgbClr val="FFFFFF"/>
+              </a:solidFill>
+            </a:endParaRPr>
+          </a:p>
+        </p:txBody>
+      </p:sp>
+      <p:pic>
+        <p:nvPicPr>
+          <p:cNvPr id="78" name="Google Shape;78;p15"/>
+          <p:cNvPicPr preferRelativeResize="0"/>
+          <p:nvPr/>
+        </p:nvPicPr>
+        <p:blipFill>
+          <a:blip r:embed="rId4">
+            <a:alphaModFix/>
+          </a:blip>
+          <a:stretch>
+            <a:fillRect/>
+          </a:stretch>
+        </p:blipFill>
+        <p:spPr>
+          <a:xfrm>
+            <a:off x="6267438" y="3870433"/>
+            <a:ext cx="4733313" cy="2358400"/>
+          </a:xfrm>
+          <a:prstGeom prst="rect">
+            <a:avLst/>
+          </a:prstGeom>
+          <a:noFill/>
+          <a:ln>
+            <a:noFill/>
+          </a:ln>
+        </p:spPr>
+      </p:pic>
+      <p:pic>
+        <p:nvPicPr>
+          <p:cNvPr id="79" name="Google Shape;79;p15"/>
+          <p:cNvPicPr preferRelativeResize="0"/>
+          <p:nvPr/>
+        </p:nvPicPr>
+        <p:blipFill>
+          <a:blip r:embed="rId5">
+            <a:alphaModFix/>
+          </a:blip>
+          <a:stretch>
+            <a:fillRect/>
+          </a:stretch>
+        </p:blipFill>
+        <p:spPr>
+          <a:xfrm>
+            <a:off x="6267434" y="1887301"/>
+            <a:ext cx="4778489" cy="1406567"/>
+          </a:xfrm>
+          <a:prstGeom prst="rect">
+            <a:avLst/>
+          </a:prstGeom>
+          <a:noFill/>
+          <a:ln>
+            <a:noFill/>
+          </a:ln>
         </p:spPr>
       </p:pic>
     </p:spTree>
     <p:extLst>
       <p:ext uri="{BB962C8B-B14F-4D97-AF65-F5344CB8AC3E}">
-        <p14:creationId xmlns:p14="http://schemas.microsoft.com/office/powerpoint/2010/main" val="2631119699"/>
+        <p14:creationId xmlns:p14="http://schemas.microsoft.com/office/powerpoint/2010/main" val="1667189698"/>
       </p:ext>
     </p:extLst>
   </p:cSld>
@@ -9656,17 +12651,9 @@
 <file path=ppt/slides/slide9.xml><?xml version="1.0" encoding="utf-8"?>
 <p:sld xmlns:a="http://schemas.openxmlformats.org/drawingml/2006/main" xmlns:r="http://schemas.openxmlformats.org/officeDocument/2006/relationships" xmlns:p="http://schemas.openxmlformats.org/presentationml/2006/main">
   <p:cSld>
-    <p:bg>
-      <p:bgPr>
-        <a:solidFill>
-          <a:schemeClr val="bg1"/>
-        </a:solidFill>
-        <a:effectLst/>
-      </p:bgPr>
-    </p:bg>
     <p:spTree>
       <p:nvGrpSpPr>
-        <p:cNvPr id="1" name=""/>
+        <p:cNvPr id="1" name="Shape 83"/>
         <p:cNvGrpSpPr/>
         <p:nvPr/>
       </p:nvGrpSpPr>
@@ -9680,14 +12667,8 @@
       </p:grpSpPr>
       <p:sp>
         <p:nvSpPr>
-          <p:cNvPr id="2" name="Title 1">
-            <a:extLst>
-              <a:ext uri="{FF2B5EF4-FFF2-40B4-BE49-F238E27FC236}">
-                <a16:creationId xmlns:a16="http://schemas.microsoft.com/office/drawing/2014/main" id="{073293D6-BC3F-43FB-8A6C-4310B230E8C5}"/>
-              </a:ext>
-            </a:extLst>
-          </p:cNvPr>
-          <p:cNvSpPr>
+          <p:cNvPr id="84" name="Google Shape;84;p16"/>
+          <p:cNvSpPr txBox="1">
             <a:spLocks noGrp="1"/>
           </p:cNvSpPr>
           <p:nvPr>
@@ -9696,99 +12677,37 @@
         </p:nvSpPr>
         <p:spPr>
           <a:xfrm>
-            <a:off x="960100" y="978102"/>
-            <a:ext cx="10588434" cy="1062644"/>
-          </a:xfrm>
+            <a:off x="0" y="0"/>
+            <a:ext cx="12192000" cy="763600"/>
+          </a:xfrm>
+          <a:prstGeom prst="rect">
+            <a:avLst/>
+          </a:prstGeom>
         </p:spPr>
         <p:txBody>
-          <a:bodyPr anchor="b">
-            <a:normAutofit/>
+          <a:bodyPr spcFirstLastPara="1" vert="horz" wrap="square" lIns="121900" tIns="121900" rIns="121900" bIns="121900" rtlCol="0" anchor="t" anchorCtr="0">
+            <a:noAutofit/>
           </a:bodyPr>
           <a:lstStyle/>
           <a:p>
-            <a:r>
-              <a:rPr lang="en-US" dirty="0"/>
-              <a:t>Image Shape</a:t>
-            </a:r>
+            <a:pPr algn="ctr"/>
+            <a:r>
+              <a:rPr lang="en"/>
+              <a:t>Detect, crop, and reshape the image</a:t>
+            </a:r>
+            <a:endParaRPr/>
           </a:p>
         </p:txBody>
       </p:sp>
-      <p:cxnSp>
-        <p:nvCxnSpPr>
-          <p:cNvPr id="23" name="Straight Connector 18">
-            <a:extLst>
-              <a:ext uri="{FF2B5EF4-FFF2-40B4-BE49-F238E27FC236}">
-                <a16:creationId xmlns:a16="http://schemas.microsoft.com/office/drawing/2014/main" id="{39B7FDC9-F0CE-43A7-9F2A-83DD09DC3453}"/>
-              </a:ext>
-              <a:ext uri="{C183D7F6-B498-43B3-948B-1728B52AA6E4}">
-                <adec:decorative xmlns:adec="http://schemas.microsoft.com/office/drawing/2017/decorative" val="1"/>
-              </a:ext>
-            </a:extLst>
-          </p:cNvPr>
-          <p:cNvCxnSpPr>
-            <a:cxnSpLocks noGrp="1" noRot="1" noChangeAspect="1" noMove="1" noResize="1" noEditPoints="1" noAdjustHandles="1" noChangeArrowheads="1" noChangeShapeType="1"/>
-          </p:cNvCxnSpPr>
-          <p:nvPr>
-            <p:extLst>
-              <p:ext uri="{386F3935-93C4-4BCD-93E2-E3B085C9AB24}">
-                <p16:designElem xmlns:p16="http://schemas.microsoft.com/office/powerpoint/2015/main" val="1"/>
-              </p:ext>
-            </p:extLst>
-          </p:nvPr>
-        </p:nvCxnSpPr>
-        <p:spPr>
-          <a:xfrm>
-            <a:off x="1047624" y="2265037"/>
-            <a:ext cx="10125012" cy="0"/>
-          </a:xfrm>
-          <a:prstGeom prst="line">
-            <a:avLst/>
-          </a:prstGeom>
-          <a:ln w="15875">
-            <a:solidFill>
-              <a:schemeClr val="tx1">
-                <a:lumMod val="65000"/>
-                <a:lumOff val="35000"/>
-              </a:schemeClr>
-            </a:solidFill>
-          </a:ln>
-        </p:spPr>
-        <p:style>
-          <a:lnRef idx="1">
-            <a:schemeClr val="accent1"/>
-          </a:lnRef>
-          <a:fillRef idx="0">
-            <a:schemeClr val="accent1"/>
-          </a:fillRef>
-          <a:effectRef idx="0">
-            <a:schemeClr val="accent1"/>
-          </a:effectRef>
-          <a:fontRef idx="minor">
-            <a:schemeClr val="tx1"/>
-          </a:fontRef>
-        </p:style>
-      </p:cxnSp>
       <p:pic>
         <p:nvPicPr>
-          <p:cNvPr id="5" name="Picture 4">
-            <a:extLst>
-              <a:ext uri="{FF2B5EF4-FFF2-40B4-BE49-F238E27FC236}">
-                <a16:creationId xmlns:a16="http://schemas.microsoft.com/office/drawing/2014/main" id="{0FA00B6B-7FEC-437A-92E6-C1D64B269506}"/>
-              </a:ext>
-            </a:extLst>
-          </p:cNvPr>
-          <p:cNvPicPr>
-            <a:picLocks noChangeAspect="1"/>
-          </p:cNvPicPr>
+          <p:cNvPr id="85" name="Google Shape;85;p16"/>
+          <p:cNvPicPr preferRelativeResize="0"/>
           <p:nvPr/>
         </p:nvPicPr>
         <p:blipFill>
-          <a:blip r:embed="rId2">
-            <a:extLst>
-              <a:ext uri="{28A0092B-C50C-407E-A947-70E740481C1C}">
-                <a14:useLocalDpi xmlns:a14="http://schemas.microsoft.com/office/drawing/2010/main" val="0"/>
-              </a:ext>
-            </a:extLst>
+          <a:blip r:embed="rId3">
+            <a:alphaModFix/>
           </a:blip>
           <a:stretch>
             <a:fillRect/>
@@ -9796,79 +12715,146 @@
         </p:blipFill>
         <p:spPr>
           <a:xfrm>
-            <a:off x="1114023" y="2811104"/>
-            <a:ext cx="3366480" cy="1203515"/>
+            <a:off x="1047301" y="1087034"/>
+            <a:ext cx="9204300" cy="2667567"/>
           </a:xfrm>
           <a:prstGeom prst="rect">
             <a:avLst/>
           </a:prstGeom>
+          <a:noFill/>
+          <a:ln>
+            <a:noFill/>
+          </a:ln>
+        </p:spPr>
+      </p:pic>
+      <p:pic>
+        <p:nvPicPr>
+          <p:cNvPr id="86" name="Google Shape;86;p16"/>
+          <p:cNvPicPr preferRelativeResize="0"/>
+          <p:nvPr/>
+        </p:nvPicPr>
+        <p:blipFill>
+          <a:blip r:embed="rId4">
+            <a:alphaModFix/>
+          </a:blip>
+          <a:stretch>
+            <a:fillRect/>
+          </a:stretch>
+        </p:blipFill>
+        <p:spPr>
+          <a:xfrm>
+            <a:off x="2034434" y="3754600"/>
+            <a:ext cx="3325068" cy="2697000"/>
+          </a:xfrm>
+          <a:prstGeom prst="rect">
+            <a:avLst/>
+          </a:prstGeom>
+          <a:noFill/>
+          <a:ln>
+            <a:noFill/>
+          </a:ln>
+        </p:spPr>
+      </p:pic>
+      <p:pic>
+        <p:nvPicPr>
+          <p:cNvPr id="87" name="Google Shape;87;p16"/>
+          <p:cNvPicPr preferRelativeResize="0"/>
+          <p:nvPr/>
+        </p:nvPicPr>
+        <p:blipFill>
+          <a:blip r:embed="rId5">
+            <a:alphaModFix/>
+          </a:blip>
+          <a:stretch>
+            <a:fillRect/>
+          </a:stretch>
+        </p:blipFill>
+        <p:spPr>
+          <a:xfrm>
+            <a:off x="6300701" y="3754600"/>
+            <a:ext cx="2697000" cy="2697000"/>
+          </a:xfrm>
+          <a:prstGeom prst="rect">
+            <a:avLst/>
+          </a:prstGeom>
+          <a:noFill/>
+          <a:ln>
+            <a:noFill/>
+          </a:ln>
         </p:spPr>
       </p:pic>
       <p:sp>
         <p:nvSpPr>
-          <p:cNvPr id="3" name="Content Placeholder 2">
-            <a:extLst>
-              <a:ext uri="{FF2B5EF4-FFF2-40B4-BE49-F238E27FC236}">
-                <a16:creationId xmlns:a16="http://schemas.microsoft.com/office/drawing/2014/main" id="{C79042EA-EB3E-4FED-908D-FAC13AB0CFAD}"/>
-              </a:ext>
-            </a:extLst>
-          </p:cNvPr>
-          <p:cNvSpPr>
-            <a:spLocks noGrp="1"/>
-          </p:cNvSpPr>
-          <p:nvPr>
-            <p:ph idx="1"/>
-          </p:nvPr>
+          <p:cNvPr id="88" name="Google Shape;88;p16"/>
+          <p:cNvSpPr txBox="1"/>
+          <p:nvPr/>
         </p:nvSpPr>
         <p:spPr>
           <a:xfrm>
-            <a:off x="4955354" y="2682433"/>
-            <a:ext cx="6282169" cy="3215749"/>
-          </a:xfrm>
+            <a:off x="6534000" y="6359200"/>
+            <a:ext cx="2230400" cy="498800"/>
+          </a:xfrm>
+          <a:prstGeom prst="rect">
+            <a:avLst/>
+          </a:prstGeom>
+          <a:noFill/>
+          <a:ln>
+            <a:noFill/>
+          </a:ln>
         </p:spPr>
         <p:txBody>
-          <a:bodyPr>
-            <a:normAutofit/>
+          <a:bodyPr spcFirstLastPara="1" wrap="square" lIns="121900" tIns="121900" rIns="121900" bIns="121900" anchor="t" anchorCtr="0">
+            <a:noAutofit/>
           </a:bodyPr>
           <a:lstStyle/>
           <a:p>
-            <a:r>
-              <a:rPr lang="en-US" sz="2400" dirty="0"/>
-              <a:t>The image is an 48 by 48 array of pixels</a:t>
-            </a:r>
-          </a:p>
-          <a:p>
-            <a:r>
-              <a:rPr lang="en-US" sz="2400" dirty="0"/>
-              <a:t>Computer doesn’t understand it.</a:t>
-            </a:r>
-          </a:p>
-          <a:p>
-            <a:r>
-              <a:rPr lang="en-US" sz="2400" dirty="0" err="1"/>
-              <a:t>Np.expand_dims</a:t>
-            </a:r>
-            <a:r>
-              <a:rPr lang="en-US" sz="2400" dirty="0"/>
-              <a:t>(processed, 0) add one bracket to the array, or adding one dimension to it. </a:t>
-            </a:r>
-          </a:p>
-          <a:p>
-            <a:r>
-              <a:rPr lang="en-US" sz="2400" dirty="0" err="1"/>
-              <a:t>Np.expand_dims</a:t>
-            </a:r>
-            <a:r>
-              <a:rPr lang="en-US" sz="2400" dirty="0"/>
-              <a:t>(processed, -1) add one bracket to each pixel</a:t>
-            </a:r>
+            <a:pPr algn="ctr"/>
+            <a:r>
+              <a:rPr lang="en" sz="2400"/>
+              <a:t>48</a:t>
+            </a:r>
+            <a:endParaRPr sz="2400"/>
+          </a:p>
+        </p:txBody>
+      </p:sp>
+      <p:sp>
+        <p:nvSpPr>
+          <p:cNvPr id="89" name="Google Shape;89;p16"/>
+          <p:cNvSpPr txBox="1"/>
+          <p:nvPr/>
+        </p:nvSpPr>
+        <p:spPr>
+          <a:xfrm>
+            <a:off x="8122800" y="4807500"/>
+            <a:ext cx="2230400" cy="498800"/>
+          </a:xfrm>
+          <a:prstGeom prst="rect">
+            <a:avLst/>
+          </a:prstGeom>
+          <a:noFill/>
+          <a:ln>
+            <a:noFill/>
+          </a:ln>
+        </p:spPr>
+        <p:txBody>
+          <a:bodyPr spcFirstLastPara="1" wrap="square" lIns="121900" tIns="121900" rIns="121900" bIns="121900" anchor="t" anchorCtr="0">
+            <a:noAutofit/>
+          </a:bodyPr>
+          <a:lstStyle/>
+          <a:p>
+            <a:pPr algn="ctr"/>
+            <a:r>
+              <a:rPr lang="en" sz="2400"/>
+              <a:t>48</a:t>
+            </a:r>
+            <a:endParaRPr sz="2400"/>
           </a:p>
         </p:txBody>
       </p:sp>
     </p:spTree>
     <p:extLst>
       <p:ext uri="{BB962C8B-B14F-4D97-AF65-F5344CB8AC3E}">
-        <p14:creationId xmlns:p14="http://schemas.microsoft.com/office/powerpoint/2010/main" val="3347786290"/>
+        <p14:creationId xmlns:p14="http://schemas.microsoft.com/office/powerpoint/2010/main" val="3697891574"/>
       </p:ext>
     </p:extLst>
   </p:cSld>
@@ -10171,4 +13157,299 @@
     </a:ext>
   </a:extLst>
 </a:theme>
+</file>
+
+<file path=ppt/theme/theme2.xml><?xml version="1.0" encoding="utf-8"?>
+<a:theme xmlns:a="http://schemas.openxmlformats.org/drawingml/2006/main" name="Office Theme">
+  <a:themeElements>
+    <a:clrScheme name="Office">
+      <a:dk1>
+        <a:sysClr val="windowText" lastClr="000000"/>
+      </a:dk1>
+      <a:lt1>
+        <a:sysClr val="window" lastClr="FFFFFF"/>
+      </a:lt1>
+      <a:dk2>
+        <a:srgbClr val="44546A"/>
+      </a:dk2>
+      <a:lt2>
+        <a:srgbClr val="E7E6E6"/>
+      </a:lt2>
+      <a:accent1>
+        <a:srgbClr val="4472C4"/>
+      </a:accent1>
+      <a:accent2>
+        <a:srgbClr val="ED7D31"/>
+      </a:accent2>
+      <a:accent3>
+        <a:srgbClr val="A5A5A5"/>
+      </a:accent3>
+      <a:accent4>
+        <a:srgbClr val="FFC000"/>
+      </a:accent4>
+      <a:accent5>
+        <a:srgbClr val="5B9BD5"/>
+      </a:accent5>
+      <a:accent6>
+        <a:srgbClr val="70AD47"/>
+      </a:accent6>
+      <a:hlink>
+        <a:srgbClr val="0563C1"/>
+      </a:hlink>
+      <a:folHlink>
+        <a:srgbClr val="954F72"/>
+      </a:folHlink>
+    </a:clrScheme>
+    <a:fontScheme name="Office">
+      <a:majorFont>
+        <a:latin typeface="Calibri Light" panose="020F0302020204030204"/>
+        <a:ea typeface=""/>
+        <a:cs typeface=""/>
+        <a:font script="Jpan" typeface="游ゴシック Light"/>
+        <a:font script="Hang" typeface="맑은 고딕"/>
+        <a:font script="Hans" typeface="等线 Light"/>
+        <a:font script="Hant" typeface="新細明體"/>
+        <a:font script="Arab" typeface="Times New Roman"/>
+        <a:font script="Hebr" typeface="Times New Roman"/>
+        <a:font script="Thai" typeface="Angsana New"/>
+        <a:font script="Ethi" typeface="Nyala"/>
+        <a:font script="Beng" typeface="Vrinda"/>
+        <a:font script="Gujr" typeface="Shruti"/>
+        <a:font script="Khmr" typeface="MoolBoran"/>
+        <a:font script="Knda" typeface="Tunga"/>
+        <a:font script="Guru" typeface="Raavi"/>
+        <a:font script="Cans" typeface="Euphemia"/>
+        <a:font script="Cher" typeface="Plantagenet Cherokee"/>
+        <a:font script="Yiii" typeface="Microsoft Yi Baiti"/>
+        <a:font script="Tibt" typeface="Microsoft Himalaya"/>
+        <a:font script="Thaa" typeface="MV Boli"/>
+        <a:font script="Deva" typeface="Mangal"/>
+        <a:font script="Telu" typeface="Gautami"/>
+        <a:font script="Taml" typeface="Latha"/>
+        <a:font script="Syrc" typeface="Estrangelo Edessa"/>
+        <a:font script="Orya" typeface="Kalinga"/>
+        <a:font script="Mlym" typeface="Kartika"/>
+        <a:font script="Laoo" typeface="DokChampa"/>
+        <a:font script="Sinh" typeface="Iskoola Pota"/>
+        <a:font script="Mong" typeface="Mongolian Baiti"/>
+        <a:font script="Viet" typeface="Times New Roman"/>
+        <a:font script="Uigh" typeface="Microsoft Uighur"/>
+        <a:font script="Geor" typeface="Sylfaen"/>
+        <a:font script="Armn" typeface="Arial"/>
+        <a:font script="Bugi" typeface="Leelawadee UI"/>
+        <a:font script="Bopo" typeface="Microsoft JhengHei"/>
+        <a:font script="Java" typeface="Javanese Text"/>
+        <a:font script="Lisu" typeface="Segoe UI"/>
+        <a:font script="Mymr" typeface="Myanmar Text"/>
+        <a:font script="Nkoo" typeface="Ebrima"/>
+        <a:font script="Olck" typeface="Nirmala UI"/>
+        <a:font script="Osma" typeface="Ebrima"/>
+        <a:font script="Phag" typeface="Phagspa"/>
+        <a:font script="Syrn" typeface="Estrangelo Edessa"/>
+        <a:font script="Syrj" typeface="Estrangelo Edessa"/>
+        <a:font script="Syre" typeface="Estrangelo Edessa"/>
+        <a:font script="Sora" typeface="Nirmala UI"/>
+        <a:font script="Tale" typeface="Microsoft Tai Le"/>
+        <a:font script="Talu" typeface="Microsoft New Tai Lue"/>
+        <a:font script="Tfng" typeface="Ebrima"/>
+      </a:majorFont>
+      <a:minorFont>
+        <a:latin typeface="Calibri" panose="020F0502020204030204"/>
+        <a:ea typeface=""/>
+        <a:cs typeface=""/>
+        <a:font script="Jpan" typeface="游ゴシック"/>
+        <a:font script="Hang" typeface="맑은 고딕"/>
+        <a:font script="Hans" typeface="等线"/>
+        <a:font script="Hant" typeface="新細明體"/>
+        <a:font script="Arab" typeface="Arial"/>
+        <a:font script="Hebr" typeface="Arial"/>
+        <a:font script="Thai" typeface="Cordia New"/>
+        <a:font script="Ethi" typeface="Nyala"/>
+        <a:font script="Beng" typeface="Vrinda"/>
+        <a:font script="Gujr" typeface="Shruti"/>
+        <a:font script="Khmr" typeface="DaunPenh"/>
+        <a:font script="Knda" typeface="Tunga"/>
+        <a:font script="Guru" typeface="Raavi"/>
+        <a:font script="Cans" typeface="Euphemia"/>
+        <a:font script="Cher" typeface="Plantagenet Cherokee"/>
+        <a:font script="Yiii" typeface="Microsoft Yi Baiti"/>
+        <a:font script="Tibt" typeface="Microsoft Himalaya"/>
+        <a:font script="Thaa" typeface="MV Boli"/>
+        <a:font script="Deva" typeface="Mangal"/>
+        <a:font script="Telu" typeface="Gautami"/>
+        <a:font script="Taml" typeface="Latha"/>
+        <a:font script="Syrc" typeface="Estrangelo Edessa"/>
+        <a:font script="Orya" typeface="Kalinga"/>
+        <a:font script="Mlym" typeface="Kartika"/>
+        <a:font script="Laoo" typeface="DokChampa"/>
+        <a:font script="Sinh" typeface="Iskoola Pota"/>
+        <a:font script="Mong" typeface="Mongolian Baiti"/>
+        <a:font script="Viet" typeface="Arial"/>
+        <a:font script="Uigh" typeface="Microsoft Uighur"/>
+        <a:font script="Geor" typeface="Sylfaen"/>
+        <a:font script="Armn" typeface="Arial"/>
+        <a:font script="Bugi" typeface="Leelawadee UI"/>
+        <a:font script="Bopo" typeface="Microsoft JhengHei"/>
+        <a:font script="Java" typeface="Javanese Text"/>
+        <a:font script="Lisu" typeface="Segoe UI"/>
+        <a:font script="Mymr" typeface="Myanmar Text"/>
+        <a:font script="Nkoo" typeface="Ebrima"/>
+        <a:font script="Olck" typeface="Nirmala UI"/>
+        <a:font script="Osma" typeface="Ebrima"/>
+        <a:font script="Phag" typeface="Phagspa"/>
+        <a:font script="Syrn" typeface="Estrangelo Edessa"/>
+        <a:font script="Syrj" typeface="Estrangelo Edessa"/>
+        <a:font script="Syre" typeface="Estrangelo Edessa"/>
+        <a:font script="Sora" typeface="Nirmala UI"/>
+        <a:font script="Tale" typeface="Microsoft Tai Le"/>
+        <a:font script="Talu" typeface="Microsoft New Tai Lue"/>
+        <a:font script="Tfng" typeface="Ebrima"/>
+      </a:minorFont>
+    </a:fontScheme>
+    <a:fmtScheme name="Office">
+      <a:fillStyleLst>
+        <a:solidFill>
+          <a:schemeClr val="phClr"/>
+        </a:solidFill>
+        <a:gradFill rotWithShape="1">
+          <a:gsLst>
+            <a:gs pos="0">
+              <a:schemeClr val="phClr">
+                <a:lumMod val="110000"/>
+                <a:satMod val="105000"/>
+                <a:tint val="67000"/>
+              </a:schemeClr>
+            </a:gs>
+            <a:gs pos="50000">
+              <a:schemeClr val="phClr">
+                <a:lumMod val="105000"/>
+                <a:satMod val="103000"/>
+                <a:tint val="73000"/>
+              </a:schemeClr>
+            </a:gs>
+            <a:gs pos="100000">
+              <a:schemeClr val="phClr">
+                <a:lumMod val="105000"/>
+                <a:satMod val="109000"/>
+                <a:tint val="81000"/>
+              </a:schemeClr>
+            </a:gs>
+          </a:gsLst>
+          <a:lin ang="5400000" scaled="0"/>
+        </a:gradFill>
+        <a:gradFill rotWithShape="1">
+          <a:gsLst>
+            <a:gs pos="0">
+              <a:schemeClr val="phClr">
+                <a:satMod val="103000"/>
+                <a:lumMod val="102000"/>
+                <a:tint val="94000"/>
+              </a:schemeClr>
+            </a:gs>
+            <a:gs pos="50000">
+              <a:schemeClr val="phClr">
+                <a:satMod val="110000"/>
+                <a:lumMod val="100000"/>
+                <a:shade val="100000"/>
+              </a:schemeClr>
+            </a:gs>
+            <a:gs pos="100000">
+              <a:schemeClr val="phClr">
+                <a:lumMod val="99000"/>
+                <a:satMod val="120000"/>
+                <a:shade val="78000"/>
+              </a:schemeClr>
+            </a:gs>
+          </a:gsLst>
+          <a:lin ang="5400000" scaled="0"/>
+        </a:gradFill>
+      </a:fillStyleLst>
+      <a:lnStyleLst>
+        <a:ln w="6350" cap="flat" cmpd="sng" algn="ctr">
+          <a:solidFill>
+            <a:schemeClr val="phClr"/>
+          </a:solidFill>
+          <a:prstDash val="solid"/>
+          <a:miter lim="800000"/>
+        </a:ln>
+        <a:ln w="12700" cap="flat" cmpd="sng" algn="ctr">
+          <a:solidFill>
+            <a:schemeClr val="phClr"/>
+          </a:solidFill>
+          <a:prstDash val="solid"/>
+          <a:miter lim="800000"/>
+        </a:ln>
+        <a:ln w="19050" cap="flat" cmpd="sng" algn="ctr">
+          <a:solidFill>
+            <a:schemeClr val="phClr"/>
+          </a:solidFill>
+          <a:prstDash val="solid"/>
+          <a:miter lim="800000"/>
+        </a:ln>
+      </a:lnStyleLst>
+      <a:effectStyleLst>
+        <a:effectStyle>
+          <a:effectLst/>
+        </a:effectStyle>
+        <a:effectStyle>
+          <a:effectLst/>
+        </a:effectStyle>
+        <a:effectStyle>
+          <a:effectLst>
+            <a:outerShdw blurRad="57150" dist="19050" dir="5400000" algn="ctr" rotWithShape="0">
+              <a:srgbClr val="000000">
+                <a:alpha val="63000"/>
+              </a:srgbClr>
+            </a:outerShdw>
+          </a:effectLst>
+        </a:effectStyle>
+      </a:effectStyleLst>
+      <a:bgFillStyleLst>
+        <a:solidFill>
+          <a:schemeClr val="phClr"/>
+        </a:solidFill>
+        <a:solidFill>
+          <a:schemeClr val="phClr">
+            <a:tint val="95000"/>
+            <a:satMod val="170000"/>
+          </a:schemeClr>
+        </a:solidFill>
+        <a:gradFill rotWithShape="1">
+          <a:gsLst>
+            <a:gs pos="0">
+              <a:schemeClr val="phClr">
+                <a:tint val="93000"/>
+                <a:satMod val="150000"/>
+                <a:shade val="98000"/>
+                <a:lumMod val="102000"/>
+              </a:schemeClr>
+            </a:gs>
+            <a:gs pos="50000">
+              <a:schemeClr val="phClr">
+                <a:tint val="98000"/>
+                <a:satMod val="130000"/>
+                <a:shade val="90000"/>
+                <a:lumMod val="103000"/>
+              </a:schemeClr>
+            </a:gs>
+            <a:gs pos="100000">
+              <a:schemeClr val="phClr">
+                <a:shade val="63000"/>
+                <a:satMod val="120000"/>
+              </a:schemeClr>
+            </a:gs>
+          </a:gsLst>
+          <a:lin ang="5400000" scaled="0"/>
+        </a:gradFill>
+      </a:bgFillStyleLst>
+    </a:fmtScheme>
+  </a:themeElements>
+  <a:objectDefaults/>
+  <a:extraClrSchemeLst/>
+  <a:extLst>
+    <a:ext uri="{05A4C25C-085E-4340-85A3-A5531E510DB2}">
+      <thm15:themeFamily xmlns:thm15="http://schemas.microsoft.com/office/thememl/2012/main" name="Office Theme" id="{62F939B6-93AF-4DB8-9C6B-D6C7DFDC589F}" vid="{4A3C46E8-61CC-4603-A589-7422A47A8E4A}"/>
+    </a:ext>
+  </a:extLst>
+</a:theme>
 </file>
--- a/GGG PPT.pptx
+++ b/GGG PPT.pptx
@@ -5,25 +5,26 @@
     <p:sldMasterId id="2147483648" r:id="rId1"/>
   </p:sldMasterIdLst>
   <p:notesMasterIdLst>
-    <p:notesMasterId r:id="rId18"/>
+    <p:notesMasterId r:id="rId19"/>
   </p:notesMasterIdLst>
   <p:sldIdLst>
     <p:sldId id="261" r:id="rId2"/>
-    <p:sldId id="273" r:id="rId3"/>
-    <p:sldId id="266" r:id="rId4"/>
-    <p:sldId id="269" r:id="rId5"/>
-    <p:sldId id="270" r:id="rId6"/>
-    <p:sldId id="256" r:id="rId7"/>
-    <p:sldId id="274" r:id="rId8"/>
-    <p:sldId id="275" r:id="rId9"/>
-    <p:sldId id="276" r:id="rId10"/>
-    <p:sldId id="260" r:id="rId11"/>
-    <p:sldId id="277" r:id="rId12"/>
-    <p:sldId id="262" r:id="rId13"/>
-    <p:sldId id="263" r:id="rId14"/>
-    <p:sldId id="257" r:id="rId15"/>
-    <p:sldId id="258" r:id="rId16"/>
-    <p:sldId id="259" r:id="rId17"/>
+    <p:sldId id="266" r:id="rId3"/>
+    <p:sldId id="273" r:id="rId4"/>
+    <p:sldId id="278" r:id="rId5"/>
+    <p:sldId id="269" r:id="rId6"/>
+    <p:sldId id="270" r:id="rId7"/>
+    <p:sldId id="256" r:id="rId8"/>
+    <p:sldId id="274" r:id="rId9"/>
+    <p:sldId id="275" r:id="rId10"/>
+    <p:sldId id="276" r:id="rId11"/>
+    <p:sldId id="260" r:id="rId12"/>
+    <p:sldId id="277" r:id="rId13"/>
+    <p:sldId id="262" r:id="rId14"/>
+    <p:sldId id="263" r:id="rId15"/>
+    <p:sldId id="257" r:id="rId16"/>
+    <p:sldId id="258" r:id="rId17"/>
+    <p:sldId id="259" r:id="rId18"/>
   </p:sldIdLst>
   <p:sldSz cx="12192000" cy="6858000"/>
   <p:notesSz cx="6858000" cy="9144000"/>
@@ -508,8 +509,8 @@
         </p:nvSpPr>
         <p:spPr>
           <a:xfrm>
-            <a:off x="381300" y="685800"/>
-            <a:ext cx="6096075" cy="3429000"/>
+            <a:off x="381000" y="685800"/>
+            <a:ext cx="6096000" cy="3429000"/>
           </a:xfrm>
           <a:custGeom>
             <a:avLst/>
@@ -617,7 +618,7 @@
         </p:nvSpPr>
         <p:spPr>
           <a:xfrm>
-            <a:off x="381300" y="685800"/>
+            <a:off x="381000" y="685800"/>
             <a:ext cx="6096000" cy="3429000"/>
           </a:xfrm>
           <a:custGeom>
@@ -726,7 +727,7 @@
         </p:nvSpPr>
         <p:spPr>
           <a:xfrm>
-            <a:off x="381300" y="685800"/>
+            <a:off x="381000" y="685800"/>
             <a:ext cx="6096000" cy="3429000"/>
           </a:xfrm>
           <a:custGeom>
@@ -835,7 +836,7 @@
         </p:nvSpPr>
         <p:spPr>
           <a:xfrm>
-            <a:off x="381300" y="685800"/>
+            <a:off x="381000" y="685800"/>
             <a:ext cx="6096000" cy="3429000"/>
           </a:xfrm>
           <a:custGeom>
@@ -944,7 +945,7 @@
         </p:nvSpPr>
         <p:spPr>
           <a:xfrm>
-            <a:off x="381300" y="685800"/>
+            <a:off x="381000" y="685800"/>
             <a:ext cx="6096000" cy="3429000"/>
           </a:xfrm>
           <a:custGeom>
@@ -1053,7 +1054,7 @@
         </p:nvSpPr>
         <p:spPr>
           <a:xfrm>
-            <a:off x="381300" y="685800"/>
+            <a:off x="381000" y="685800"/>
             <a:ext cx="6096000" cy="3429000"/>
           </a:xfrm>
           <a:custGeom>
@@ -1271,7 +1272,7 @@
         </p:nvSpPr>
         <p:spPr>
           <a:xfrm>
-            <a:off x="381300" y="685800"/>
+            <a:off x="381000" y="685800"/>
             <a:ext cx="6096000" cy="3429000"/>
           </a:xfrm>
           <a:custGeom>
@@ -9433,6 +9434,222 @@
   <p:cSld>
     <p:spTree>
       <p:nvGrpSpPr>
+        <p:cNvPr id="1" name="Shape 83"/>
+        <p:cNvGrpSpPr/>
+        <p:nvPr/>
+      </p:nvGrpSpPr>
+      <p:grpSpPr>
+        <a:xfrm>
+          <a:off x="0" y="0"/>
+          <a:ext cx="0" cy="0"/>
+          <a:chOff x="0" y="0"/>
+          <a:chExt cx="0" cy="0"/>
+        </a:xfrm>
+      </p:grpSpPr>
+      <p:sp>
+        <p:nvSpPr>
+          <p:cNvPr id="84" name="Google Shape;84;p16"/>
+          <p:cNvSpPr txBox="1">
+            <a:spLocks noGrp="1"/>
+          </p:cNvSpPr>
+          <p:nvPr>
+            <p:ph type="title"/>
+          </p:nvPr>
+        </p:nvSpPr>
+        <p:spPr>
+          <a:xfrm>
+            <a:off x="0" y="0"/>
+            <a:ext cx="12192000" cy="763600"/>
+          </a:xfrm>
+          <a:prstGeom prst="rect">
+            <a:avLst/>
+          </a:prstGeom>
+        </p:spPr>
+        <p:txBody>
+          <a:bodyPr spcFirstLastPara="1" vert="horz" wrap="square" lIns="121900" tIns="121900" rIns="121900" bIns="121900" rtlCol="0" anchor="t" anchorCtr="0">
+            <a:noAutofit/>
+          </a:bodyPr>
+          <a:lstStyle/>
+          <a:p>
+            <a:pPr algn="ctr"/>
+            <a:r>
+              <a:rPr lang="en"/>
+              <a:t>Detect, crop, and reshape the image</a:t>
+            </a:r>
+            <a:endParaRPr/>
+          </a:p>
+        </p:txBody>
+      </p:sp>
+      <p:pic>
+        <p:nvPicPr>
+          <p:cNvPr id="85" name="Google Shape;85;p16"/>
+          <p:cNvPicPr preferRelativeResize="0"/>
+          <p:nvPr/>
+        </p:nvPicPr>
+        <p:blipFill>
+          <a:blip r:embed="rId3">
+            <a:alphaModFix/>
+          </a:blip>
+          <a:stretch>
+            <a:fillRect/>
+          </a:stretch>
+        </p:blipFill>
+        <p:spPr>
+          <a:xfrm>
+            <a:off x="1047301" y="1087034"/>
+            <a:ext cx="9204300" cy="2667567"/>
+          </a:xfrm>
+          <a:prstGeom prst="rect">
+            <a:avLst/>
+          </a:prstGeom>
+          <a:noFill/>
+          <a:ln>
+            <a:noFill/>
+          </a:ln>
+        </p:spPr>
+      </p:pic>
+      <p:pic>
+        <p:nvPicPr>
+          <p:cNvPr id="86" name="Google Shape;86;p16"/>
+          <p:cNvPicPr preferRelativeResize="0"/>
+          <p:nvPr/>
+        </p:nvPicPr>
+        <p:blipFill>
+          <a:blip r:embed="rId4">
+            <a:alphaModFix/>
+          </a:blip>
+          <a:stretch>
+            <a:fillRect/>
+          </a:stretch>
+        </p:blipFill>
+        <p:spPr>
+          <a:xfrm>
+            <a:off x="2034434" y="3754600"/>
+            <a:ext cx="3325068" cy="2697000"/>
+          </a:xfrm>
+          <a:prstGeom prst="rect">
+            <a:avLst/>
+          </a:prstGeom>
+          <a:noFill/>
+          <a:ln>
+            <a:noFill/>
+          </a:ln>
+        </p:spPr>
+      </p:pic>
+      <p:pic>
+        <p:nvPicPr>
+          <p:cNvPr id="87" name="Google Shape;87;p16"/>
+          <p:cNvPicPr preferRelativeResize="0"/>
+          <p:nvPr/>
+        </p:nvPicPr>
+        <p:blipFill>
+          <a:blip r:embed="rId5">
+            <a:alphaModFix/>
+          </a:blip>
+          <a:stretch>
+            <a:fillRect/>
+          </a:stretch>
+        </p:blipFill>
+        <p:spPr>
+          <a:xfrm>
+            <a:off x="6300701" y="3754600"/>
+            <a:ext cx="2697000" cy="2697000"/>
+          </a:xfrm>
+          <a:prstGeom prst="rect">
+            <a:avLst/>
+          </a:prstGeom>
+          <a:noFill/>
+          <a:ln>
+            <a:noFill/>
+          </a:ln>
+        </p:spPr>
+      </p:pic>
+      <p:sp>
+        <p:nvSpPr>
+          <p:cNvPr id="88" name="Google Shape;88;p16"/>
+          <p:cNvSpPr txBox="1"/>
+          <p:nvPr/>
+        </p:nvSpPr>
+        <p:spPr>
+          <a:xfrm>
+            <a:off x="6534000" y="6359200"/>
+            <a:ext cx="2230400" cy="498800"/>
+          </a:xfrm>
+          <a:prstGeom prst="rect">
+            <a:avLst/>
+          </a:prstGeom>
+          <a:noFill/>
+          <a:ln>
+            <a:noFill/>
+          </a:ln>
+        </p:spPr>
+        <p:txBody>
+          <a:bodyPr spcFirstLastPara="1" wrap="square" lIns="121900" tIns="121900" rIns="121900" bIns="121900" anchor="t" anchorCtr="0">
+            <a:noAutofit/>
+          </a:bodyPr>
+          <a:lstStyle/>
+          <a:p>
+            <a:pPr algn="ctr"/>
+            <a:r>
+              <a:rPr lang="en" sz="2400"/>
+              <a:t>48</a:t>
+            </a:r>
+            <a:endParaRPr sz="2400"/>
+          </a:p>
+        </p:txBody>
+      </p:sp>
+      <p:sp>
+        <p:nvSpPr>
+          <p:cNvPr id="89" name="Google Shape;89;p16"/>
+          <p:cNvSpPr txBox="1"/>
+          <p:nvPr/>
+        </p:nvSpPr>
+        <p:spPr>
+          <a:xfrm>
+            <a:off x="8122800" y="4807500"/>
+            <a:ext cx="2230400" cy="498800"/>
+          </a:xfrm>
+          <a:prstGeom prst="rect">
+            <a:avLst/>
+          </a:prstGeom>
+          <a:noFill/>
+          <a:ln>
+            <a:noFill/>
+          </a:ln>
+        </p:spPr>
+        <p:txBody>
+          <a:bodyPr spcFirstLastPara="1" wrap="square" lIns="121900" tIns="121900" rIns="121900" bIns="121900" anchor="t" anchorCtr="0">
+            <a:noAutofit/>
+          </a:bodyPr>
+          <a:lstStyle/>
+          <a:p>
+            <a:pPr algn="ctr"/>
+            <a:r>
+              <a:rPr lang="en" sz="2400"/>
+              <a:t>48</a:t>
+            </a:r>
+            <a:endParaRPr sz="2400"/>
+          </a:p>
+        </p:txBody>
+      </p:sp>
+    </p:spTree>
+    <p:extLst>
+      <p:ext uri="{BB962C8B-B14F-4D97-AF65-F5344CB8AC3E}">
+        <p14:creationId xmlns:p14="http://schemas.microsoft.com/office/powerpoint/2010/main" val="3697891574"/>
+      </p:ext>
+    </p:extLst>
+  </p:cSld>
+  <p:clrMapOvr>
+    <a:masterClrMapping/>
+  </p:clrMapOvr>
+</p:sld>
+</file>
+
+<file path=ppt/slides/slide11.xml><?xml version="1.0" encoding="utf-8"?>
+<p:sld xmlns:a="http://schemas.openxmlformats.org/drawingml/2006/main" xmlns:r="http://schemas.openxmlformats.org/officeDocument/2006/relationships" xmlns:p="http://schemas.openxmlformats.org/presentationml/2006/main">
+  <p:cSld>
+    <p:spTree>
+      <p:nvGrpSpPr>
         <p:cNvPr id="1" name="Shape 93"/>
         <p:cNvGrpSpPr/>
         <p:nvPr/>
@@ -9717,6 +9934,155 @@
           </a:p>
         </p:txBody>
       </p:sp>
+      <p:sp>
+        <p:nvSpPr>
+          <p:cNvPr id="11" name="Title 1">
+            <a:extLst>
+              <a:ext uri="{FF2B5EF4-FFF2-40B4-BE49-F238E27FC236}">
+                <a16:creationId xmlns:a16="http://schemas.microsoft.com/office/drawing/2014/main" id="{DBEEA472-C8C3-5B48-84CC-7F0B6A7BE0C1}"/>
+              </a:ext>
+            </a:extLst>
+          </p:cNvPr>
+          <p:cNvSpPr txBox="1">
+            <a:spLocks/>
+          </p:cNvSpPr>
+          <p:nvPr/>
+        </p:nvSpPr>
+        <p:spPr>
+          <a:xfrm>
+            <a:off x="10544782" y="6010549"/>
+            <a:ext cx="1491575" cy="868504"/>
+          </a:xfrm>
+          <a:prstGeom prst="rect">
+            <a:avLst/>
+          </a:prstGeom>
+        </p:spPr>
+        <p:txBody>
+          <a:bodyPr spcFirstLastPara="1" vert="horz" wrap="square" lIns="91425" tIns="91425" rIns="91425" bIns="91425" rtlCol="0" anchor="t" anchorCtr="0">
+            <a:normAutofit fontScale="85000" lnSpcReduction="10000"/>
+          </a:bodyPr>
+          <a:lstStyle>
+            <a:lvl1pPr lvl="0" algn="l" defTabSz="914400" rtl="0" eaLnBrk="1" latinLnBrk="0" hangingPunct="1">
+              <a:lnSpc>
+                <a:spcPct val="90000"/>
+              </a:lnSpc>
+              <a:spcBef>
+                <a:spcPts val="0"/>
+              </a:spcBef>
+              <a:spcAft>
+                <a:spcPts val="0"/>
+              </a:spcAft>
+              <a:buSzPts val="2800"/>
+              <a:buNone/>
+              <a:defRPr sz="4400" kern="1200">
+                <a:solidFill>
+                  <a:schemeClr val="tx1"/>
+                </a:solidFill>
+                <a:latin typeface="+mj-lt"/>
+                <a:ea typeface="+mj-ea"/>
+                <a:cs typeface="+mj-cs"/>
+              </a:defRPr>
+            </a:lvl1pPr>
+            <a:lvl2pPr lvl="1">
+              <a:spcBef>
+                <a:spcPts val="0"/>
+              </a:spcBef>
+              <a:spcAft>
+                <a:spcPts val="0"/>
+              </a:spcAft>
+              <a:buSzPts val="2800"/>
+              <a:buNone/>
+              <a:defRPr/>
+            </a:lvl2pPr>
+            <a:lvl3pPr lvl="2">
+              <a:spcBef>
+                <a:spcPts val="0"/>
+              </a:spcBef>
+              <a:spcAft>
+                <a:spcPts val="0"/>
+              </a:spcAft>
+              <a:buSzPts val="2800"/>
+              <a:buNone/>
+              <a:defRPr/>
+            </a:lvl3pPr>
+            <a:lvl4pPr lvl="3">
+              <a:spcBef>
+                <a:spcPts val="0"/>
+              </a:spcBef>
+              <a:spcAft>
+                <a:spcPts val="0"/>
+              </a:spcAft>
+              <a:buSzPts val="2800"/>
+              <a:buNone/>
+              <a:defRPr/>
+            </a:lvl4pPr>
+            <a:lvl5pPr lvl="4">
+              <a:spcBef>
+                <a:spcPts val="0"/>
+              </a:spcBef>
+              <a:spcAft>
+                <a:spcPts val="0"/>
+              </a:spcAft>
+              <a:buSzPts val="2800"/>
+              <a:buNone/>
+              <a:defRPr/>
+            </a:lvl5pPr>
+            <a:lvl6pPr lvl="5">
+              <a:spcBef>
+                <a:spcPts val="0"/>
+              </a:spcBef>
+              <a:spcAft>
+                <a:spcPts val="0"/>
+              </a:spcAft>
+              <a:buSzPts val="2800"/>
+              <a:buNone/>
+              <a:defRPr/>
+            </a:lvl6pPr>
+            <a:lvl7pPr lvl="6">
+              <a:spcBef>
+                <a:spcPts val="0"/>
+              </a:spcBef>
+              <a:spcAft>
+                <a:spcPts val="0"/>
+              </a:spcAft>
+              <a:buSzPts val="2800"/>
+              <a:buNone/>
+              <a:defRPr/>
+            </a:lvl7pPr>
+            <a:lvl8pPr lvl="7">
+              <a:spcBef>
+                <a:spcPts val="0"/>
+              </a:spcBef>
+              <a:spcAft>
+                <a:spcPts val="0"/>
+              </a:spcAft>
+              <a:buSzPts val="2800"/>
+              <a:buNone/>
+              <a:defRPr/>
+            </a:lvl8pPr>
+            <a:lvl9pPr lvl="8">
+              <a:spcBef>
+                <a:spcPts val="0"/>
+              </a:spcBef>
+              <a:spcAft>
+                <a:spcPts val="0"/>
+              </a:spcAft>
+              <a:buSzPts val="2800"/>
+              <a:buNone/>
+              <a:defRPr/>
+            </a:lvl9pPr>
+          </a:lstStyle>
+          <a:p>
+            <a:r>
+              <a:rPr lang="en-US" dirty="0">
+                <a:latin typeface="Arial" panose="020B0604020202020204" pitchFamily="34" charset="0"/>
+                <a:cs typeface="Arial" panose="020B0604020202020204" pitchFamily="34" charset="0"/>
+              </a:rPr>
+              <a:t>Demo</a:t>
+            </a:r>
+          </a:p>
+        </p:txBody>
+      </p:sp>
     </p:spTree>
     <p:extLst>
       <p:ext uri="{BB962C8B-B14F-4D97-AF65-F5344CB8AC3E}">
@@ -9730,7 +10096,7 @@
 </p:sld>
 </file>
 
-<file path=ppt/slides/slide11.xml><?xml version="1.0" encoding="utf-8"?>
+<file path=ppt/slides/slide12.xml><?xml version="1.0" encoding="utf-8"?>
 <p:sld xmlns:a="http://schemas.openxmlformats.org/drawingml/2006/main" xmlns:r="http://schemas.openxmlformats.org/officeDocument/2006/relationships" xmlns:p="http://schemas.openxmlformats.org/presentationml/2006/main">
   <p:cSld>
     <p:spTree>
@@ -9921,7 +10287,7 @@
 </p:sld>
 </file>
 
-<file path=ppt/slides/slide12.xml><?xml version="1.0" encoding="utf-8"?>
+<file path=ppt/slides/slide13.xml><?xml version="1.0" encoding="utf-8"?>
 <p:sld xmlns:a="http://schemas.openxmlformats.org/drawingml/2006/main" xmlns:r="http://schemas.openxmlformats.org/officeDocument/2006/relationships" xmlns:p="http://schemas.openxmlformats.org/presentationml/2006/main">
   <p:cSld>
     <p:spTree>
@@ -10056,6 +10422,155 @@
           </a:ln>
         </p:spPr>
       </p:pic>
+      <p:sp>
+        <p:nvSpPr>
+          <p:cNvPr id="6" name="Title 1">
+            <a:extLst>
+              <a:ext uri="{FF2B5EF4-FFF2-40B4-BE49-F238E27FC236}">
+                <a16:creationId xmlns:a16="http://schemas.microsoft.com/office/drawing/2014/main" id="{657B238F-533B-B64E-8ABC-ACCFCB12E12A}"/>
+              </a:ext>
+            </a:extLst>
+          </p:cNvPr>
+          <p:cNvSpPr txBox="1">
+            <a:spLocks/>
+          </p:cNvSpPr>
+          <p:nvPr/>
+        </p:nvSpPr>
+        <p:spPr>
+          <a:xfrm>
+            <a:off x="10544782" y="6010549"/>
+            <a:ext cx="1491575" cy="868504"/>
+          </a:xfrm>
+          <a:prstGeom prst="rect">
+            <a:avLst/>
+          </a:prstGeom>
+        </p:spPr>
+        <p:txBody>
+          <a:bodyPr spcFirstLastPara="1" vert="horz" wrap="square" lIns="91425" tIns="91425" rIns="91425" bIns="91425" rtlCol="0" anchor="t" anchorCtr="0">
+            <a:normAutofit fontScale="85000" lnSpcReduction="10000"/>
+          </a:bodyPr>
+          <a:lstStyle>
+            <a:lvl1pPr lvl="0" algn="l" defTabSz="914400" rtl="0" eaLnBrk="1" latinLnBrk="0" hangingPunct="1">
+              <a:lnSpc>
+                <a:spcPct val="90000"/>
+              </a:lnSpc>
+              <a:spcBef>
+                <a:spcPts val="0"/>
+              </a:spcBef>
+              <a:spcAft>
+                <a:spcPts val="0"/>
+              </a:spcAft>
+              <a:buSzPts val="2800"/>
+              <a:buNone/>
+              <a:defRPr sz="4400" kern="1200">
+                <a:solidFill>
+                  <a:schemeClr val="tx1"/>
+                </a:solidFill>
+                <a:latin typeface="+mj-lt"/>
+                <a:ea typeface="+mj-ea"/>
+                <a:cs typeface="+mj-cs"/>
+              </a:defRPr>
+            </a:lvl1pPr>
+            <a:lvl2pPr lvl="1">
+              <a:spcBef>
+                <a:spcPts val="0"/>
+              </a:spcBef>
+              <a:spcAft>
+                <a:spcPts val="0"/>
+              </a:spcAft>
+              <a:buSzPts val="2800"/>
+              <a:buNone/>
+              <a:defRPr/>
+            </a:lvl2pPr>
+            <a:lvl3pPr lvl="2">
+              <a:spcBef>
+                <a:spcPts val="0"/>
+              </a:spcBef>
+              <a:spcAft>
+                <a:spcPts val="0"/>
+              </a:spcAft>
+              <a:buSzPts val="2800"/>
+              <a:buNone/>
+              <a:defRPr/>
+            </a:lvl3pPr>
+            <a:lvl4pPr lvl="3">
+              <a:spcBef>
+                <a:spcPts val="0"/>
+              </a:spcBef>
+              <a:spcAft>
+                <a:spcPts val="0"/>
+              </a:spcAft>
+              <a:buSzPts val="2800"/>
+              <a:buNone/>
+              <a:defRPr/>
+            </a:lvl4pPr>
+            <a:lvl5pPr lvl="4">
+              <a:spcBef>
+                <a:spcPts val="0"/>
+              </a:spcBef>
+              <a:spcAft>
+                <a:spcPts val="0"/>
+              </a:spcAft>
+              <a:buSzPts val="2800"/>
+              <a:buNone/>
+              <a:defRPr/>
+            </a:lvl5pPr>
+            <a:lvl6pPr lvl="5">
+              <a:spcBef>
+                <a:spcPts val="0"/>
+              </a:spcBef>
+              <a:spcAft>
+                <a:spcPts val="0"/>
+              </a:spcAft>
+              <a:buSzPts val="2800"/>
+              <a:buNone/>
+              <a:defRPr/>
+            </a:lvl6pPr>
+            <a:lvl7pPr lvl="6">
+              <a:spcBef>
+                <a:spcPts val="0"/>
+              </a:spcBef>
+              <a:spcAft>
+                <a:spcPts val="0"/>
+              </a:spcAft>
+              <a:buSzPts val="2800"/>
+              <a:buNone/>
+              <a:defRPr/>
+            </a:lvl7pPr>
+            <a:lvl8pPr lvl="7">
+              <a:spcBef>
+                <a:spcPts val="0"/>
+              </a:spcBef>
+              <a:spcAft>
+                <a:spcPts val="0"/>
+              </a:spcAft>
+              <a:buSzPts val="2800"/>
+              <a:buNone/>
+              <a:defRPr/>
+            </a:lvl8pPr>
+            <a:lvl9pPr lvl="8">
+              <a:spcBef>
+                <a:spcPts val="0"/>
+              </a:spcBef>
+              <a:spcAft>
+                <a:spcPts val="0"/>
+              </a:spcAft>
+              <a:buSzPts val="2800"/>
+              <a:buNone/>
+              <a:defRPr/>
+            </a:lvl9pPr>
+          </a:lstStyle>
+          <a:p>
+            <a:r>
+              <a:rPr lang="en-US" dirty="0">
+                <a:latin typeface="Arial" panose="020B0604020202020204" pitchFamily="34" charset="0"/>
+                <a:cs typeface="Arial" panose="020B0604020202020204" pitchFamily="34" charset="0"/>
+              </a:rPr>
+              <a:t>Demo</a:t>
+            </a:r>
+          </a:p>
+        </p:txBody>
+      </p:sp>
     </p:spTree>
     <p:extLst>
       <p:ext uri="{BB962C8B-B14F-4D97-AF65-F5344CB8AC3E}">
@@ -10069,7 +10584,7 @@
 </p:sld>
 </file>
 
-<file path=ppt/slides/slide13.xml><?xml version="1.0" encoding="utf-8"?>
+<file path=ppt/slides/slide14.xml><?xml version="1.0" encoding="utf-8"?>
 <p:sld xmlns:a="http://schemas.openxmlformats.org/drawingml/2006/main" xmlns:r="http://schemas.openxmlformats.org/officeDocument/2006/relationships" xmlns:p="http://schemas.openxmlformats.org/presentationml/2006/main">
   <p:cSld>
     <p:spTree>
@@ -10189,7 +10704,7 @@
 </p:sld>
 </file>
 
-<file path=ppt/slides/slide14.xml><?xml version="1.0" encoding="utf-8"?>
+<file path=ppt/slides/slide15.xml><?xml version="1.0" encoding="utf-8"?>
 <p:sld xmlns:a="http://schemas.openxmlformats.org/drawingml/2006/main" xmlns:r="http://schemas.openxmlformats.org/officeDocument/2006/relationships" xmlns:p="http://schemas.openxmlformats.org/presentationml/2006/main">
   <p:cSld>
     <p:bg>
@@ -10257,59 +10772,6 @@
           </a:p>
         </p:txBody>
       </p:sp>
-      <p:cxnSp>
-        <p:nvCxnSpPr>
-          <p:cNvPr id="10" name="Straight Arrow Connector 9">
-            <a:extLst>
-              <a:ext uri="{FF2B5EF4-FFF2-40B4-BE49-F238E27FC236}">
-                <a16:creationId xmlns:a16="http://schemas.microsoft.com/office/drawing/2014/main" id="{E4A809D5-3600-46D4-A466-67F2349A54FB}"/>
-              </a:ext>
-              <a:ext uri="{C183D7F6-B498-43B3-948B-1728B52AA6E4}">
-                <adec:decorative xmlns:adec="http://schemas.microsoft.com/office/drawing/2017/decorative" val="1"/>
-              </a:ext>
-            </a:extLst>
-          </p:cNvPr>
-          <p:cNvCxnSpPr>
-            <a:cxnSpLocks noGrp="1" noRot="1" noChangeAspect="1" noMove="1" noResize="1" noEditPoints="1" noAdjustHandles="1" noChangeArrowheads="1" noChangeShapeType="1"/>
-          </p:cNvCxnSpPr>
-          <p:nvPr>
-            <p:extLst>
-              <p:ext uri="{386F3935-93C4-4BCD-93E2-E3B085C9AB24}">
-                <p16:designElem xmlns:p16="http://schemas.microsoft.com/office/powerpoint/2015/main" val="1"/>
-              </p:ext>
-            </p:extLst>
-          </p:nvPr>
-        </p:nvCxnSpPr>
-        <p:spPr>
-          <a:xfrm>
-            <a:off x="655320" y="2316480"/>
-            <a:ext cx="4572000" cy="0"/>
-          </a:xfrm>
-          <a:prstGeom prst="straightConnector1">
-            <a:avLst/>
-          </a:prstGeom>
-          <a:ln w="19050" cap="sq">
-            <a:solidFill>
-              <a:schemeClr val="tx1"/>
-            </a:solidFill>
-            <a:tailEnd type="none"/>
-          </a:ln>
-        </p:spPr>
-        <p:style>
-          <a:lnRef idx="1">
-            <a:schemeClr val="accent1"/>
-          </a:lnRef>
-          <a:fillRef idx="0">
-            <a:schemeClr val="accent1"/>
-          </a:fillRef>
-          <a:effectRef idx="0">
-            <a:schemeClr val="accent1"/>
-          </a:effectRef>
-          <a:fontRef idx="minor">
-            <a:schemeClr val="tx1"/>
-          </a:fontRef>
-        </p:style>
-      </p:cxnSp>
       <p:sp>
         <p:nvSpPr>
           <p:cNvPr id="3" name="Content Placeholder 2">
@@ -10490,7 +10952,7 @@
 </p:sld>
 </file>
 
-<file path=ppt/slides/slide15.xml><?xml version="1.0" encoding="utf-8"?>
+<file path=ppt/slides/slide16.xml><?xml version="1.0" encoding="utf-8"?>
 <p:sld xmlns:a="http://schemas.openxmlformats.org/drawingml/2006/main" xmlns:r="http://schemas.openxmlformats.org/officeDocument/2006/relationships" xmlns:p="http://schemas.openxmlformats.org/presentationml/2006/main">
   <p:cSld>
     <p:bg>
@@ -10550,61 +11012,67 @@
           </a:p>
         </p:txBody>
       </p:sp>
-      <p:cxnSp>
-        <p:nvCxnSpPr>
-          <p:cNvPr id="23" name="Straight Connector 18">
+      <p:sp>
+        <p:nvSpPr>
+          <p:cNvPr id="3" name="Content Placeholder 2">
             <a:extLst>
               <a:ext uri="{FF2B5EF4-FFF2-40B4-BE49-F238E27FC236}">
-                <a16:creationId xmlns:a16="http://schemas.microsoft.com/office/drawing/2014/main" id="{39B7FDC9-F0CE-43A7-9F2A-83DD09DC3453}"/>
-              </a:ext>
-              <a:ext uri="{C183D7F6-B498-43B3-948B-1728B52AA6E4}">
-                <adec:decorative xmlns:adec="http://schemas.microsoft.com/office/drawing/2017/decorative" val="1"/>
+                <a16:creationId xmlns:a16="http://schemas.microsoft.com/office/drawing/2014/main" id="{C79042EA-EB3E-4FED-908D-FAC13AB0CFAD}"/>
               </a:ext>
             </a:extLst>
           </p:cNvPr>
-          <p:cNvCxnSpPr>
-            <a:cxnSpLocks noGrp="1" noRot="1" noChangeAspect="1" noMove="1" noResize="1" noEditPoints="1" noAdjustHandles="1" noChangeArrowheads="1" noChangeShapeType="1"/>
-          </p:cNvCxnSpPr>
+          <p:cNvSpPr>
+            <a:spLocks noGrp="1"/>
+          </p:cNvSpPr>
           <p:nvPr>
-            <p:extLst>
-              <p:ext uri="{386F3935-93C4-4BCD-93E2-E3B085C9AB24}">
-                <p16:designElem xmlns:p16="http://schemas.microsoft.com/office/powerpoint/2015/main" val="1"/>
-              </p:ext>
-            </p:extLst>
+            <p:ph idx="1"/>
           </p:nvPr>
-        </p:nvCxnSpPr>
+        </p:nvSpPr>
         <p:spPr>
           <a:xfrm>
-            <a:off x="1047624" y="2265037"/>
-            <a:ext cx="10125012" cy="0"/>
-          </a:xfrm>
-          <a:prstGeom prst="line">
-            <a:avLst/>
-          </a:prstGeom>
-          <a:ln w="15875">
-            <a:solidFill>
-              <a:schemeClr val="tx1">
-                <a:lumMod val="65000"/>
-                <a:lumOff val="35000"/>
-              </a:schemeClr>
-            </a:solidFill>
-          </a:ln>
+            <a:off x="4955354" y="2682433"/>
+            <a:ext cx="6282169" cy="3215749"/>
+          </a:xfrm>
         </p:spPr>
-        <p:style>
-          <a:lnRef idx="1">
-            <a:schemeClr val="accent1"/>
-          </a:lnRef>
-          <a:fillRef idx="0">
-            <a:schemeClr val="accent1"/>
-          </a:fillRef>
-          <a:effectRef idx="0">
-            <a:schemeClr val="accent1"/>
-          </a:effectRef>
-          <a:fontRef idx="minor">
-            <a:schemeClr val="tx1"/>
-          </a:fontRef>
-        </p:style>
-      </p:cxnSp>
+        <p:txBody>
+          <a:bodyPr>
+            <a:normAutofit/>
+          </a:bodyPr>
+          <a:lstStyle/>
+          <a:p>
+            <a:r>
+              <a:rPr lang="en-US" sz="2400" dirty="0"/>
+              <a:t>The image is an 48 by 48 array of pixels</a:t>
+            </a:r>
+          </a:p>
+          <a:p>
+            <a:r>
+              <a:rPr lang="en-US" sz="2400" dirty="0"/>
+              <a:t>Computer doesn’t understand it.</a:t>
+            </a:r>
+          </a:p>
+          <a:p>
+            <a:r>
+              <a:rPr lang="en-US" sz="2400" dirty="0" err="1"/>
+              <a:t>Np.expand_dims</a:t>
+            </a:r>
+            <a:r>
+              <a:rPr lang="en-US" sz="2400" dirty="0"/>
+              <a:t>(processed, 0) add one bracket to the array, or adding one dimension to it. </a:t>
+            </a:r>
+          </a:p>
+          <a:p>
+            <a:r>
+              <a:rPr lang="en-US" sz="2400" dirty="0" err="1"/>
+              <a:t>Np.expand_dims</a:t>
+            </a:r>
+            <a:r>
+              <a:rPr lang="en-US" sz="2400" dirty="0"/>
+              <a:t>(processed, -1) add one bracket to each pixel</a:t>
+            </a:r>
+          </a:p>
+        </p:txBody>
+      </p:sp>
       <p:pic>
         <p:nvPicPr>
           <p:cNvPr id="5" name="Picture 4">
@@ -10641,67 +11109,6 @@
           </a:prstGeom>
         </p:spPr>
       </p:pic>
-      <p:sp>
-        <p:nvSpPr>
-          <p:cNvPr id="3" name="Content Placeholder 2">
-            <a:extLst>
-              <a:ext uri="{FF2B5EF4-FFF2-40B4-BE49-F238E27FC236}">
-                <a16:creationId xmlns:a16="http://schemas.microsoft.com/office/drawing/2014/main" id="{C79042EA-EB3E-4FED-908D-FAC13AB0CFAD}"/>
-              </a:ext>
-            </a:extLst>
-          </p:cNvPr>
-          <p:cNvSpPr>
-            <a:spLocks noGrp="1"/>
-          </p:cNvSpPr>
-          <p:nvPr>
-            <p:ph idx="1"/>
-          </p:nvPr>
-        </p:nvSpPr>
-        <p:spPr>
-          <a:xfrm>
-            <a:off x="4955354" y="2682433"/>
-            <a:ext cx="6282169" cy="3215749"/>
-          </a:xfrm>
-        </p:spPr>
-        <p:txBody>
-          <a:bodyPr>
-            <a:normAutofit/>
-          </a:bodyPr>
-          <a:lstStyle/>
-          <a:p>
-            <a:r>
-              <a:rPr lang="en-US" sz="2400" dirty="0"/>
-              <a:t>The image is an 48 by 48 array of pixels</a:t>
-            </a:r>
-          </a:p>
-          <a:p>
-            <a:r>
-              <a:rPr lang="en-US" sz="2400" dirty="0"/>
-              <a:t>Computer doesn’t understand it.</a:t>
-            </a:r>
-          </a:p>
-          <a:p>
-            <a:r>
-              <a:rPr lang="en-US" sz="2400" dirty="0" err="1"/>
-              <a:t>Np.expand_dims</a:t>
-            </a:r>
-            <a:r>
-              <a:rPr lang="en-US" sz="2400" dirty="0"/>
-              <a:t>(processed, 0) add one bracket to the array, or adding one dimension to it. </a:t>
-            </a:r>
-          </a:p>
-          <a:p>
-            <a:r>
-              <a:rPr lang="en-US" sz="2400" dirty="0" err="1"/>
-              <a:t>Np.expand_dims</a:t>
-            </a:r>
-            <a:r>
-              <a:rPr lang="en-US" sz="2400" dirty="0"/>
-              <a:t>(processed, -1) add one bracket to each pixel</a:t>
-            </a:r>
-          </a:p>
-        </p:txBody>
-      </p:sp>
     </p:spTree>
     <p:extLst>
       <p:ext uri="{BB962C8B-B14F-4D97-AF65-F5344CB8AC3E}">
@@ -10715,7 +11122,7 @@
 </p:sld>
 </file>
 
-<file path=ppt/slides/slide16.xml><?xml version="1.0" encoding="utf-8"?>
+<file path=ppt/slides/slide17.xml><?xml version="1.0" encoding="utf-8"?>
 <p:sld xmlns:a="http://schemas.openxmlformats.org/drawingml/2006/main" xmlns:r="http://schemas.openxmlformats.org/officeDocument/2006/relationships" xmlns:p="http://schemas.openxmlformats.org/presentationml/2006/main">
   <p:cSld>
     <p:bg>
@@ -10775,61 +11182,55 @@
           </a:p>
         </p:txBody>
       </p:sp>
-      <p:cxnSp>
-        <p:nvCxnSpPr>
-          <p:cNvPr id="12" name="Straight Connector 9">
+      <p:sp>
+        <p:nvSpPr>
+          <p:cNvPr id="3" name="Content Placeholder 2">
             <a:extLst>
               <a:ext uri="{FF2B5EF4-FFF2-40B4-BE49-F238E27FC236}">
-                <a16:creationId xmlns:a16="http://schemas.microsoft.com/office/drawing/2014/main" id="{39B7FDC9-F0CE-43A7-9F2A-83DD09DC3453}"/>
-              </a:ext>
-              <a:ext uri="{C183D7F6-B498-43B3-948B-1728B52AA6E4}">
-                <adec:decorative xmlns:adec="http://schemas.microsoft.com/office/drawing/2017/decorative" val="1"/>
+                <a16:creationId xmlns:a16="http://schemas.microsoft.com/office/drawing/2014/main" id="{B5E94719-A8A0-4C80-9FF6-D1B013521A0A}"/>
               </a:ext>
             </a:extLst>
           </p:cNvPr>
-          <p:cNvCxnSpPr>
-            <a:cxnSpLocks noGrp="1" noRot="1" noChangeAspect="1" noMove="1" noResize="1" noEditPoints="1" noAdjustHandles="1" noChangeArrowheads="1" noChangeShapeType="1"/>
-          </p:cNvCxnSpPr>
+          <p:cNvSpPr>
+            <a:spLocks noGrp="1"/>
+          </p:cNvSpPr>
           <p:nvPr>
-            <p:extLst>
-              <p:ext uri="{386F3935-93C4-4BCD-93E2-E3B085C9AB24}">
-                <p16:designElem xmlns:p16="http://schemas.microsoft.com/office/powerpoint/2015/main" val="1"/>
-              </p:ext>
-            </p:extLst>
+            <p:ph idx="1"/>
           </p:nvPr>
-        </p:nvCxnSpPr>
+        </p:nvSpPr>
         <p:spPr>
           <a:xfrm>
-            <a:off x="1047624" y="2265037"/>
-            <a:ext cx="10125012" cy="0"/>
-          </a:xfrm>
-          <a:prstGeom prst="line">
-            <a:avLst/>
-          </a:prstGeom>
-          <a:ln w="15875">
-            <a:solidFill>
-              <a:schemeClr val="tx1">
-                <a:lumMod val="65000"/>
-                <a:lumOff val="35000"/>
-              </a:schemeClr>
-            </a:solidFill>
-          </a:ln>
+            <a:off x="4955354" y="2682433"/>
+            <a:ext cx="6282169" cy="3215749"/>
+          </a:xfrm>
         </p:spPr>
-        <p:style>
-          <a:lnRef idx="1">
-            <a:schemeClr val="accent1"/>
-          </a:lnRef>
-          <a:fillRef idx="0">
-            <a:schemeClr val="accent1"/>
-          </a:fillRef>
-          <a:effectRef idx="0">
-            <a:schemeClr val="accent1"/>
-          </a:effectRef>
-          <a:fontRef idx="minor">
-            <a:schemeClr val="tx1"/>
-          </a:fontRef>
-        </p:style>
-      </p:cxnSp>
+        <p:txBody>
+          <a:bodyPr>
+            <a:normAutofit/>
+          </a:bodyPr>
+          <a:lstStyle/>
+          <a:p>
+            <a:r>
+              <a:rPr lang="en-US" sz="2400"/>
+              <a:t>What does that all mean?????</a:t>
+            </a:r>
+          </a:p>
+          <a:p>
+            <a:r>
+              <a:rPr lang="en-US" sz="2400"/>
+              <a:t>By changing it to a (1,48,48,1) array from (48,48) you are telling the machine, there is one picture of 48 by 48 pixel with one kind of color.</a:t>
+            </a:r>
+          </a:p>
+          <a:p>
+            <a:pPr lvl="1"/>
+            <a:r>
+              <a:rPr lang="en-US"/>
+              <a:t>Color pixel would be (1,48,48,3) where each pixel is an array of 3 color element, or the rgb(255,255,255)</a:t>
+            </a:r>
+            <a:endParaRPr lang="en-US" dirty="0"/>
+          </a:p>
+        </p:txBody>
+      </p:sp>
       <p:pic>
         <p:nvPicPr>
           <p:cNvPr id="5" name="Picture 4">
@@ -10866,55 +11267,6 @@
           </a:prstGeom>
         </p:spPr>
       </p:pic>
-      <p:sp>
-        <p:nvSpPr>
-          <p:cNvPr id="3" name="Content Placeholder 2">
-            <a:extLst>
-              <a:ext uri="{FF2B5EF4-FFF2-40B4-BE49-F238E27FC236}">
-                <a16:creationId xmlns:a16="http://schemas.microsoft.com/office/drawing/2014/main" id="{B5E94719-A8A0-4C80-9FF6-D1B013521A0A}"/>
-              </a:ext>
-            </a:extLst>
-          </p:cNvPr>
-          <p:cNvSpPr>
-            <a:spLocks noGrp="1"/>
-          </p:cNvSpPr>
-          <p:nvPr>
-            <p:ph idx="1"/>
-          </p:nvPr>
-        </p:nvSpPr>
-        <p:spPr>
-          <a:xfrm>
-            <a:off x="4955354" y="2682433"/>
-            <a:ext cx="6282169" cy="3215749"/>
-          </a:xfrm>
-        </p:spPr>
-        <p:txBody>
-          <a:bodyPr>
-            <a:normAutofit/>
-          </a:bodyPr>
-          <a:lstStyle/>
-          <a:p>
-            <a:r>
-              <a:rPr lang="en-US" sz="2400"/>
-              <a:t>What does that all mean?????</a:t>
-            </a:r>
-          </a:p>
-          <a:p>
-            <a:r>
-              <a:rPr lang="en-US" sz="2400"/>
-              <a:t>By changing it to a (1,48,48,1) array from (48,48) you are telling the machine, there is one picture of 48 by 48 pixel with one kind of color.</a:t>
-            </a:r>
-          </a:p>
-          <a:p>
-            <a:pPr lvl="1"/>
-            <a:r>
-              <a:rPr lang="en-US"/>
-              <a:t>Color pixel would be (1,48,48,3) where each pixel is an array of 3 color element, or the rgb(255,255,255)</a:t>
-            </a:r>
-            <a:endParaRPr lang="en-US" dirty="0"/>
-          </a:p>
-        </p:txBody>
-      </p:sp>
     </p:spTree>
     <p:extLst>
       <p:ext uri="{BB962C8B-B14F-4D97-AF65-F5344CB8AC3E}">
@@ -10953,102 +11305,48 @@
           <a:chExt cx="0" cy="0"/>
         </a:xfrm>
       </p:grpSpPr>
-      <p:sp>
-        <p:nvSpPr>
-          <p:cNvPr id="2" name="Title 1">
+      <p:pic>
+        <p:nvPicPr>
+          <p:cNvPr id="6" name="Picture 5">
             <a:extLst>
               <a:ext uri="{FF2B5EF4-FFF2-40B4-BE49-F238E27FC236}">
-                <a16:creationId xmlns:a16="http://schemas.microsoft.com/office/drawing/2014/main" id="{073293D6-BC3F-43FB-8A6C-4310B230E8C5}"/>
+                <a16:creationId xmlns:a16="http://schemas.microsoft.com/office/drawing/2014/main" id="{F0712A46-45E0-BF45-AE73-D71880A1EA19}"/>
               </a:ext>
             </a:extLst>
           </p:cNvPr>
-          <p:cNvSpPr>
-            <a:spLocks noGrp="1"/>
-          </p:cNvSpPr>
-          <p:nvPr>
-            <p:ph type="title"/>
-          </p:nvPr>
-        </p:nvSpPr>
+          <p:cNvPicPr>
+            <a:picLocks noChangeAspect="1"/>
+          </p:cNvPicPr>
+          <p:nvPr/>
+        </p:nvPicPr>
+        <p:blipFill>
+          <a:blip r:embed="rId2">
+            <a:extLst>
+              <a:ext uri="{28A0092B-C50C-407E-A947-70E740481C1C}">
+                <a14:useLocalDpi xmlns:a14="http://schemas.microsoft.com/office/drawing/2010/main" val="0"/>
+              </a:ext>
+            </a:extLst>
+          </a:blip>
+          <a:stretch>
+            <a:fillRect/>
+          </a:stretch>
+        </p:blipFill>
         <p:spPr>
           <a:xfrm>
-            <a:off x="960100" y="978102"/>
-            <a:ext cx="10588434" cy="1062644"/>
-          </a:xfrm>
+            <a:off x="268941" y="205447"/>
+            <a:ext cx="2109620" cy="2059590"/>
+          </a:xfrm>
+          <a:prstGeom prst="rect">
+            <a:avLst/>
+          </a:prstGeom>
         </p:spPr>
-        <p:txBody>
-          <a:bodyPr anchor="b">
-            <a:normAutofit/>
-          </a:bodyPr>
-          <a:lstStyle/>
-          <a:p>
-            <a:r>
-              <a:rPr lang="en-US" dirty="0"/>
-              <a:t>Pretrained Models</a:t>
-            </a:r>
-          </a:p>
-        </p:txBody>
-      </p:sp>
-      <p:cxnSp>
-        <p:nvCxnSpPr>
-          <p:cNvPr id="23" name="Straight Connector 18">
+      </p:pic>
+      <p:sp>
+        <p:nvSpPr>
+          <p:cNvPr id="14" name="Content Placeholder 2">
             <a:extLst>
               <a:ext uri="{FF2B5EF4-FFF2-40B4-BE49-F238E27FC236}">
-                <a16:creationId xmlns:a16="http://schemas.microsoft.com/office/drawing/2014/main" id="{39B7FDC9-F0CE-43A7-9F2A-83DD09DC3453}"/>
-              </a:ext>
-              <a:ext uri="{C183D7F6-B498-43B3-948B-1728B52AA6E4}">
-                <adec:decorative xmlns:adec="http://schemas.microsoft.com/office/drawing/2017/decorative" val="1"/>
-              </a:ext>
-            </a:extLst>
-          </p:cNvPr>
-          <p:cNvCxnSpPr>
-            <a:cxnSpLocks noGrp="1" noRot="1" noChangeAspect="1" noMove="1" noResize="1" noEditPoints="1" noAdjustHandles="1" noChangeArrowheads="1" noChangeShapeType="1"/>
-          </p:cNvCxnSpPr>
-          <p:nvPr>
-            <p:extLst>
-              <p:ext uri="{386F3935-93C4-4BCD-93E2-E3B085C9AB24}">
-                <p16:designElem xmlns:p16="http://schemas.microsoft.com/office/powerpoint/2015/main" val="1"/>
-              </p:ext>
-            </p:extLst>
-          </p:nvPr>
-        </p:nvCxnSpPr>
-        <p:spPr>
-          <a:xfrm>
-            <a:off x="1047624" y="2265037"/>
-            <a:ext cx="10125012" cy="0"/>
-          </a:xfrm>
-          <a:prstGeom prst="line">
-            <a:avLst/>
-          </a:prstGeom>
-          <a:ln w="15875">
-            <a:solidFill>
-              <a:schemeClr val="tx1">
-                <a:lumMod val="65000"/>
-                <a:lumOff val="35000"/>
-              </a:schemeClr>
-            </a:solidFill>
-          </a:ln>
-        </p:spPr>
-        <p:style>
-          <a:lnRef idx="1">
-            <a:schemeClr val="accent1"/>
-          </a:lnRef>
-          <a:fillRef idx="0">
-            <a:schemeClr val="accent1"/>
-          </a:fillRef>
-          <a:effectRef idx="0">
-            <a:schemeClr val="accent1"/>
-          </a:effectRef>
-          <a:fontRef idx="minor">
-            <a:schemeClr val="tx1"/>
-          </a:fontRef>
-        </p:style>
-      </p:cxnSp>
-      <p:sp>
-        <p:nvSpPr>
-          <p:cNvPr id="5" name="Content Placeholder 2">
-            <a:extLst>
-              <a:ext uri="{FF2B5EF4-FFF2-40B4-BE49-F238E27FC236}">
-                <a16:creationId xmlns:a16="http://schemas.microsoft.com/office/drawing/2014/main" id="{9D843EDC-79DE-4BB2-B853-51AA9E55746B}"/>
+                <a16:creationId xmlns:a16="http://schemas.microsoft.com/office/drawing/2014/main" id="{20EA0534-44AD-D445-9D95-4B1BD4398127}"/>
               </a:ext>
             </a:extLst>
           </p:cNvPr>
@@ -11077,30 +11375,8 @@
           <a:p>
             <a:r>
               <a:rPr lang="en-US" dirty="0"/>
-              <a:t>OpenCV’s frontal face classifier to </a:t>
-            </a:r>
-            <a:r>
-              <a:rPr lang="en-US" b="1" dirty="0"/>
-              <a:t>detect faces</a:t>
-            </a:r>
-          </a:p>
-          <a:p>
-            <a:pPr lvl="1"/>
-            <a:r>
-              <a:rPr lang="en-US" dirty="0"/>
-              <a:t>Uses </a:t>
-            </a:r>
-            <a:r>
-              <a:rPr lang="en-US" dirty="0" err="1"/>
-              <a:t>Haar</a:t>
-            </a:r>
-            <a:r>
-              <a:rPr lang="en-US" dirty="0"/>
-              <a:t> Feature-based cascade classifiers</a:t>
-            </a:r>
-          </a:p>
-          <a:p>
-            <a:endParaRPr lang="en-US" dirty="0"/>
+              <a:t>Open Source Computer Vision</a:t>
+            </a:r>
           </a:p>
           <a:p>
             <a:pPr marL="0" indent="0">
@@ -11110,41 +11386,17 @@
           </a:p>
           <a:p>
             <a:r>
-              <a:rPr lang="en-US" dirty="0" err="1"/>
-              <a:t>Keras</a:t>
-            </a:r>
-            <a:r>
               <a:rPr lang="en-US" dirty="0"/>
-              <a:t> CNN to </a:t>
-            </a:r>
-            <a:r>
-              <a:rPr lang="en-US" b="1" dirty="0"/>
-              <a:t>detect emotion</a:t>
-            </a:r>
-          </a:p>
-          <a:p>
-            <a:pPr lvl="1"/>
+              <a:t>Computer Vison and Machine Learning Algorithms</a:t>
+            </a:r>
+          </a:p>
+          <a:p>
+            <a:endParaRPr lang="en-US" dirty="0"/>
+          </a:p>
+          <a:p>
             <a:r>
               <a:rPr lang="en-US" dirty="0"/>
-              <a:t>Trained by </a:t>
-            </a:r>
-            <a:r>
-              <a:rPr lang="en-US" dirty="0" err="1">
-                <a:hlinkClick r:id="rId2"/>
-              </a:rPr>
-              <a:t>oarriaga</a:t>
-            </a:r>
-            <a:r>
-              <a:rPr lang="en-US" dirty="0"/>
-              <a:t> using </a:t>
-            </a:r>
-            <a:r>
-              <a:rPr lang="en-US" dirty="0" err="1"/>
-              <a:t>Keras</a:t>
-            </a:r>
-            <a:r>
-              <a:rPr lang="en-US" dirty="0"/>
-              <a:t> and FER2013 dataset</a:t>
+              <a:t>Used for detection, tracking, image stitching, etc.</a:t>
             </a:r>
           </a:p>
           <a:p>
@@ -11152,10 +11404,46 @@
           </a:p>
         </p:txBody>
       </p:sp>
+      <p:pic>
+        <p:nvPicPr>
+          <p:cNvPr id="15" name="Picture 14">
+            <a:extLst>
+              <a:ext uri="{FF2B5EF4-FFF2-40B4-BE49-F238E27FC236}">
+                <a16:creationId xmlns:a16="http://schemas.microsoft.com/office/drawing/2014/main" id="{8B4DB752-FC1C-4342-8311-F16DEEA2358F}"/>
+              </a:ext>
+            </a:extLst>
+          </p:cNvPr>
+          <p:cNvPicPr>
+            <a:picLocks noChangeAspect="1"/>
+          </p:cNvPicPr>
+          <p:nvPr/>
+        </p:nvPicPr>
+        <p:blipFill>
+          <a:blip r:embed="rId3">
+            <a:extLst>
+              <a:ext uri="{28A0092B-C50C-407E-A947-70E740481C1C}">
+                <a14:useLocalDpi xmlns:a14="http://schemas.microsoft.com/office/drawing/2010/main" val="0"/>
+              </a:ext>
+            </a:extLst>
+          </a:blip>
+          <a:stretch>
+            <a:fillRect/>
+          </a:stretch>
+        </p:blipFill>
+        <p:spPr>
+          <a:xfrm>
+            <a:off x="8672883" y="3226568"/>
+            <a:ext cx="2680917" cy="1962059"/>
+          </a:xfrm>
+          <a:prstGeom prst="rect">
+            <a:avLst/>
+          </a:prstGeom>
+        </p:spPr>
+      </p:pic>
     </p:spTree>
     <p:extLst>
       <p:ext uri="{BB962C8B-B14F-4D97-AF65-F5344CB8AC3E}">
-        <p14:creationId xmlns:p14="http://schemas.microsoft.com/office/powerpoint/2010/main" val="4114500656"/>
+        <p14:creationId xmlns:p14="http://schemas.microsoft.com/office/powerpoint/2010/main" val="1886706447"/>
       </p:ext>
     </p:extLst>
   </p:cSld>
@@ -11209,7 +11497,7 @@
         <p:spPr>
           <a:xfrm>
             <a:off x="960100" y="978102"/>
-            <a:ext cx="3551610" cy="1062644"/>
+            <a:ext cx="10588434" cy="1062644"/>
           </a:xfrm>
         </p:spPr>
         <p:txBody>
@@ -11219,71 +11507,198 @@
           <a:lstStyle/>
           <a:p>
             <a:r>
-              <a:rPr lang="en-US" dirty="0" err="1"/>
-              <a:t>Haar</a:t>
-            </a:r>
-            <a:r>
               <a:rPr lang="en-US" dirty="0"/>
-              <a:t>-features</a:t>
+              <a:t>Pretrained Models</a:t>
             </a:r>
           </a:p>
         </p:txBody>
       </p:sp>
-      <p:cxnSp>
-        <p:nvCxnSpPr>
-          <p:cNvPr id="23" name="Straight Connector 18">
+      <p:sp>
+        <p:nvSpPr>
+          <p:cNvPr id="5" name="Content Placeholder 2">
             <a:extLst>
               <a:ext uri="{FF2B5EF4-FFF2-40B4-BE49-F238E27FC236}">
-                <a16:creationId xmlns:a16="http://schemas.microsoft.com/office/drawing/2014/main" id="{39B7FDC9-F0CE-43A7-9F2A-83DD09DC3453}"/>
-              </a:ext>
-              <a:ext uri="{C183D7F6-B498-43B3-948B-1728B52AA6E4}">
-                <adec:decorative xmlns:adec="http://schemas.microsoft.com/office/drawing/2017/decorative" val="1"/>
+                <a16:creationId xmlns:a16="http://schemas.microsoft.com/office/drawing/2014/main" id="{9D843EDC-79DE-4BB2-B853-51AA9E55746B}"/>
               </a:ext>
             </a:extLst>
           </p:cNvPr>
-          <p:cNvCxnSpPr>
-            <a:cxnSpLocks noGrp="1" noRot="1" noChangeAspect="1" noMove="1" noResize="1" noEditPoints="1" noAdjustHandles="1" noChangeArrowheads="1" noChangeShapeType="1"/>
-          </p:cNvCxnSpPr>
+          <p:cNvSpPr>
+            <a:spLocks noGrp="1"/>
+          </p:cNvSpPr>
           <p:nvPr>
-            <p:extLst>
-              <p:ext uri="{386F3935-93C4-4BCD-93E2-E3B085C9AB24}">
-                <p16:designElem xmlns:p16="http://schemas.microsoft.com/office/powerpoint/2015/main" val="1"/>
-              </p:ext>
-            </p:extLst>
+            <p:ph idx="1"/>
           </p:nvPr>
-        </p:nvCxnSpPr>
+        </p:nvSpPr>
         <p:spPr>
           <a:xfrm>
-            <a:off x="1047624" y="2265037"/>
-            <a:ext cx="10125012" cy="0"/>
-          </a:xfrm>
-          <a:prstGeom prst="line">
-            <a:avLst/>
-          </a:prstGeom>
-          <a:ln w="15875">
-            <a:solidFill>
-              <a:schemeClr val="tx1">
-                <a:lumMod val="65000"/>
-                <a:lumOff val="35000"/>
-              </a:schemeClr>
-            </a:solidFill>
-          </a:ln>
+            <a:off x="838200" y="2499378"/>
+            <a:ext cx="10515600" cy="3416440"/>
+          </a:xfrm>
         </p:spPr>
-        <p:style>
-          <a:lnRef idx="1">
-            <a:schemeClr val="accent1"/>
-          </a:lnRef>
-          <a:fillRef idx="0">
-            <a:schemeClr val="accent1"/>
-          </a:fillRef>
-          <a:effectRef idx="0">
-            <a:schemeClr val="accent1"/>
-          </a:effectRef>
-          <a:fontRef idx="minor">
-            <a:schemeClr val="tx1"/>
-          </a:fontRef>
-        </p:style>
-      </p:cxnSp>
+        <p:txBody>
+          <a:bodyPr/>
+          <a:lstStyle/>
+          <a:p>
+            <a:pPr marL="0" indent="0">
+              <a:buNone/>
+            </a:pPr>
+            <a:endParaRPr lang="en-US" dirty="0"/>
+          </a:p>
+          <a:p>
+            <a:r>
+              <a:rPr lang="en-US" dirty="0"/>
+              <a:t>OpenCV’s frontal face classifier to </a:t>
+            </a:r>
+            <a:r>
+              <a:rPr lang="en-US" b="1" dirty="0"/>
+              <a:t>detect faces</a:t>
+            </a:r>
+          </a:p>
+          <a:p>
+            <a:pPr lvl="1"/>
+            <a:r>
+              <a:rPr lang="en-US" dirty="0"/>
+              <a:t>Uses </a:t>
+            </a:r>
+            <a:r>
+              <a:rPr lang="en-US" dirty="0" err="1"/>
+              <a:t>Haar</a:t>
+            </a:r>
+            <a:r>
+              <a:rPr lang="en-US" dirty="0"/>
+              <a:t> Feature-based cascade classifiers</a:t>
+            </a:r>
+          </a:p>
+          <a:p>
+            <a:endParaRPr lang="en-US" dirty="0"/>
+          </a:p>
+          <a:p>
+            <a:pPr marL="0" indent="0">
+              <a:buNone/>
+            </a:pPr>
+            <a:endParaRPr lang="en-US" dirty="0"/>
+          </a:p>
+          <a:p>
+            <a:r>
+              <a:rPr lang="en-US" dirty="0" err="1"/>
+              <a:t>Keras</a:t>
+            </a:r>
+            <a:r>
+              <a:rPr lang="en-US" dirty="0"/>
+              <a:t> CNN to </a:t>
+            </a:r>
+            <a:r>
+              <a:rPr lang="en-US" b="1" dirty="0"/>
+              <a:t>detect emotion</a:t>
+            </a:r>
+          </a:p>
+          <a:p>
+            <a:pPr lvl="1"/>
+            <a:r>
+              <a:rPr lang="en-US" dirty="0"/>
+              <a:t>Trained by </a:t>
+            </a:r>
+            <a:r>
+              <a:rPr lang="en-US" dirty="0" err="1">
+                <a:hlinkClick r:id="rId2"/>
+              </a:rPr>
+              <a:t>oarriaga</a:t>
+            </a:r>
+            <a:r>
+              <a:rPr lang="en-US" dirty="0"/>
+              <a:t> using </a:t>
+            </a:r>
+            <a:r>
+              <a:rPr lang="en-US" dirty="0" err="1"/>
+              <a:t>Keras</a:t>
+            </a:r>
+            <a:r>
+              <a:rPr lang="en-US" dirty="0"/>
+              <a:t> and FER2013 dataset</a:t>
+            </a:r>
+          </a:p>
+          <a:p>
+            <a:endParaRPr lang="en-US" dirty="0"/>
+          </a:p>
+        </p:txBody>
+      </p:sp>
+    </p:spTree>
+    <p:extLst>
+      <p:ext uri="{BB962C8B-B14F-4D97-AF65-F5344CB8AC3E}">
+        <p14:creationId xmlns:p14="http://schemas.microsoft.com/office/powerpoint/2010/main" val="4114500656"/>
+      </p:ext>
+    </p:extLst>
+  </p:cSld>
+  <p:clrMapOvr>
+    <a:masterClrMapping/>
+  </p:clrMapOvr>
+</p:sld>
+</file>
+
+<file path=ppt/slides/slide4.xml><?xml version="1.0" encoding="utf-8"?>
+<p:sld xmlns:a="http://schemas.openxmlformats.org/drawingml/2006/main" xmlns:r="http://schemas.openxmlformats.org/officeDocument/2006/relationships" xmlns:p="http://schemas.openxmlformats.org/presentationml/2006/main">
+  <p:cSld>
+    <p:bg>
+      <p:bgPr>
+        <a:solidFill>
+          <a:schemeClr val="bg1"/>
+        </a:solidFill>
+        <a:effectLst/>
+      </p:bgPr>
+    </p:bg>
+    <p:spTree>
+      <p:nvGrpSpPr>
+        <p:cNvPr id="1" name=""/>
+        <p:cNvGrpSpPr/>
+        <p:nvPr/>
+      </p:nvGrpSpPr>
+      <p:grpSpPr>
+        <a:xfrm>
+          <a:off x="0" y="0"/>
+          <a:ext cx="0" cy="0"/>
+          <a:chOff x="0" y="0"/>
+          <a:chExt cx="0" cy="0"/>
+        </a:xfrm>
+      </p:grpSpPr>
+      <p:sp>
+        <p:nvSpPr>
+          <p:cNvPr id="2" name="Title 1">
+            <a:extLst>
+              <a:ext uri="{FF2B5EF4-FFF2-40B4-BE49-F238E27FC236}">
+                <a16:creationId xmlns:a16="http://schemas.microsoft.com/office/drawing/2014/main" id="{073293D6-BC3F-43FB-8A6C-4310B230E8C5}"/>
+              </a:ext>
+            </a:extLst>
+          </p:cNvPr>
+          <p:cNvSpPr>
+            <a:spLocks noGrp="1"/>
+          </p:cNvSpPr>
+          <p:nvPr>
+            <p:ph type="title"/>
+          </p:nvPr>
+        </p:nvSpPr>
+        <p:spPr>
+          <a:xfrm>
+            <a:off x="960100" y="978102"/>
+            <a:ext cx="3551610" cy="1062644"/>
+          </a:xfrm>
+        </p:spPr>
+        <p:txBody>
+          <a:bodyPr anchor="b">
+            <a:normAutofit/>
+          </a:bodyPr>
+          <a:lstStyle/>
+          <a:p>
+            <a:r>
+              <a:rPr lang="en-US" dirty="0" err="1"/>
+              <a:t>Haar</a:t>
+            </a:r>
+            <a:r>
+              <a:rPr lang="en-US" dirty="0"/>
+              <a:t>-features</a:t>
+            </a:r>
+          </a:p>
+        </p:txBody>
+      </p:sp>
       <p:pic>
         <p:nvPicPr>
           <p:cNvPr id="9" name="Picture 8">
@@ -11565,7 +11980,7 @@
     </p:spTree>
     <p:extLst>
       <p:ext uri="{BB962C8B-B14F-4D97-AF65-F5344CB8AC3E}">
-        <p14:creationId xmlns:p14="http://schemas.microsoft.com/office/powerpoint/2010/main" val="1886706447"/>
+        <p14:creationId xmlns:p14="http://schemas.microsoft.com/office/powerpoint/2010/main" val="909639969"/>
       </p:ext>
     </p:extLst>
   </p:cSld>
@@ -11575,7 +11990,7 @@
 </p:sld>
 </file>
 
-<file path=ppt/slides/slide4.xml><?xml version="1.0" encoding="utf-8"?>
+<file path=ppt/slides/slide5.xml><?xml version="1.0" encoding="utf-8"?>
 <p:sld xmlns:a="http://schemas.openxmlformats.org/drawingml/2006/main" xmlns:r="http://schemas.openxmlformats.org/officeDocument/2006/relationships" xmlns:p="http://schemas.openxmlformats.org/presentationml/2006/main">
   <p:cSld>
     <p:bg>
@@ -11639,61 +12054,41 @@
           </a:p>
         </p:txBody>
       </p:sp>
-      <p:cxnSp>
-        <p:nvCxnSpPr>
-          <p:cNvPr id="23" name="Straight Connector 18">
+      <p:pic>
+        <p:nvPicPr>
+          <p:cNvPr id="6" name="Content Placeholder 9">
             <a:extLst>
               <a:ext uri="{FF2B5EF4-FFF2-40B4-BE49-F238E27FC236}">
-                <a16:creationId xmlns:a16="http://schemas.microsoft.com/office/drawing/2014/main" id="{39B7FDC9-F0CE-43A7-9F2A-83DD09DC3453}"/>
-              </a:ext>
-              <a:ext uri="{C183D7F6-B498-43B3-948B-1728B52AA6E4}">
-                <adec:decorative xmlns:adec="http://schemas.microsoft.com/office/drawing/2017/decorative" val="1"/>
+                <a16:creationId xmlns:a16="http://schemas.microsoft.com/office/drawing/2014/main" id="{5E2376E0-001D-4155-B247-D153B8F5D978}"/>
               </a:ext>
             </a:extLst>
           </p:cNvPr>
-          <p:cNvCxnSpPr>
-            <a:cxnSpLocks noGrp="1" noRot="1" noChangeAspect="1" noMove="1" noResize="1" noEditPoints="1" noAdjustHandles="1" noChangeArrowheads="1" noChangeShapeType="1"/>
-          </p:cNvCxnSpPr>
+          <p:cNvPicPr>
+            <a:picLocks noGrp="1" noChangeAspect="1"/>
+          </p:cNvPicPr>
           <p:nvPr>
-            <p:extLst>
-              <p:ext uri="{386F3935-93C4-4BCD-93E2-E3B085C9AB24}">
-                <p16:designElem xmlns:p16="http://schemas.microsoft.com/office/powerpoint/2015/main" val="1"/>
-              </p:ext>
-            </p:extLst>
+            <p:ph idx="1"/>
           </p:nvPr>
-        </p:nvCxnSpPr>
+        </p:nvPicPr>
+        <p:blipFill>
+          <a:blip r:embed="rId2">
+            <a:extLst>
+              <a:ext uri="{28A0092B-C50C-407E-A947-70E740481C1C}">
+                <a14:useLocalDpi xmlns:a14="http://schemas.microsoft.com/office/drawing/2010/main" val="0"/>
+              </a:ext>
+            </a:extLst>
+          </a:blip>
+          <a:stretch>
+            <a:fillRect/>
+          </a:stretch>
+        </p:blipFill>
         <p:spPr>
           <a:xfrm>
-            <a:off x="1047624" y="2265037"/>
-            <a:ext cx="10125012" cy="0"/>
-          </a:xfrm>
-          <a:prstGeom prst="line">
-            <a:avLst/>
-          </a:prstGeom>
-          <a:ln w="15875">
-            <a:solidFill>
-              <a:schemeClr val="tx1">
-                <a:lumMod val="65000"/>
-                <a:lumOff val="35000"/>
-              </a:schemeClr>
-            </a:solidFill>
-          </a:ln>
+            <a:off x="3219450" y="2115344"/>
+            <a:ext cx="5753100" cy="3771900"/>
+          </a:xfrm>
         </p:spPr>
-        <p:style>
-          <a:lnRef idx="1">
-            <a:schemeClr val="accent1"/>
-          </a:lnRef>
-          <a:fillRef idx="0">
-            <a:schemeClr val="accent1"/>
-          </a:fillRef>
-          <a:effectRef idx="0">
-            <a:schemeClr val="accent1"/>
-          </a:effectRef>
-          <a:fontRef idx="minor">
-            <a:schemeClr val="tx1"/>
-          </a:fontRef>
-        </p:style>
-      </p:cxnSp>
+      </p:pic>
       <p:pic>
         <p:nvPicPr>
           <p:cNvPr id="10" name="Picture 9">
@@ -11709,44 +12104,6 @@
           <p:nvPr/>
         </p:nvPicPr>
         <p:blipFill>
-          <a:blip r:embed="rId2">
-            <a:extLst>
-              <a:ext uri="{28A0092B-C50C-407E-A947-70E740481C1C}">
-                <a14:useLocalDpi xmlns:a14="http://schemas.microsoft.com/office/drawing/2010/main" val="0"/>
-              </a:ext>
-            </a:extLst>
-          </a:blip>
-          <a:stretch>
-            <a:fillRect/>
-          </a:stretch>
-        </p:blipFill>
-        <p:spPr>
-          <a:xfrm>
-            <a:off x="5174900" y="316330"/>
-            <a:ext cx="5346477" cy="1724416"/>
-          </a:xfrm>
-          <a:prstGeom prst="rect">
-            <a:avLst/>
-          </a:prstGeom>
-        </p:spPr>
-      </p:pic>
-      <p:pic>
-        <p:nvPicPr>
-          <p:cNvPr id="6" name="Content Placeholder 9">
-            <a:extLst>
-              <a:ext uri="{FF2B5EF4-FFF2-40B4-BE49-F238E27FC236}">
-                <a16:creationId xmlns:a16="http://schemas.microsoft.com/office/drawing/2014/main" id="{5E2376E0-001D-4155-B247-D153B8F5D978}"/>
-              </a:ext>
-            </a:extLst>
-          </p:cNvPr>
-          <p:cNvPicPr>
-            <a:picLocks noGrp="1" noChangeAspect="1"/>
-          </p:cNvPicPr>
-          <p:nvPr>
-            <p:ph sz="half" idx="1"/>
-          </p:nvPr>
-        </p:nvPicPr>
-        <p:blipFill>
           <a:blip r:embed="rId3">
             <a:extLst>
               <a:ext uri="{28A0092B-C50C-407E-A947-70E740481C1C}">
@@ -11760,9 +12117,12 @@
         </p:blipFill>
         <p:spPr>
           <a:xfrm>
-            <a:off x="2847883" y="2341271"/>
-            <a:ext cx="6496233" cy="4172775"/>
-          </a:xfrm>
+            <a:off x="5174900" y="316330"/>
+            <a:ext cx="5346477" cy="1724416"/>
+          </a:xfrm>
+          <a:prstGeom prst="rect">
+            <a:avLst/>
+          </a:prstGeom>
         </p:spPr>
       </p:pic>
       <p:sp>
@@ -11845,7 +12205,7 @@
 </p:sld>
 </file>
 
-<file path=ppt/slides/slide5.xml><?xml version="1.0" encoding="utf-8"?>
+<file path=ppt/slides/slide6.xml><?xml version="1.0" encoding="utf-8"?>
 <p:sld xmlns:a="http://schemas.openxmlformats.org/drawingml/2006/main" xmlns:r="http://schemas.openxmlformats.org/officeDocument/2006/relationships" xmlns:p="http://schemas.openxmlformats.org/presentationml/2006/main">
   <p:cSld>
     <p:spTree>
@@ -11944,7 +12304,7 @@
 </p:sld>
 </file>
 
-<file path=ppt/slides/slide6.xml><?xml version="1.0" encoding="utf-8"?>
+<file path=ppt/slides/slide7.xml><?xml version="1.0" encoding="utf-8"?>
 <p:sld xmlns:a="http://schemas.openxmlformats.org/drawingml/2006/main" xmlns:r="http://schemas.openxmlformats.org/officeDocument/2006/relationships" xmlns:p="http://schemas.openxmlformats.org/presentationml/2006/main">
   <p:cSld>
     <p:spTree>
@@ -12006,13 +12366,13 @@
             <a:spLocks noGrp="1"/>
           </p:cNvSpPr>
           <p:nvPr>
-            <p:ph type="ctrTitle"/>
+            <p:ph type="ctrTitle" idx="4294967295"/>
           </p:nvPr>
         </p:nvSpPr>
         <p:spPr>
           <a:xfrm>
-            <a:off x="899917" y="1251533"/>
-            <a:ext cx="6596800" cy="689600"/>
+            <a:off x="0" y="1250950"/>
+            <a:ext cx="6596063" cy="690563"/>
           </a:xfrm>
           <a:prstGeom prst="rect">
             <a:avLst/>
@@ -12187,7 +12547,7 @@
 </p:sld>
 </file>
 
-<file path=ppt/slides/slide7.xml><?xml version="1.0" encoding="utf-8"?>
+<file path=ppt/slides/slide8.xml><?xml version="1.0" encoding="utf-8"?>
 <p:sld xmlns:a="http://schemas.openxmlformats.org/drawingml/2006/main" xmlns:r="http://schemas.openxmlformats.org/officeDocument/2006/relationships" xmlns:p="http://schemas.openxmlformats.org/presentationml/2006/main">
   <p:cSld>
     <p:spTree>
@@ -12451,7 +12811,7 @@
 </p:sld>
 </file>
 
-<file path=ppt/slides/slide8.xml><?xml version="1.0" encoding="utf-8"?>
+<file path=ppt/slides/slide9.xml><?xml version="1.0" encoding="utf-8"?>
 <p:sld xmlns:a="http://schemas.openxmlformats.org/drawingml/2006/main" xmlns:r="http://schemas.openxmlformats.org/officeDocument/2006/relationships" xmlns:p="http://schemas.openxmlformats.org/presentationml/2006/main">
   <p:cSld>
     <p:spTree>
@@ -12639,222 +12999,6 @@
     <p:extLst>
       <p:ext uri="{BB962C8B-B14F-4D97-AF65-F5344CB8AC3E}">
         <p14:creationId xmlns:p14="http://schemas.microsoft.com/office/powerpoint/2010/main" val="1667189698"/>
-      </p:ext>
-    </p:extLst>
-  </p:cSld>
-  <p:clrMapOvr>
-    <a:masterClrMapping/>
-  </p:clrMapOvr>
-</p:sld>
-</file>
-
-<file path=ppt/slides/slide9.xml><?xml version="1.0" encoding="utf-8"?>
-<p:sld xmlns:a="http://schemas.openxmlformats.org/drawingml/2006/main" xmlns:r="http://schemas.openxmlformats.org/officeDocument/2006/relationships" xmlns:p="http://schemas.openxmlformats.org/presentationml/2006/main">
-  <p:cSld>
-    <p:spTree>
-      <p:nvGrpSpPr>
-        <p:cNvPr id="1" name="Shape 83"/>
-        <p:cNvGrpSpPr/>
-        <p:nvPr/>
-      </p:nvGrpSpPr>
-      <p:grpSpPr>
-        <a:xfrm>
-          <a:off x="0" y="0"/>
-          <a:ext cx="0" cy="0"/>
-          <a:chOff x="0" y="0"/>
-          <a:chExt cx="0" cy="0"/>
-        </a:xfrm>
-      </p:grpSpPr>
-      <p:sp>
-        <p:nvSpPr>
-          <p:cNvPr id="84" name="Google Shape;84;p16"/>
-          <p:cNvSpPr txBox="1">
-            <a:spLocks noGrp="1"/>
-          </p:cNvSpPr>
-          <p:nvPr>
-            <p:ph type="title"/>
-          </p:nvPr>
-        </p:nvSpPr>
-        <p:spPr>
-          <a:xfrm>
-            <a:off x="0" y="0"/>
-            <a:ext cx="12192000" cy="763600"/>
-          </a:xfrm>
-          <a:prstGeom prst="rect">
-            <a:avLst/>
-          </a:prstGeom>
-        </p:spPr>
-        <p:txBody>
-          <a:bodyPr spcFirstLastPara="1" vert="horz" wrap="square" lIns="121900" tIns="121900" rIns="121900" bIns="121900" rtlCol="0" anchor="t" anchorCtr="0">
-            <a:noAutofit/>
-          </a:bodyPr>
-          <a:lstStyle/>
-          <a:p>
-            <a:pPr algn="ctr"/>
-            <a:r>
-              <a:rPr lang="en"/>
-              <a:t>Detect, crop, and reshape the image</a:t>
-            </a:r>
-            <a:endParaRPr/>
-          </a:p>
-        </p:txBody>
-      </p:sp>
-      <p:pic>
-        <p:nvPicPr>
-          <p:cNvPr id="85" name="Google Shape;85;p16"/>
-          <p:cNvPicPr preferRelativeResize="0"/>
-          <p:nvPr/>
-        </p:nvPicPr>
-        <p:blipFill>
-          <a:blip r:embed="rId3">
-            <a:alphaModFix/>
-          </a:blip>
-          <a:stretch>
-            <a:fillRect/>
-          </a:stretch>
-        </p:blipFill>
-        <p:spPr>
-          <a:xfrm>
-            <a:off x="1047301" y="1087034"/>
-            <a:ext cx="9204300" cy="2667567"/>
-          </a:xfrm>
-          <a:prstGeom prst="rect">
-            <a:avLst/>
-          </a:prstGeom>
-          <a:noFill/>
-          <a:ln>
-            <a:noFill/>
-          </a:ln>
-        </p:spPr>
-      </p:pic>
-      <p:pic>
-        <p:nvPicPr>
-          <p:cNvPr id="86" name="Google Shape;86;p16"/>
-          <p:cNvPicPr preferRelativeResize="0"/>
-          <p:nvPr/>
-        </p:nvPicPr>
-        <p:blipFill>
-          <a:blip r:embed="rId4">
-            <a:alphaModFix/>
-          </a:blip>
-          <a:stretch>
-            <a:fillRect/>
-          </a:stretch>
-        </p:blipFill>
-        <p:spPr>
-          <a:xfrm>
-            <a:off x="2034434" y="3754600"/>
-            <a:ext cx="3325068" cy="2697000"/>
-          </a:xfrm>
-          <a:prstGeom prst="rect">
-            <a:avLst/>
-          </a:prstGeom>
-          <a:noFill/>
-          <a:ln>
-            <a:noFill/>
-          </a:ln>
-        </p:spPr>
-      </p:pic>
-      <p:pic>
-        <p:nvPicPr>
-          <p:cNvPr id="87" name="Google Shape;87;p16"/>
-          <p:cNvPicPr preferRelativeResize="0"/>
-          <p:nvPr/>
-        </p:nvPicPr>
-        <p:blipFill>
-          <a:blip r:embed="rId5">
-            <a:alphaModFix/>
-          </a:blip>
-          <a:stretch>
-            <a:fillRect/>
-          </a:stretch>
-        </p:blipFill>
-        <p:spPr>
-          <a:xfrm>
-            <a:off x="6300701" y="3754600"/>
-            <a:ext cx="2697000" cy="2697000"/>
-          </a:xfrm>
-          <a:prstGeom prst="rect">
-            <a:avLst/>
-          </a:prstGeom>
-          <a:noFill/>
-          <a:ln>
-            <a:noFill/>
-          </a:ln>
-        </p:spPr>
-      </p:pic>
-      <p:sp>
-        <p:nvSpPr>
-          <p:cNvPr id="88" name="Google Shape;88;p16"/>
-          <p:cNvSpPr txBox="1"/>
-          <p:nvPr/>
-        </p:nvSpPr>
-        <p:spPr>
-          <a:xfrm>
-            <a:off x="6534000" y="6359200"/>
-            <a:ext cx="2230400" cy="498800"/>
-          </a:xfrm>
-          <a:prstGeom prst="rect">
-            <a:avLst/>
-          </a:prstGeom>
-          <a:noFill/>
-          <a:ln>
-            <a:noFill/>
-          </a:ln>
-        </p:spPr>
-        <p:txBody>
-          <a:bodyPr spcFirstLastPara="1" wrap="square" lIns="121900" tIns="121900" rIns="121900" bIns="121900" anchor="t" anchorCtr="0">
-            <a:noAutofit/>
-          </a:bodyPr>
-          <a:lstStyle/>
-          <a:p>
-            <a:pPr algn="ctr"/>
-            <a:r>
-              <a:rPr lang="en" sz="2400"/>
-              <a:t>48</a:t>
-            </a:r>
-            <a:endParaRPr sz="2400"/>
-          </a:p>
-        </p:txBody>
-      </p:sp>
-      <p:sp>
-        <p:nvSpPr>
-          <p:cNvPr id="89" name="Google Shape;89;p16"/>
-          <p:cNvSpPr txBox="1"/>
-          <p:nvPr/>
-        </p:nvSpPr>
-        <p:spPr>
-          <a:xfrm>
-            <a:off x="8122800" y="4807500"/>
-            <a:ext cx="2230400" cy="498800"/>
-          </a:xfrm>
-          <a:prstGeom prst="rect">
-            <a:avLst/>
-          </a:prstGeom>
-          <a:noFill/>
-          <a:ln>
-            <a:noFill/>
-          </a:ln>
-        </p:spPr>
-        <p:txBody>
-          <a:bodyPr spcFirstLastPara="1" wrap="square" lIns="121900" tIns="121900" rIns="121900" bIns="121900" anchor="t" anchorCtr="0">
-            <a:noAutofit/>
-          </a:bodyPr>
-          <a:lstStyle/>
-          <a:p>
-            <a:pPr algn="ctr"/>
-            <a:r>
-              <a:rPr lang="en" sz="2400"/>
-              <a:t>48</a:t>
-            </a:r>
-            <a:endParaRPr sz="2400"/>
-          </a:p>
-        </p:txBody>
-      </p:sp>
-    </p:spTree>
-    <p:extLst>
-      <p:ext uri="{BB962C8B-B14F-4D97-AF65-F5344CB8AC3E}">
-        <p14:creationId xmlns:p14="http://schemas.microsoft.com/office/powerpoint/2010/main" val="3697891574"/>
       </p:ext>
     </p:extLst>
   </p:cSld>
